--- a/Сортировка слияниями.pptx
+++ b/Сортировка слияниями.pptx
@@ -1,9 +1,12 @@
 
 <file path=ppt/presentation.xml><?xml version="1.0" encoding="utf-8"?>
-<p:presentation xmlns:a="http://schemas.openxmlformats.org/drawingml/2006/main" xmlns:r="http://schemas.openxmlformats.org/officeDocument/2006/relationships" xmlns:p="http://schemas.openxmlformats.org/presentationml/2006/main" saveSubsetFonts="1">
+<p:presentation xmlns:a="http://schemas.openxmlformats.org/drawingml/2006/main" xmlns:r="http://schemas.openxmlformats.org/officeDocument/2006/relationships" xmlns:p="http://schemas.openxmlformats.org/presentationml/2006/main" showSpecialPlsOnTitleSld="0" saveSubsetFonts="1">
   <p:sldMasterIdLst>
-    <p:sldMasterId id="2147483690" r:id="rId1"/>
+    <p:sldMasterId id="2147483861" r:id="rId1"/>
   </p:sldMasterIdLst>
+  <p:notesMasterIdLst>
+    <p:notesMasterId r:id="rId14"/>
+  </p:notesMasterIdLst>
   <p:sldIdLst>
     <p:sldId id="256" r:id="rId2"/>
     <p:sldId id="257" r:id="rId3"/>
@@ -16,6 +19,7 @@
     <p:sldId id="264" r:id="rId10"/>
     <p:sldId id="265" r:id="rId11"/>
     <p:sldId id="266" r:id="rId12"/>
+    <p:sldId id="267" r:id="rId13"/>
   </p:sldIdLst>
   <p:sldSz cx="12192000" cy="6858000"/>
   <p:notesSz cx="6858000" cy="9144000"/>
@@ -122,8 +126,442 @@
 </p:presentation>
 </file>
 
+<file path=ppt/notesMasters/notesMaster1.xml><?xml version="1.0" encoding="utf-8"?>
+<p:notesMaster xmlns:a="http://schemas.openxmlformats.org/drawingml/2006/main" xmlns:r="http://schemas.openxmlformats.org/officeDocument/2006/relationships" xmlns:p="http://schemas.openxmlformats.org/presentationml/2006/main">
+  <p:cSld>
+    <p:bg>
+      <p:bgRef idx="1001">
+        <a:schemeClr val="bg1"/>
+      </p:bgRef>
+    </p:bg>
+    <p:spTree>
+      <p:nvGrpSpPr>
+        <p:cNvPr id="1" name=""/>
+        <p:cNvGrpSpPr/>
+        <p:nvPr/>
+      </p:nvGrpSpPr>
+      <p:grpSpPr>
+        <a:xfrm>
+          <a:off x="0" y="0"/>
+          <a:ext cx="0" cy="0"/>
+          <a:chOff x="0" y="0"/>
+          <a:chExt cx="0" cy="0"/>
+        </a:xfrm>
+      </p:grpSpPr>
+      <p:sp>
+        <p:nvSpPr>
+          <p:cNvPr id="2" name="Верхний колонтитул 1"/>
+          <p:cNvSpPr>
+            <a:spLocks noGrp="1"/>
+          </p:cNvSpPr>
+          <p:nvPr>
+            <p:ph type="hdr" sz="quarter"/>
+          </p:nvPr>
+        </p:nvSpPr>
+        <p:spPr>
+          <a:xfrm>
+            <a:off x="0" y="0"/>
+            <a:ext cx="2971800" cy="458788"/>
+          </a:xfrm>
+          <a:prstGeom prst="rect">
+            <a:avLst/>
+          </a:prstGeom>
+        </p:spPr>
+        <p:txBody>
+          <a:bodyPr vert="horz" lIns="91440" tIns="45720" rIns="91440" bIns="45720" rtlCol="0"/>
+          <a:lstStyle>
+            <a:lvl1pPr algn="l">
+              <a:defRPr sz="1200"/>
+            </a:lvl1pPr>
+          </a:lstStyle>
+          <a:p>
+            <a:endParaRPr lang="ru-RU"/>
+          </a:p>
+        </p:txBody>
+      </p:sp>
+      <p:sp>
+        <p:nvSpPr>
+          <p:cNvPr id="3" name="Дата 2"/>
+          <p:cNvSpPr>
+            <a:spLocks noGrp="1"/>
+          </p:cNvSpPr>
+          <p:nvPr>
+            <p:ph type="dt" idx="1"/>
+          </p:nvPr>
+        </p:nvSpPr>
+        <p:spPr>
+          <a:xfrm>
+            <a:off x="3884613" y="0"/>
+            <a:ext cx="2971800" cy="458788"/>
+          </a:xfrm>
+          <a:prstGeom prst="rect">
+            <a:avLst/>
+          </a:prstGeom>
+        </p:spPr>
+        <p:txBody>
+          <a:bodyPr vert="horz" lIns="91440" tIns="45720" rIns="91440" bIns="45720" rtlCol="0"/>
+          <a:lstStyle>
+            <a:lvl1pPr algn="r">
+              <a:defRPr sz="1200"/>
+            </a:lvl1pPr>
+          </a:lstStyle>
+          <a:p>
+            <a:fld id="{0A480BA5-694A-4708-B0AE-C181AB60A147}" type="datetimeFigureOut">
+              <a:rPr lang="ru-RU" smtClean="0"/>
+              <a:t>29.08.2015</a:t>
+            </a:fld>
+            <a:endParaRPr lang="ru-RU"/>
+          </a:p>
+        </p:txBody>
+      </p:sp>
+      <p:sp>
+        <p:nvSpPr>
+          <p:cNvPr id="4" name="Образ слайда 3"/>
+          <p:cNvSpPr>
+            <a:spLocks noGrp="1" noRot="1" noChangeAspect="1"/>
+          </p:cNvSpPr>
+          <p:nvPr>
+            <p:ph type="sldImg" idx="2"/>
+          </p:nvPr>
+        </p:nvSpPr>
+        <p:spPr>
+          <a:xfrm>
+            <a:off x="685800" y="1143000"/>
+            <a:ext cx="5486400" cy="3086100"/>
+          </a:xfrm>
+          <a:prstGeom prst="rect">
+            <a:avLst/>
+          </a:prstGeom>
+          <a:noFill/>
+          <a:ln w="12700">
+            <a:solidFill>
+              <a:prstClr val="black"/>
+            </a:solidFill>
+          </a:ln>
+        </p:spPr>
+        <p:txBody>
+          <a:bodyPr vert="horz" lIns="91440" tIns="45720" rIns="91440" bIns="45720" rtlCol="0" anchor="ctr"/>
+          <a:lstStyle/>
+          <a:p>
+            <a:endParaRPr lang="ru-RU"/>
+          </a:p>
+        </p:txBody>
+      </p:sp>
+      <p:sp>
+        <p:nvSpPr>
+          <p:cNvPr id="5" name="Заметки 4"/>
+          <p:cNvSpPr>
+            <a:spLocks noGrp="1"/>
+          </p:cNvSpPr>
+          <p:nvPr>
+            <p:ph type="body" sz="quarter" idx="3"/>
+          </p:nvPr>
+        </p:nvSpPr>
+        <p:spPr>
+          <a:xfrm>
+            <a:off x="685800" y="4400550"/>
+            <a:ext cx="5486400" cy="3600450"/>
+          </a:xfrm>
+          <a:prstGeom prst="rect">
+            <a:avLst/>
+          </a:prstGeom>
+        </p:spPr>
+        <p:txBody>
+          <a:bodyPr vert="horz" lIns="91440" tIns="45720" rIns="91440" bIns="45720" rtlCol="0"/>
+          <a:lstStyle/>
+          <a:p>
+            <a:pPr lvl="0"/>
+            <a:r>
+              <a:rPr lang="ru-RU" smtClean="0"/>
+              <a:t>Образец текста</a:t>
+            </a:r>
+          </a:p>
+          <a:p>
+            <a:pPr lvl="1"/>
+            <a:r>
+              <a:rPr lang="ru-RU" smtClean="0"/>
+              <a:t>Второй уровень</a:t>
+            </a:r>
+          </a:p>
+          <a:p>
+            <a:pPr lvl="2"/>
+            <a:r>
+              <a:rPr lang="ru-RU" smtClean="0"/>
+              <a:t>Третий уровень</a:t>
+            </a:r>
+          </a:p>
+          <a:p>
+            <a:pPr lvl="3"/>
+            <a:r>
+              <a:rPr lang="ru-RU" smtClean="0"/>
+              <a:t>Четвертый уровень</a:t>
+            </a:r>
+          </a:p>
+          <a:p>
+            <a:pPr lvl="4"/>
+            <a:r>
+              <a:rPr lang="ru-RU" smtClean="0"/>
+              <a:t>Пятый уровень</a:t>
+            </a:r>
+            <a:endParaRPr lang="ru-RU"/>
+          </a:p>
+        </p:txBody>
+      </p:sp>
+      <p:sp>
+        <p:nvSpPr>
+          <p:cNvPr id="6" name="Нижний колонтитул 5"/>
+          <p:cNvSpPr>
+            <a:spLocks noGrp="1"/>
+          </p:cNvSpPr>
+          <p:nvPr>
+            <p:ph type="ftr" sz="quarter" idx="4"/>
+          </p:nvPr>
+        </p:nvSpPr>
+        <p:spPr>
+          <a:xfrm>
+            <a:off x="0" y="8685213"/>
+            <a:ext cx="2971800" cy="458787"/>
+          </a:xfrm>
+          <a:prstGeom prst="rect">
+            <a:avLst/>
+          </a:prstGeom>
+        </p:spPr>
+        <p:txBody>
+          <a:bodyPr vert="horz" lIns="91440" tIns="45720" rIns="91440" bIns="45720" rtlCol="0" anchor="b"/>
+          <a:lstStyle>
+            <a:lvl1pPr algn="l">
+              <a:defRPr sz="1200"/>
+            </a:lvl1pPr>
+          </a:lstStyle>
+          <a:p>
+            <a:endParaRPr lang="ru-RU"/>
+          </a:p>
+        </p:txBody>
+      </p:sp>
+      <p:sp>
+        <p:nvSpPr>
+          <p:cNvPr id="7" name="Номер слайда 6"/>
+          <p:cNvSpPr>
+            <a:spLocks noGrp="1"/>
+          </p:cNvSpPr>
+          <p:nvPr>
+            <p:ph type="sldNum" sz="quarter" idx="5"/>
+          </p:nvPr>
+        </p:nvSpPr>
+        <p:spPr>
+          <a:xfrm>
+            <a:off x="3884613" y="8685213"/>
+            <a:ext cx="2971800" cy="458787"/>
+          </a:xfrm>
+          <a:prstGeom prst="rect">
+            <a:avLst/>
+          </a:prstGeom>
+        </p:spPr>
+        <p:txBody>
+          <a:bodyPr vert="horz" lIns="91440" tIns="45720" rIns="91440" bIns="45720" rtlCol="0" anchor="b"/>
+          <a:lstStyle>
+            <a:lvl1pPr algn="r">
+              <a:defRPr sz="1200"/>
+            </a:lvl1pPr>
+          </a:lstStyle>
+          <a:p>
+            <a:fld id="{4D1E933C-B7E2-4419-9C56-269F0458F479}" type="slidenum">
+              <a:rPr lang="ru-RU" smtClean="0"/>
+              <a:t>‹#›</a:t>
+            </a:fld>
+            <a:endParaRPr lang="ru-RU"/>
+          </a:p>
+        </p:txBody>
+      </p:sp>
+    </p:spTree>
+    <p:extLst>
+      <p:ext uri="{BB962C8B-B14F-4D97-AF65-F5344CB8AC3E}">
+        <p14:creationId xmlns:p14="http://schemas.microsoft.com/office/powerpoint/2010/main" val="3369629722"/>
+      </p:ext>
+    </p:extLst>
+  </p:cSld>
+  <p:clrMap bg1="lt1" tx1="dk1" bg2="lt2" tx2="dk2" accent1="accent1" accent2="accent2" accent3="accent3" accent4="accent4" accent5="accent5" accent6="accent6" hlink="hlink" folHlink="folHlink"/>
+  <p:notesStyle>
+    <a:lvl1pPr marL="0" algn="l" defTabSz="914400" rtl="0" eaLnBrk="1" latinLnBrk="0" hangingPunct="1">
+      <a:defRPr sz="1200" kern="1200">
+        <a:solidFill>
+          <a:schemeClr val="tx1"/>
+        </a:solidFill>
+        <a:latin typeface="+mn-lt"/>
+        <a:ea typeface="+mn-ea"/>
+        <a:cs typeface="+mn-cs"/>
+      </a:defRPr>
+    </a:lvl1pPr>
+    <a:lvl2pPr marL="457200" algn="l" defTabSz="914400" rtl="0" eaLnBrk="1" latinLnBrk="0" hangingPunct="1">
+      <a:defRPr sz="1200" kern="1200">
+        <a:solidFill>
+          <a:schemeClr val="tx1"/>
+        </a:solidFill>
+        <a:latin typeface="+mn-lt"/>
+        <a:ea typeface="+mn-ea"/>
+        <a:cs typeface="+mn-cs"/>
+      </a:defRPr>
+    </a:lvl2pPr>
+    <a:lvl3pPr marL="914400" algn="l" defTabSz="914400" rtl="0" eaLnBrk="1" latinLnBrk="0" hangingPunct="1">
+      <a:defRPr sz="1200" kern="1200">
+        <a:solidFill>
+          <a:schemeClr val="tx1"/>
+        </a:solidFill>
+        <a:latin typeface="+mn-lt"/>
+        <a:ea typeface="+mn-ea"/>
+        <a:cs typeface="+mn-cs"/>
+      </a:defRPr>
+    </a:lvl3pPr>
+    <a:lvl4pPr marL="1371600" algn="l" defTabSz="914400" rtl="0" eaLnBrk="1" latinLnBrk="0" hangingPunct="1">
+      <a:defRPr sz="1200" kern="1200">
+        <a:solidFill>
+          <a:schemeClr val="tx1"/>
+        </a:solidFill>
+        <a:latin typeface="+mn-lt"/>
+        <a:ea typeface="+mn-ea"/>
+        <a:cs typeface="+mn-cs"/>
+      </a:defRPr>
+    </a:lvl4pPr>
+    <a:lvl5pPr marL="1828800" algn="l" defTabSz="914400" rtl="0" eaLnBrk="1" latinLnBrk="0" hangingPunct="1">
+      <a:defRPr sz="1200" kern="1200">
+        <a:solidFill>
+          <a:schemeClr val="tx1"/>
+        </a:solidFill>
+        <a:latin typeface="+mn-lt"/>
+        <a:ea typeface="+mn-ea"/>
+        <a:cs typeface="+mn-cs"/>
+      </a:defRPr>
+    </a:lvl5pPr>
+    <a:lvl6pPr marL="2286000" algn="l" defTabSz="914400" rtl="0" eaLnBrk="1" latinLnBrk="0" hangingPunct="1">
+      <a:defRPr sz="1200" kern="1200">
+        <a:solidFill>
+          <a:schemeClr val="tx1"/>
+        </a:solidFill>
+        <a:latin typeface="+mn-lt"/>
+        <a:ea typeface="+mn-ea"/>
+        <a:cs typeface="+mn-cs"/>
+      </a:defRPr>
+    </a:lvl6pPr>
+    <a:lvl7pPr marL="2743200" algn="l" defTabSz="914400" rtl="0" eaLnBrk="1" latinLnBrk="0" hangingPunct="1">
+      <a:defRPr sz="1200" kern="1200">
+        <a:solidFill>
+          <a:schemeClr val="tx1"/>
+        </a:solidFill>
+        <a:latin typeface="+mn-lt"/>
+        <a:ea typeface="+mn-ea"/>
+        <a:cs typeface="+mn-cs"/>
+      </a:defRPr>
+    </a:lvl7pPr>
+    <a:lvl8pPr marL="3200400" algn="l" defTabSz="914400" rtl="0" eaLnBrk="1" latinLnBrk="0" hangingPunct="1">
+      <a:defRPr sz="1200" kern="1200">
+        <a:solidFill>
+          <a:schemeClr val="tx1"/>
+        </a:solidFill>
+        <a:latin typeface="+mn-lt"/>
+        <a:ea typeface="+mn-ea"/>
+        <a:cs typeface="+mn-cs"/>
+      </a:defRPr>
+    </a:lvl8pPr>
+    <a:lvl9pPr marL="3657600" algn="l" defTabSz="914400" rtl="0" eaLnBrk="1" latinLnBrk="0" hangingPunct="1">
+      <a:defRPr sz="1200" kern="1200">
+        <a:solidFill>
+          <a:schemeClr val="tx1"/>
+        </a:solidFill>
+        <a:latin typeface="+mn-lt"/>
+        <a:ea typeface="+mn-ea"/>
+        <a:cs typeface="+mn-cs"/>
+      </a:defRPr>
+    </a:lvl9pPr>
+  </p:notesStyle>
+</p:notesMaster>
+</file>
+
+<file path=ppt/notesSlides/notesSlide1.xml><?xml version="1.0" encoding="utf-8"?>
+<p:notes xmlns:a="http://schemas.openxmlformats.org/drawingml/2006/main" xmlns:r="http://schemas.openxmlformats.org/officeDocument/2006/relationships" xmlns:p="http://schemas.openxmlformats.org/presentationml/2006/main">
+  <p:cSld>
+    <p:spTree>
+      <p:nvGrpSpPr>
+        <p:cNvPr id="1" name=""/>
+        <p:cNvGrpSpPr/>
+        <p:nvPr/>
+      </p:nvGrpSpPr>
+      <p:grpSpPr>
+        <a:xfrm>
+          <a:off x="0" y="0"/>
+          <a:ext cx="0" cy="0"/>
+          <a:chOff x="0" y="0"/>
+          <a:chExt cx="0" cy="0"/>
+        </a:xfrm>
+      </p:grpSpPr>
+      <p:sp>
+        <p:nvSpPr>
+          <p:cNvPr id="2" name="Образ слайда 1"/>
+          <p:cNvSpPr>
+            <a:spLocks noGrp="1" noRot="1" noChangeAspect="1"/>
+          </p:cNvSpPr>
+          <p:nvPr>
+            <p:ph type="sldImg"/>
+          </p:nvPr>
+        </p:nvSpPr>
+        <p:spPr/>
+      </p:sp>
+      <p:sp>
+        <p:nvSpPr>
+          <p:cNvPr id="3" name="Заметки 2"/>
+          <p:cNvSpPr>
+            <a:spLocks noGrp="1"/>
+          </p:cNvSpPr>
+          <p:nvPr>
+            <p:ph type="body" idx="1"/>
+          </p:nvPr>
+        </p:nvSpPr>
+        <p:spPr/>
+        <p:txBody>
+          <a:bodyPr/>
+          <a:lstStyle/>
+          <a:p>
+            <a:endParaRPr lang="ru-RU"/>
+          </a:p>
+        </p:txBody>
+      </p:sp>
+      <p:sp>
+        <p:nvSpPr>
+          <p:cNvPr id="4" name="Номер слайда 3"/>
+          <p:cNvSpPr>
+            <a:spLocks noGrp="1"/>
+          </p:cNvSpPr>
+          <p:nvPr>
+            <p:ph type="sldNum" sz="quarter" idx="10"/>
+          </p:nvPr>
+        </p:nvSpPr>
+        <p:spPr/>
+        <p:txBody>
+          <a:bodyPr/>
+          <a:lstStyle/>
+          <a:p>
+            <a:fld id="{EE627FFE-BC01-412F-8DDF-B9EA07E906CB}" type="slidenum">
+              <a:rPr lang="ru-RU" smtClean="0"/>
+              <a:t>12</a:t>
+            </a:fld>
+            <a:endParaRPr lang="ru-RU"/>
+          </a:p>
+        </p:txBody>
+      </p:sp>
+    </p:spTree>
+    <p:extLst>
+      <p:ext uri="{BB962C8B-B14F-4D97-AF65-F5344CB8AC3E}">
+        <p14:creationId xmlns:p14="http://schemas.microsoft.com/office/powerpoint/2010/main" val="124966472"/>
+      </p:ext>
+    </p:extLst>
+  </p:cSld>
+  <p:clrMapOvr>
+    <a:masterClrMapping/>
+  </p:clrMapOvr>
+</p:notes>
+</file>
+
 <file path=ppt/slideLayouts/slideLayout1.xml><?xml version="1.0" encoding="utf-8"?>
-<p:sldLayout xmlns:a="http://schemas.openxmlformats.org/drawingml/2006/main" xmlns:r="http://schemas.openxmlformats.org/officeDocument/2006/relationships" xmlns:p="http://schemas.openxmlformats.org/presentationml/2006/main" showMasterSp="0" type="title" preserve="1">
+<p:sldLayout xmlns:a="http://schemas.openxmlformats.org/drawingml/2006/main" xmlns:r="http://schemas.openxmlformats.org/officeDocument/2006/relationships" xmlns:p="http://schemas.openxmlformats.org/presentationml/2006/main" type="title" preserve="1">
   <p:cSld name="Титульный слайд">
     <p:spTree>
       <p:nvGrpSpPr>
@@ -139,261 +577,36 @@
           <a:chExt cx="0" cy="0"/>
         </a:xfrm>
       </p:grpSpPr>
-      <p:sp>
-        <p:nvSpPr>
-          <p:cNvPr id="7" name="Rectangle 6"/>
-          <p:cNvSpPr/>
+      <p:pic>
+        <p:nvPicPr>
+          <p:cNvPr id="7" name="Picture 6" descr="Droplets-HD-Title-R1d.png"/>
+          <p:cNvPicPr>
+            <a:picLocks noChangeAspect="1"/>
+          </p:cNvPicPr>
           <p:nvPr/>
-        </p:nvSpPr>
-        <p:spPr>
-          <a:xfrm>
-            <a:off x="920834" y="1346946"/>
-            <a:ext cx="10222992" cy="80683"/>
+        </p:nvPicPr>
+        <p:blipFill>
+          <a:blip r:embed="rId2">
+            <a:extLst>
+              <a:ext uri="{28A0092B-C50C-407E-A947-70E740481C1C}">
+                <a14:useLocalDpi xmlns:a14="http://schemas.microsoft.com/office/drawing/2010/main" val="0"/>
+              </a:ext>
+            </a:extLst>
+          </a:blip>
+          <a:stretch>
+            <a:fillRect/>
+          </a:stretch>
+        </p:blipFill>
+        <p:spPr>
+          <a:xfrm>
+            <a:off x="0" y="0"/>
+            <a:ext cx="12192000" cy="6858000"/>
           </a:xfrm>
           <a:prstGeom prst="rect">
             <a:avLst/>
           </a:prstGeom>
-          <a:blipFill dpi="0" rotWithShape="1">
-            <a:blip r:embed="rId2">
-              <a:alphaModFix amt="83000"/>
-              <a:lum bright="70000" contrast="-70000"/>
-              <a:extLst>
-                <a:ext uri="{BEBA8EAE-BF5A-486C-A8C5-ECC9F3942E4B}">
-                  <a14:imgProps xmlns:a14="http://schemas.microsoft.com/office/drawing/2010/main">
-                    <a14:imgLayer r:embed="rId3">
-                      <a14:imgEffect>
-                        <a14:sharpenSoften amount="61000"/>
-                      </a14:imgEffect>
-                    </a14:imgLayer>
-                  </a14:imgProps>
-                </a:ext>
-                <a:ext uri="{28A0092B-C50C-407E-A947-70E740481C1C}">
-                  <a14:useLocalDpi xmlns:a14="http://schemas.microsoft.com/office/drawing/2010/main" val="0"/>
-                </a:ext>
-              </a:extLst>
-            </a:blip>
-            <a:srcRect/>
-            <a:tile tx="0" ty="-762000" sx="92000" sy="89000" flip="xy" algn="ctr"/>
-          </a:blipFill>
-          <a:ln>
-            <a:noFill/>
-          </a:ln>
-        </p:spPr>
-        <p:style>
-          <a:lnRef idx="2">
-            <a:schemeClr val="accent1">
-              <a:shade val="50000"/>
-            </a:schemeClr>
-          </a:lnRef>
-          <a:fillRef idx="1">
-            <a:schemeClr val="accent1"/>
-          </a:fillRef>
-          <a:effectRef idx="0">
-            <a:schemeClr val="accent1"/>
-          </a:effectRef>
-          <a:fontRef idx="minor">
-            <a:schemeClr val="lt1"/>
-          </a:fontRef>
-        </p:style>
-      </p:sp>
-      <p:sp>
-        <p:nvSpPr>
-          <p:cNvPr id="8" name="Rectangle 7"/>
-          <p:cNvSpPr/>
-          <p:nvPr/>
-        </p:nvSpPr>
-        <p:spPr>
-          <a:xfrm>
-            <a:off x="920834" y="4299696"/>
-            <a:ext cx="10222992" cy="80683"/>
-          </a:xfrm>
-          <a:prstGeom prst="rect">
-            <a:avLst/>
-          </a:prstGeom>
-          <a:blipFill dpi="0" rotWithShape="1">
-            <a:blip r:embed="rId2">
-              <a:alphaModFix amt="83000"/>
-              <a:lum bright="70000" contrast="-70000"/>
-              <a:extLst>
-                <a:ext uri="{BEBA8EAE-BF5A-486C-A8C5-ECC9F3942E4B}">
-                  <a14:imgProps xmlns:a14="http://schemas.microsoft.com/office/drawing/2010/main">
-                    <a14:imgLayer r:embed="rId3">
-                      <a14:imgEffect>
-                        <a14:sharpenSoften amount="61000"/>
-                      </a14:imgEffect>
-                    </a14:imgLayer>
-                  </a14:imgProps>
-                </a:ext>
-                <a:ext uri="{28A0092B-C50C-407E-A947-70E740481C1C}">
-                  <a14:useLocalDpi xmlns:a14="http://schemas.microsoft.com/office/drawing/2010/main" val="0"/>
-                </a:ext>
-              </a:extLst>
-            </a:blip>
-            <a:srcRect/>
-            <a:tile tx="0" ty="-717550" sx="92000" sy="89000" flip="xy" algn="ctr"/>
-          </a:blipFill>
-          <a:ln>
-            <a:noFill/>
-          </a:ln>
-        </p:spPr>
-        <p:style>
-          <a:lnRef idx="2">
-            <a:schemeClr val="accent1">
-              <a:shade val="50000"/>
-            </a:schemeClr>
-          </a:lnRef>
-          <a:fillRef idx="1">
-            <a:schemeClr val="accent1"/>
-          </a:fillRef>
-          <a:effectRef idx="0">
-            <a:schemeClr val="accent1"/>
-          </a:effectRef>
-          <a:fontRef idx="minor">
-            <a:schemeClr val="lt1"/>
-          </a:fontRef>
-        </p:style>
-      </p:sp>
-      <p:sp>
-        <p:nvSpPr>
-          <p:cNvPr id="9" name="Rectangle 8"/>
-          <p:cNvSpPr/>
-          <p:nvPr/>
-        </p:nvSpPr>
-        <p:spPr>
-          <a:xfrm>
-            <a:off x="920834" y="1484779"/>
-            <a:ext cx="10222992" cy="2743200"/>
-          </a:xfrm>
-          <a:prstGeom prst="rect">
-            <a:avLst/>
-          </a:prstGeom>
-          <a:blipFill dpi="0" rotWithShape="1">
-            <a:blip r:embed="rId2">
-              <a:alphaModFix amt="83000"/>
-              <a:lum bright="70000" contrast="-70000"/>
-              <a:extLst>
-                <a:ext uri="{BEBA8EAE-BF5A-486C-A8C5-ECC9F3942E4B}">
-                  <a14:imgProps xmlns:a14="http://schemas.microsoft.com/office/drawing/2010/main">
-                    <a14:imgLayer r:embed="rId3">
-                      <a14:imgEffect>
-                        <a14:sharpenSoften amount="61000"/>
-                      </a14:imgEffect>
-                    </a14:imgLayer>
-                  </a14:imgProps>
-                </a:ext>
-                <a:ext uri="{28A0092B-C50C-407E-A947-70E740481C1C}">
-                  <a14:useLocalDpi xmlns:a14="http://schemas.microsoft.com/office/drawing/2010/main" val="0"/>
-                </a:ext>
-              </a:extLst>
-            </a:blip>
-            <a:srcRect/>
-            <a:tile tx="0" ty="-704850" sx="92000" sy="89000" flip="xy" algn="ctr"/>
-          </a:blipFill>
-          <a:ln>
-            <a:noFill/>
-          </a:ln>
-        </p:spPr>
-        <p:style>
-          <a:lnRef idx="2">
-            <a:schemeClr val="accent1">
-              <a:shade val="50000"/>
-            </a:schemeClr>
-          </a:lnRef>
-          <a:fillRef idx="1">
-            <a:schemeClr val="accent1"/>
-          </a:fillRef>
-          <a:effectRef idx="0">
-            <a:schemeClr val="accent1"/>
-          </a:effectRef>
-          <a:fontRef idx="minor">
-            <a:schemeClr val="lt1"/>
-          </a:fontRef>
-        </p:style>
-      </p:sp>
-      <p:grpSp>
-        <p:nvGrpSpPr>
-          <p:cNvPr id="10" name="Group 9"/>
-          <p:cNvGrpSpPr/>
-          <p:nvPr/>
-        </p:nvGrpSpPr>
-        <p:grpSpPr>
-          <a:xfrm>
-            <a:off x="9649215" y="4068923"/>
-            <a:ext cx="1080904" cy="1080902"/>
-            <a:chOff x="9685338" y="4460675"/>
-            <a:chExt cx="1080904" cy="1080902"/>
-          </a:xfrm>
-        </p:grpSpPr>
-        <p:sp>
-          <p:nvSpPr>
-            <p:cNvPr id="11" name="Oval 10"/>
-            <p:cNvSpPr/>
-            <p:nvPr/>
-          </p:nvSpPr>
-          <p:spPr>
-            <a:xfrm>
-              <a:off x="9685338" y="4460675"/>
-              <a:ext cx="1080904" cy="1080902"/>
-            </a:xfrm>
-            <a:prstGeom prst="ellipse">
-              <a:avLst/>
-            </a:prstGeom>
-            <a:blipFill dpi="0" rotWithShape="1">
-              <a:blip r:embed="rId4">
-                <a:duotone>
-                  <a:schemeClr val="accent1">
-                    <a:shade val="45000"/>
-                    <a:satMod val="135000"/>
-                  </a:schemeClr>
-                  <a:prstClr val="white"/>
-                </a:duotone>
-                <a:extLst>
-                  <a:ext uri="{BEBA8EAE-BF5A-486C-A8C5-ECC9F3942E4B}">
-                    <a14:imgProps xmlns:a14="http://schemas.microsoft.com/office/drawing/2010/main">
-                      <a14:imgLayer r:embed="rId5">
-                        <a14:imgEffect>
-                          <a14:saturation sat="95000"/>
-                        </a14:imgEffect>
-                      </a14:imgLayer>
-                    </a14:imgProps>
-                  </a:ext>
-                </a:extLst>
-              </a:blip>
-              <a:srcRect/>
-              <a:tile tx="0" ty="0" sx="85000" sy="85000" flip="none" algn="tl"/>
-            </a:blipFill>
-            <a:ln w="25400" cap="flat" cmpd="sng" algn="ctr">
-              <a:noFill/>
-              <a:prstDash val="solid"/>
-            </a:ln>
-            <a:effectLst/>
-          </p:spPr>
-        </p:sp>
-        <p:sp>
-          <p:nvSpPr>
-            <p:cNvPr id="12" name="Oval 11"/>
-            <p:cNvSpPr/>
-            <p:nvPr/>
-          </p:nvSpPr>
-          <p:spPr>
-            <a:xfrm>
-              <a:off x="9793429" y="4568765"/>
-              <a:ext cx="864723" cy="864722"/>
-            </a:xfrm>
-            <a:prstGeom prst="ellipse">
-              <a:avLst/>
-            </a:prstGeom>
-            <a:noFill/>
-            <a:ln w="25400" cap="flat" cmpd="sng" algn="ctr">
-              <a:solidFill>
-                <a:sysClr val="window" lastClr="FFFFFF"/>
-              </a:solidFill>
-              <a:prstDash val="solid"/>
-            </a:ln>
-            <a:effectLst/>
-          </p:spPr>
-        </p:sp>
-      </p:grpSp>
+        </p:spPr>
+      </p:pic>
       <p:sp>
         <p:nvSpPr>
           <p:cNvPr id="2" name="Title 1"/>
@@ -406,26 +619,17 @@
         </p:nvSpPr>
         <p:spPr>
           <a:xfrm>
-            <a:off x="1051560" y="1432223"/>
-            <a:ext cx="9966960" cy="3035808"/>
-          </a:xfrm>
-        </p:spPr>
-        <p:txBody>
-          <a:bodyPr anchor="ctr">
-            <a:noAutofit/>
+            <a:off x="1751012" y="1300785"/>
+            <a:ext cx="8689976" cy="2509213"/>
+          </a:xfrm>
+        </p:spPr>
+        <p:txBody>
+          <a:bodyPr anchor="b">
+            <a:normAutofit/>
           </a:bodyPr>
           <a:lstStyle>
-            <a:lvl1pPr algn="l">
-              <a:lnSpc>
-                <a:spcPct val="85000"/>
-              </a:lnSpc>
-              <a:defRPr sz="7200" b="1" cap="none" baseline="0">
-                <a:blipFill dpi="0" rotWithShape="1">
-                  <a:blip r:embed="rId4"/>
-                  <a:srcRect/>
-                  <a:tile tx="6350" ty="-127000" sx="65000" sy="64000" flip="none" algn="tl"/>
-                </a:blipFill>
-              </a:defRPr>
+            <a:lvl1pPr algn="ctr">
+              <a:defRPr sz="4800"/>
             </a:lvl1pPr>
           </a:lstStyle>
           <a:p>
@@ -449,8 +653,8 @@
         </p:nvSpPr>
         <p:spPr>
           <a:xfrm>
-            <a:off x="1069848" y="4389120"/>
-            <a:ext cx="7891272" cy="1069848"/>
+            <a:off x="1751012" y="3886200"/>
+            <a:ext cx="8689976" cy="1371599"/>
           </a:xfrm>
         </p:spPr>
         <p:txBody>
@@ -458,45 +662,47 @@
             <a:normAutofit/>
           </a:bodyPr>
           <a:lstStyle>
-            <a:lvl1pPr marL="0" indent="0" algn="l">
+            <a:lvl1pPr marL="0" indent="0" algn="ctr">
               <a:buNone/>
               <a:defRPr sz="2200">
                 <a:solidFill>
-                  <a:schemeClr val="tx1"/>
+                  <a:schemeClr val="bg1">
+                    <a:lumMod val="50000"/>
+                  </a:schemeClr>
                 </a:solidFill>
               </a:defRPr>
             </a:lvl1pPr>
             <a:lvl2pPr marL="457200" indent="0" algn="ctr">
               <a:buNone/>
-              <a:defRPr sz="2200"/>
+              <a:defRPr sz="2000"/>
             </a:lvl2pPr>
             <a:lvl3pPr marL="914400" indent="0" algn="ctr">
               <a:buNone/>
-              <a:defRPr sz="2200"/>
+              <a:defRPr sz="1800"/>
             </a:lvl3pPr>
             <a:lvl4pPr marL="1371600" indent="0" algn="ctr">
               <a:buNone/>
-              <a:defRPr sz="2000"/>
+              <a:defRPr sz="1600"/>
             </a:lvl4pPr>
             <a:lvl5pPr marL="1828800" indent="0" algn="ctr">
               <a:buNone/>
-              <a:defRPr sz="2000"/>
+              <a:defRPr sz="1600"/>
             </a:lvl5pPr>
             <a:lvl6pPr marL="2286000" indent="0" algn="ctr">
               <a:buNone/>
-              <a:defRPr sz="2000"/>
+              <a:defRPr sz="1600"/>
             </a:lvl6pPr>
             <a:lvl7pPr marL="2743200" indent="0" algn="ctr">
               <a:buNone/>
-              <a:defRPr sz="2000"/>
+              <a:defRPr sz="1600"/>
             </a:lvl7pPr>
             <a:lvl8pPr marL="3200400" indent="0" algn="ctr">
               <a:buNone/>
-              <a:defRPr sz="2000"/>
+              <a:defRPr sz="1600"/>
             </a:lvl8pPr>
             <a:lvl9pPr marL="3657600" indent="0" algn="ctr">
               <a:buNone/>
-              <a:defRPr sz="2000"/>
+              <a:defRPr sz="1600"/>
             </a:lvl9pPr>
           </a:lstStyle>
           <a:p>
@@ -523,9 +729,9 @@
           <a:bodyPr/>
           <a:lstStyle/>
           <a:p>
-            <a:fld id="{214DD448-9E40-4228-BE6F-5A48284476B9}" type="datetimeFigureOut">
-              <a:rPr lang="ru-RU" smtClean="0"/>
-              <a:t>31.03.2014</a:t>
+            <a:fld id="{28DE5925-9CCB-4E61-B409-9691EEE21148}" type="datetime1">
+              <a:rPr lang="ru-RU" smtClean="0"/>
+              <a:t>29.08.2015</a:t>
             </a:fld>
             <a:endParaRPr lang="ru-RU"/>
           </a:p>
@@ -546,6 +752,10 @@
           <a:bodyPr/>
           <a:lstStyle/>
           <a:p>
+            <a:r>
+              <a:rPr lang="en-US" smtClean="0"/>
+              <a:t>dmitry@protopopov.ru</a:t>
+            </a:r>
             <a:endParaRPr lang="ru-RU"/>
           </a:p>
         </p:txBody>
@@ -560,19 +770,10 @@
             <p:ph type="sldNum" sz="quarter" idx="12"/>
           </p:nvPr>
         </p:nvSpPr>
-        <p:spPr>
-          <a:xfrm>
-            <a:off x="9592733" y="4289334"/>
-            <a:ext cx="1193868" cy="640080"/>
-          </a:xfrm>
-        </p:spPr>
+        <p:spPr/>
         <p:txBody>
           <a:bodyPr/>
-          <a:lstStyle>
-            <a:lvl1pPr>
-              <a:defRPr sz="2800" b="1"/>
-            </a:lvl1pPr>
-          </a:lstStyle>
+          <a:lstStyle/>
           <a:p>
             <a:fld id="{9A0B409D-0BE2-40E2-8DEA-DA0989C517E6}" type="slidenum">
               <a:rPr lang="ru-RU" smtClean="0"/>
@@ -585,7 +786,7 @@
     </p:spTree>
     <p:extLst>
       <p:ext uri="{BB962C8B-B14F-4D97-AF65-F5344CB8AC3E}">
-        <p14:creationId xmlns:p14="http://schemas.microsoft.com/office/powerpoint/2010/main" val="3584717008"/>
+        <p14:creationId xmlns:p14="http://schemas.microsoft.com/office/powerpoint/2010/main" val="3077012738"/>
       </p:ext>
     </p:extLst>
   </p:cSld>
@@ -596,6 +797,2743 @@
 </file>
 
 <file path=ppt/slideLayouts/slideLayout10.xml><?xml version="1.0" encoding="utf-8"?>
+<p:sldLayout xmlns:a="http://schemas.openxmlformats.org/drawingml/2006/main" xmlns:r="http://schemas.openxmlformats.org/officeDocument/2006/relationships" xmlns:p="http://schemas.openxmlformats.org/presentationml/2006/main" preserve="1">
+  <p:cSld name="Панорамная фотография с подписью">
+    <p:spTree>
+      <p:nvGrpSpPr>
+        <p:cNvPr id="1" name=""/>
+        <p:cNvGrpSpPr/>
+        <p:nvPr/>
+      </p:nvGrpSpPr>
+      <p:grpSpPr>
+        <a:xfrm>
+          <a:off x="0" y="0"/>
+          <a:ext cx="0" cy="0"/>
+          <a:chOff x="0" y="0"/>
+          <a:chExt cx="0" cy="0"/>
+        </a:xfrm>
+      </p:grpSpPr>
+      <p:pic>
+        <p:nvPicPr>
+          <p:cNvPr id="10" name="Picture 9" descr="Droplets-HD-Content-R1d.png"/>
+          <p:cNvPicPr>
+            <a:picLocks noChangeAspect="1"/>
+          </p:cNvPicPr>
+          <p:nvPr/>
+        </p:nvPicPr>
+        <p:blipFill>
+          <a:blip r:embed="rId2">
+            <a:extLst>
+              <a:ext uri="{28A0092B-C50C-407E-A947-70E740481C1C}">
+                <a14:useLocalDpi xmlns:a14="http://schemas.microsoft.com/office/drawing/2010/main" val="0"/>
+              </a:ext>
+            </a:extLst>
+          </a:blip>
+          <a:stretch>
+            <a:fillRect/>
+          </a:stretch>
+        </p:blipFill>
+        <p:spPr>
+          <a:xfrm>
+            <a:off x="0" y="0"/>
+            <a:ext cx="12192000" cy="6858000"/>
+          </a:xfrm>
+          <a:prstGeom prst="rect">
+            <a:avLst/>
+          </a:prstGeom>
+        </p:spPr>
+      </p:pic>
+      <p:sp>
+        <p:nvSpPr>
+          <p:cNvPr id="2" name="Title 1"/>
+          <p:cNvSpPr>
+            <a:spLocks noGrp="1"/>
+          </p:cNvSpPr>
+          <p:nvPr>
+            <p:ph type="title"/>
+          </p:nvPr>
+        </p:nvSpPr>
+        <p:spPr>
+          <a:xfrm>
+            <a:off x="913794" y="4289374"/>
+            <a:ext cx="10364432" cy="811610"/>
+          </a:xfrm>
+        </p:spPr>
+        <p:txBody>
+          <a:bodyPr anchor="b"/>
+          <a:lstStyle>
+            <a:lvl1pPr>
+              <a:defRPr sz="3200"/>
+            </a:lvl1pPr>
+          </a:lstStyle>
+          <a:p>
+            <a:r>
+              <a:rPr lang="ru-RU" smtClean="0"/>
+              <a:t>Образец заголовка</a:t>
+            </a:r>
+            <a:endParaRPr lang="en-US" dirty="0"/>
+          </a:p>
+        </p:txBody>
+      </p:sp>
+      <p:sp>
+        <p:nvSpPr>
+          <p:cNvPr id="3" name="Picture Placeholder 2"/>
+          <p:cNvSpPr>
+            <a:spLocks noGrp="1" noChangeAspect="1"/>
+          </p:cNvSpPr>
+          <p:nvPr>
+            <p:ph type="pic" idx="1"/>
+          </p:nvPr>
+        </p:nvSpPr>
+        <p:spPr>
+          <a:xfrm>
+            <a:off x="1184744" y="698261"/>
+            <a:ext cx="9822532" cy="3214136"/>
+          </a:xfrm>
+          <a:prstGeom prst="roundRect">
+            <a:avLst>
+              <a:gd name="adj" fmla="val 4944"/>
+            </a:avLst>
+          </a:prstGeom>
+          <a:noFill/>
+          <a:ln w="82550" cap="sq">
+            <a:solidFill>
+              <a:srgbClr val="EAEAEA"/>
+            </a:solidFill>
+            <a:miter lim="800000"/>
+          </a:ln>
+          <a:effectLst/>
+          <a:scene3d>
+            <a:camera prst="orthographicFront"/>
+            <a:lightRig rig="threePt" dir="t">
+              <a:rot lat="0" lon="0" rev="2700000"/>
+            </a:lightRig>
+          </a:scene3d>
+          <a:sp3d contourW="6350">
+            <a:bevelT h="38100"/>
+            <a:contourClr>
+              <a:srgbClr val="C0C0C0"/>
+            </a:contourClr>
+          </a:sp3d>
+        </p:spPr>
+        <p:txBody>
+          <a:bodyPr anchor="t"/>
+          <a:lstStyle>
+            <a:lvl1pPr marL="0" indent="0" algn="ctr">
+              <a:buNone/>
+              <a:defRPr sz="3200"/>
+            </a:lvl1pPr>
+            <a:lvl2pPr marL="457200" indent="0">
+              <a:buNone/>
+              <a:defRPr sz="2800"/>
+            </a:lvl2pPr>
+            <a:lvl3pPr marL="914400" indent="0">
+              <a:buNone/>
+              <a:defRPr sz="2400"/>
+            </a:lvl3pPr>
+            <a:lvl4pPr marL="1371600" indent="0">
+              <a:buNone/>
+              <a:defRPr sz="2000"/>
+            </a:lvl4pPr>
+            <a:lvl5pPr marL="1828800" indent="0">
+              <a:buNone/>
+              <a:defRPr sz="2000"/>
+            </a:lvl5pPr>
+            <a:lvl6pPr marL="2286000" indent="0">
+              <a:buNone/>
+              <a:defRPr sz="2000"/>
+            </a:lvl6pPr>
+            <a:lvl7pPr marL="2743200" indent="0">
+              <a:buNone/>
+              <a:defRPr sz="2000"/>
+            </a:lvl7pPr>
+            <a:lvl8pPr marL="3200400" indent="0">
+              <a:buNone/>
+              <a:defRPr sz="2000"/>
+            </a:lvl8pPr>
+            <a:lvl9pPr marL="3657600" indent="0">
+              <a:buNone/>
+              <a:defRPr sz="2000"/>
+            </a:lvl9pPr>
+          </a:lstStyle>
+          <a:p>
+            <a:r>
+              <a:rPr lang="ru-RU" smtClean="0"/>
+              <a:t>Вставка рисунка</a:t>
+            </a:r>
+            <a:endParaRPr lang="en-US" dirty="0"/>
+          </a:p>
+        </p:txBody>
+      </p:sp>
+      <p:sp>
+        <p:nvSpPr>
+          <p:cNvPr id="4" name="Text Placeholder 3"/>
+          <p:cNvSpPr>
+            <a:spLocks noGrp="1"/>
+          </p:cNvSpPr>
+          <p:nvPr>
+            <p:ph type="body" sz="half" idx="2"/>
+          </p:nvPr>
+        </p:nvSpPr>
+        <p:spPr>
+          <a:xfrm>
+            <a:off x="913774" y="5108728"/>
+            <a:ext cx="10364452" cy="682472"/>
+          </a:xfrm>
+        </p:spPr>
+        <p:txBody>
+          <a:bodyPr/>
+          <a:lstStyle>
+            <a:lvl1pPr marL="0" indent="0" algn="ctr">
+              <a:buNone/>
+              <a:defRPr sz="1600"/>
+            </a:lvl1pPr>
+            <a:lvl2pPr marL="457200" indent="0">
+              <a:buNone/>
+              <a:defRPr sz="1400"/>
+            </a:lvl2pPr>
+            <a:lvl3pPr marL="914400" indent="0">
+              <a:buNone/>
+              <a:defRPr sz="1200"/>
+            </a:lvl3pPr>
+            <a:lvl4pPr marL="1371600" indent="0">
+              <a:buNone/>
+              <a:defRPr sz="1000"/>
+            </a:lvl4pPr>
+            <a:lvl5pPr marL="1828800" indent="0">
+              <a:buNone/>
+              <a:defRPr sz="1000"/>
+            </a:lvl5pPr>
+            <a:lvl6pPr marL="2286000" indent="0">
+              <a:buNone/>
+              <a:defRPr sz="1000"/>
+            </a:lvl6pPr>
+            <a:lvl7pPr marL="2743200" indent="0">
+              <a:buNone/>
+              <a:defRPr sz="1000"/>
+            </a:lvl7pPr>
+            <a:lvl8pPr marL="3200400" indent="0">
+              <a:buNone/>
+              <a:defRPr sz="1000"/>
+            </a:lvl8pPr>
+            <a:lvl9pPr marL="3657600" indent="0">
+              <a:buNone/>
+              <a:defRPr sz="1000"/>
+            </a:lvl9pPr>
+          </a:lstStyle>
+          <a:p>
+            <a:pPr lvl="0"/>
+            <a:r>
+              <a:rPr lang="ru-RU" smtClean="0"/>
+              <a:t>Образец текста</a:t>
+            </a:r>
+          </a:p>
+        </p:txBody>
+      </p:sp>
+      <p:sp>
+        <p:nvSpPr>
+          <p:cNvPr id="5" name="Date Placeholder 4"/>
+          <p:cNvSpPr>
+            <a:spLocks noGrp="1"/>
+          </p:cNvSpPr>
+          <p:nvPr>
+            <p:ph type="dt" sz="half" idx="10"/>
+          </p:nvPr>
+        </p:nvSpPr>
+        <p:spPr/>
+        <p:txBody>
+          <a:bodyPr/>
+          <a:lstStyle/>
+          <a:p>
+            <a:fld id="{EFFB1629-83F3-4FC7-972B-9B5B2800B7F4}" type="datetime1">
+              <a:rPr lang="ru-RU" smtClean="0"/>
+              <a:t>29.08.2015</a:t>
+            </a:fld>
+            <a:endParaRPr lang="ru-RU"/>
+          </a:p>
+        </p:txBody>
+      </p:sp>
+      <p:sp>
+        <p:nvSpPr>
+          <p:cNvPr id="6" name="Footer Placeholder 5"/>
+          <p:cNvSpPr>
+            <a:spLocks noGrp="1"/>
+          </p:cNvSpPr>
+          <p:nvPr>
+            <p:ph type="ftr" sz="quarter" idx="11"/>
+          </p:nvPr>
+        </p:nvSpPr>
+        <p:spPr/>
+        <p:txBody>
+          <a:bodyPr/>
+          <a:lstStyle/>
+          <a:p>
+            <a:r>
+              <a:rPr lang="en-US" smtClean="0"/>
+              <a:t>dmitry@protopopov.ru</a:t>
+            </a:r>
+            <a:endParaRPr lang="ru-RU"/>
+          </a:p>
+        </p:txBody>
+      </p:sp>
+      <p:sp>
+        <p:nvSpPr>
+          <p:cNvPr id="7" name="Slide Number Placeholder 6"/>
+          <p:cNvSpPr>
+            <a:spLocks noGrp="1"/>
+          </p:cNvSpPr>
+          <p:nvPr>
+            <p:ph type="sldNum" sz="quarter" idx="12"/>
+          </p:nvPr>
+        </p:nvSpPr>
+        <p:spPr/>
+        <p:txBody>
+          <a:bodyPr/>
+          <a:lstStyle/>
+          <a:p>
+            <a:fld id="{9A0B409D-0BE2-40E2-8DEA-DA0989C517E6}" type="slidenum">
+              <a:rPr lang="ru-RU" smtClean="0"/>
+              <a:t>‹#›</a:t>
+            </a:fld>
+            <a:endParaRPr lang="ru-RU"/>
+          </a:p>
+        </p:txBody>
+      </p:sp>
+    </p:spTree>
+    <p:extLst>
+      <p:ext uri="{BB962C8B-B14F-4D97-AF65-F5344CB8AC3E}">
+        <p14:creationId xmlns:p14="http://schemas.microsoft.com/office/powerpoint/2010/main" val="1273626849"/>
+      </p:ext>
+    </p:extLst>
+  </p:cSld>
+  <p:clrMapOvr>
+    <a:masterClrMapping/>
+  </p:clrMapOvr>
+  <p:hf sldNum="0" hdr="0" dt="0"/>
+</p:sldLayout>
+</file>
+
+<file path=ppt/slideLayouts/slideLayout11.xml><?xml version="1.0" encoding="utf-8"?>
+<p:sldLayout xmlns:a="http://schemas.openxmlformats.org/drawingml/2006/main" xmlns:r="http://schemas.openxmlformats.org/officeDocument/2006/relationships" xmlns:p="http://schemas.openxmlformats.org/presentationml/2006/main" preserve="1">
+  <p:cSld name="Заголовок и подпись">
+    <p:spTree>
+      <p:nvGrpSpPr>
+        <p:cNvPr id="1" name=""/>
+        <p:cNvGrpSpPr/>
+        <p:nvPr/>
+      </p:nvGrpSpPr>
+      <p:grpSpPr>
+        <a:xfrm>
+          <a:off x="0" y="0"/>
+          <a:ext cx="0" cy="0"/>
+          <a:chOff x="0" y="0"/>
+          <a:chExt cx="0" cy="0"/>
+        </a:xfrm>
+      </p:grpSpPr>
+      <p:pic>
+        <p:nvPicPr>
+          <p:cNvPr id="8" name="Picture 7" descr="Droplets-HD-Content-R1d.png"/>
+          <p:cNvPicPr>
+            <a:picLocks noChangeAspect="1"/>
+          </p:cNvPicPr>
+          <p:nvPr/>
+        </p:nvPicPr>
+        <p:blipFill>
+          <a:blip r:embed="rId2">
+            <a:extLst>
+              <a:ext uri="{28A0092B-C50C-407E-A947-70E740481C1C}">
+                <a14:useLocalDpi xmlns:a14="http://schemas.microsoft.com/office/drawing/2010/main" val="0"/>
+              </a:ext>
+            </a:extLst>
+          </a:blip>
+          <a:stretch>
+            <a:fillRect/>
+          </a:stretch>
+        </p:blipFill>
+        <p:spPr>
+          <a:xfrm>
+            <a:off x="0" y="0"/>
+            <a:ext cx="12192000" cy="6858000"/>
+          </a:xfrm>
+          <a:prstGeom prst="rect">
+            <a:avLst/>
+          </a:prstGeom>
+        </p:spPr>
+      </p:pic>
+      <p:sp>
+        <p:nvSpPr>
+          <p:cNvPr id="2" name="Title 1"/>
+          <p:cNvSpPr>
+            <a:spLocks noGrp="1"/>
+          </p:cNvSpPr>
+          <p:nvPr>
+            <p:ph type="title"/>
+          </p:nvPr>
+        </p:nvSpPr>
+        <p:spPr>
+          <a:xfrm>
+            <a:off x="913774" y="609599"/>
+            <a:ext cx="10364452" cy="3427245"/>
+          </a:xfrm>
+        </p:spPr>
+        <p:txBody>
+          <a:bodyPr anchor="ctr"/>
+          <a:lstStyle>
+            <a:lvl1pPr algn="ctr">
+              <a:defRPr sz="3200"/>
+            </a:lvl1pPr>
+          </a:lstStyle>
+          <a:p>
+            <a:r>
+              <a:rPr lang="ru-RU" smtClean="0"/>
+              <a:t>Образец заголовка</a:t>
+            </a:r>
+            <a:endParaRPr lang="en-US" dirty="0"/>
+          </a:p>
+        </p:txBody>
+      </p:sp>
+      <p:sp>
+        <p:nvSpPr>
+          <p:cNvPr id="4" name="Text Placeholder 3"/>
+          <p:cNvSpPr>
+            <a:spLocks noGrp="1"/>
+          </p:cNvSpPr>
+          <p:nvPr>
+            <p:ph type="body" sz="half" idx="2"/>
+          </p:nvPr>
+        </p:nvSpPr>
+        <p:spPr>
+          <a:xfrm>
+            <a:off x="913775" y="4204821"/>
+            <a:ext cx="10364452" cy="1586380"/>
+          </a:xfrm>
+        </p:spPr>
+        <p:txBody>
+          <a:bodyPr anchor="ctr"/>
+          <a:lstStyle>
+            <a:lvl1pPr marL="0" indent="0" algn="ctr">
+              <a:buNone/>
+              <a:defRPr sz="1600"/>
+            </a:lvl1pPr>
+            <a:lvl2pPr marL="457200" indent="0">
+              <a:buNone/>
+              <a:defRPr sz="1400"/>
+            </a:lvl2pPr>
+            <a:lvl3pPr marL="914400" indent="0">
+              <a:buNone/>
+              <a:defRPr sz="1200"/>
+            </a:lvl3pPr>
+            <a:lvl4pPr marL="1371600" indent="0">
+              <a:buNone/>
+              <a:defRPr sz="1000"/>
+            </a:lvl4pPr>
+            <a:lvl5pPr marL="1828800" indent="0">
+              <a:buNone/>
+              <a:defRPr sz="1000"/>
+            </a:lvl5pPr>
+            <a:lvl6pPr marL="2286000" indent="0">
+              <a:buNone/>
+              <a:defRPr sz="1000"/>
+            </a:lvl6pPr>
+            <a:lvl7pPr marL="2743200" indent="0">
+              <a:buNone/>
+              <a:defRPr sz="1000"/>
+            </a:lvl7pPr>
+            <a:lvl8pPr marL="3200400" indent="0">
+              <a:buNone/>
+              <a:defRPr sz="1000"/>
+            </a:lvl8pPr>
+            <a:lvl9pPr marL="3657600" indent="0">
+              <a:buNone/>
+              <a:defRPr sz="1000"/>
+            </a:lvl9pPr>
+          </a:lstStyle>
+          <a:p>
+            <a:pPr lvl="0"/>
+            <a:r>
+              <a:rPr lang="ru-RU" smtClean="0"/>
+              <a:t>Образец текста</a:t>
+            </a:r>
+          </a:p>
+        </p:txBody>
+      </p:sp>
+      <p:sp>
+        <p:nvSpPr>
+          <p:cNvPr id="5" name="Date Placeholder 4"/>
+          <p:cNvSpPr>
+            <a:spLocks noGrp="1"/>
+          </p:cNvSpPr>
+          <p:nvPr>
+            <p:ph type="dt" sz="half" idx="10"/>
+          </p:nvPr>
+        </p:nvSpPr>
+        <p:spPr/>
+        <p:txBody>
+          <a:bodyPr/>
+          <a:lstStyle/>
+          <a:p>
+            <a:fld id="{EFFB1629-83F3-4FC7-972B-9B5B2800B7F4}" type="datetime1">
+              <a:rPr lang="ru-RU" smtClean="0"/>
+              <a:t>29.08.2015</a:t>
+            </a:fld>
+            <a:endParaRPr lang="ru-RU"/>
+          </a:p>
+        </p:txBody>
+      </p:sp>
+      <p:sp>
+        <p:nvSpPr>
+          <p:cNvPr id="6" name="Footer Placeholder 5"/>
+          <p:cNvSpPr>
+            <a:spLocks noGrp="1"/>
+          </p:cNvSpPr>
+          <p:nvPr>
+            <p:ph type="ftr" sz="quarter" idx="11"/>
+          </p:nvPr>
+        </p:nvSpPr>
+        <p:spPr/>
+        <p:txBody>
+          <a:bodyPr/>
+          <a:lstStyle/>
+          <a:p>
+            <a:r>
+              <a:rPr lang="en-US" smtClean="0"/>
+              <a:t>dmitry@protopopov.ru</a:t>
+            </a:r>
+            <a:endParaRPr lang="ru-RU"/>
+          </a:p>
+        </p:txBody>
+      </p:sp>
+      <p:sp>
+        <p:nvSpPr>
+          <p:cNvPr id="7" name="Slide Number Placeholder 6"/>
+          <p:cNvSpPr>
+            <a:spLocks noGrp="1"/>
+          </p:cNvSpPr>
+          <p:nvPr>
+            <p:ph type="sldNum" sz="quarter" idx="12"/>
+          </p:nvPr>
+        </p:nvSpPr>
+        <p:spPr/>
+        <p:txBody>
+          <a:bodyPr/>
+          <a:lstStyle/>
+          <a:p>
+            <a:fld id="{9A0B409D-0BE2-40E2-8DEA-DA0989C517E6}" type="slidenum">
+              <a:rPr lang="ru-RU" smtClean="0"/>
+              <a:t>‹#›</a:t>
+            </a:fld>
+            <a:endParaRPr lang="ru-RU"/>
+          </a:p>
+        </p:txBody>
+      </p:sp>
+    </p:spTree>
+    <p:extLst>
+      <p:ext uri="{BB962C8B-B14F-4D97-AF65-F5344CB8AC3E}">
+        <p14:creationId xmlns:p14="http://schemas.microsoft.com/office/powerpoint/2010/main" val="2729604313"/>
+      </p:ext>
+    </p:extLst>
+  </p:cSld>
+  <p:clrMapOvr>
+    <a:masterClrMapping/>
+  </p:clrMapOvr>
+  <p:hf sldNum="0" hdr="0" dt="0"/>
+</p:sldLayout>
+</file>
+
+<file path=ppt/slideLayouts/slideLayout12.xml><?xml version="1.0" encoding="utf-8"?>
+<p:sldLayout xmlns:a="http://schemas.openxmlformats.org/drawingml/2006/main" xmlns:r="http://schemas.openxmlformats.org/officeDocument/2006/relationships" xmlns:p="http://schemas.openxmlformats.org/presentationml/2006/main" preserve="1">
+  <p:cSld name="Цитата с подписью">
+    <p:spTree>
+      <p:nvGrpSpPr>
+        <p:cNvPr id="1" name=""/>
+        <p:cNvGrpSpPr/>
+        <p:nvPr/>
+      </p:nvGrpSpPr>
+      <p:grpSpPr>
+        <a:xfrm>
+          <a:off x="0" y="0"/>
+          <a:ext cx="0" cy="0"/>
+          <a:chOff x="0" y="0"/>
+          <a:chExt cx="0" cy="0"/>
+        </a:xfrm>
+      </p:grpSpPr>
+      <p:pic>
+        <p:nvPicPr>
+          <p:cNvPr id="11" name="Picture 10" descr="Droplets-HD-Content-R1d.png"/>
+          <p:cNvPicPr>
+            <a:picLocks noChangeAspect="1"/>
+          </p:cNvPicPr>
+          <p:nvPr/>
+        </p:nvPicPr>
+        <p:blipFill>
+          <a:blip r:embed="rId2">
+            <a:extLst>
+              <a:ext uri="{28A0092B-C50C-407E-A947-70E740481C1C}">
+                <a14:useLocalDpi xmlns:a14="http://schemas.microsoft.com/office/drawing/2010/main" val="0"/>
+              </a:ext>
+            </a:extLst>
+          </a:blip>
+          <a:stretch>
+            <a:fillRect/>
+          </a:stretch>
+        </p:blipFill>
+        <p:spPr>
+          <a:xfrm>
+            <a:off x="0" y="0"/>
+            <a:ext cx="12192000" cy="6858000"/>
+          </a:xfrm>
+          <a:prstGeom prst="rect">
+            <a:avLst/>
+          </a:prstGeom>
+        </p:spPr>
+      </p:pic>
+      <p:sp>
+        <p:nvSpPr>
+          <p:cNvPr id="2" name="Title 1"/>
+          <p:cNvSpPr>
+            <a:spLocks noGrp="1"/>
+          </p:cNvSpPr>
+          <p:nvPr>
+            <p:ph type="title"/>
+          </p:nvPr>
+        </p:nvSpPr>
+        <p:spPr>
+          <a:xfrm>
+            <a:off x="1446212" y="609600"/>
+            <a:ext cx="9302752" cy="2992904"/>
+          </a:xfrm>
+        </p:spPr>
+        <p:txBody>
+          <a:bodyPr anchor="ctr"/>
+          <a:lstStyle>
+            <a:lvl1pPr>
+              <a:defRPr sz="3200"/>
+            </a:lvl1pPr>
+          </a:lstStyle>
+          <a:p>
+            <a:r>
+              <a:rPr lang="ru-RU" smtClean="0"/>
+              <a:t>Образец заголовка</a:t>
+            </a:r>
+            <a:endParaRPr lang="en-US" dirty="0"/>
+          </a:p>
+        </p:txBody>
+      </p:sp>
+      <p:sp>
+        <p:nvSpPr>
+          <p:cNvPr id="12" name="Text Placeholder 3"/>
+          <p:cNvSpPr>
+            <a:spLocks noGrp="1"/>
+          </p:cNvSpPr>
+          <p:nvPr>
+            <p:ph type="body" sz="half" idx="13"/>
+          </p:nvPr>
+        </p:nvSpPr>
+        <p:spPr>
+          <a:xfrm>
+            <a:off x="1720644" y="3610032"/>
+            <a:ext cx="8752299" cy="594788"/>
+          </a:xfrm>
+        </p:spPr>
+        <p:txBody>
+          <a:bodyPr anchor="t">
+            <a:normAutofit/>
+          </a:bodyPr>
+          <a:lstStyle>
+            <a:lvl1pPr marL="0" indent="0">
+              <a:buNone/>
+              <a:defRPr sz="1400"/>
+            </a:lvl1pPr>
+            <a:lvl2pPr marL="457200" indent="0">
+              <a:buNone/>
+              <a:defRPr sz="1400"/>
+            </a:lvl2pPr>
+            <a:lvl3pPr marL="914400" indent="0">
+              <a:buNone/>
+              <a:defRPr sz="1200"/>
+            </a:lvl3pPr>
+            <a:lvl4pPr marL="1371600" indent="0">
+              <a:buNone/>
+              <a:defRPr sz="1000"/>
+            </a:lvl4pPr>
+            <a:lvl5pPr marL="1828800" indent="0">
+              <a:buNone/>
+              <a:defRPr sz="1000"/>
+            </a:lvl5pPr>
+            <a:lvl6pPr marL="2286000" indent="0">
+              <a:buNone/>
+              <a:defRPr sz="1000"/>
+            </a:lvl6pPr>
+            <a:lvl7pPr marL="2743200" indent="0">
+              <a:buNone/>
+              <a:defRPr sz="1000"/>
+            </a:lvl7pPr>
+            <a:lvl8pPr marL="3200400" indent="0">
+              <a:buNone/>
+              <a:defRPr sz="1000"/>
+            </a:lvl8pPr>
+            <a:lvl9pPr marL="3657600" indent="0">
+              <a:buNone/>
+              <a:defRPr sz="1000"/>
+            </a:lvl9pPr>
+          </a:lstStyle>
+          <a:p>
+            <a:pPr lvl="0"/>
+            <a:r>
+              <a:rPr lang="ru-RU" smtClean="0"/>
+              <a:t>Образец текста</a:t>
+            </a:r>
+          </a:p>
+        </p:txBody>
+      </p:sp>
+      <p:sp>
+        <p:nvSpPr>
+          <p:cNvPr id="4" name="Text Placeholder 3"/>
+          <p:cNvSpPr>
+            <a:spLocks noGrp="1"/>
+          </p:cNvSpPr>
+          <p:nvPr>
+            <p:ph type="body" sz="half" idx="2"/>
+          </p:nvPr>
+        </p:nvSpPr>
+        <p:spPr>
+          <a:xfrm>
+            <a:off x="913774" y="4372796"/>
+            <a:ext cx="10364452" cy="1421053"/>
+          </a:xfrm>
+        </p:spPr>
+        <p:txBody>
+          <a:bodyPr anchor="ctr">
+            <a:normAutofit/>
+          </a:bodyPr>
+          <a:lstStyle>
+            <a:lvl1pPr marL="0" indent="0" algn="ctr">
+              <a:buNone/>
+              <a:defRPr sz="1600"/>
+            </a:lvl1pPr>
+            <a:lvl2pPr marL="457200" indent="0">
+              <a:buNone/>
+              <a:defRPr sz="1400"/>
+            </a:lvl2pPr>
+            <a:lvl3pPr marL="914400" indent="0">
+              <a:buNone/>
+              <a:defRPr sz="1200"/>
+            </a:lvl3pPr>
+            <a:lvl4pPr marL="1371600" indent="0">
+              <a:buNone/>
+              <a:defRPr sz="1000"/>
+            </a:lvl4pPr>
+            <a:lvl5pPr marL="1828800" indent="0">
+              <a:buNone/>
+              <a:defRPr sz="1000"/>
+            </a:lvl5pPr>
+            <a:lvl6pPr marL="2286000" indent="0">
+              <a:buNone/>
+              <a:defRPr sz="1000"/>
+            </a:lvl6pPr>
+            <a:lvl7pPr marL="2743200" indent="0">
+              <a:buNone/>
+              <a:defRPr sz="1000"/>
+            </a:lvl7pPr>
+            <a:lvl8pPr marL="3200400" indent="0">
+              <a:buNone/>
+              <a:defRPr sz="1000"/>
+            </a:lvl8pPr>
+            <a:lvl9pPr marL="3657600" indent="0">
+              <a:buNone/>
+              <a:defRPr sz="1000"/>
+            </a:lvl9pPr>
+          </a:lstStyle>
+          <a:p>
+            <a:pPr lvl="0"/>
+            <a:r>
+              <a:rPr lang="ru-RU" smtClean="0"/>
+              <a:t>Образец текста</a:t>
+            </a:r>
+          </a:p>
+        </p:txBody>
+      </p:sp>
+      <p:sp>
+        <p:nvSpPr>
+          <p:cNvPr id="5" name="Date Placeholder 4"/>
+          <p:cNvSpPr>
+            <a:spLocks noGrp="1"/>
+          </p:cNvSpPr>
+          <p:nvPr>
+            <p:ph type="dt" sz="half" idx="10"/>
+          </p:nvPr>
+        </p:nvSpPr>
+        <p:spPr/>
+        <p:txBody>
+          <a:bodyPr/>
+          <a:lstStyle/>
+          <a:p>
+            <a:fld id="{EFFB1629-83F3-4FC7-972B-9B5B2800B7F4}" type="datetime1">
+              <a:rPr lang="ru-RU" smtClean="0"/>
+              <a:t>29.08.2015</a:t>
+            </a:fld>
+            <a:endParaRPr lang="ru-RU"/>
+          </a:p>
+        </p:txBody>
+      </p:sp>
+      <p:sp>
+        <p:nvSpPr>
+          <p:cNvPr id="6" name="Footer Placeholder 5"/>
+          <p:cNvSpPr>
+            <a:spLocks noGrp="1"/>
+          </p:cNvSpPr>
+          <p:nvPr>
+            <p:ph type="ftr" sz="quarter" idx="11"/>
+          </p:nvPr>
+        </p:nvSpPr>
+        <p:spPr/>
+        <p:txBody>
+          <a:bodyPr/>
+          <a:lstStyle/>
+          <a:p>
+            <a:r>
+              <a:rPr lang="en-US" smtClean="0"/>
+              <a:t>dmitry@protopopov.ru</a:t>
+            </a:r>
+            <a:endParaRPr lang="ru-RU"/>
+          </a:p>
+        </p:txBody>
+      </p:sp>
+      <p:sp>
+        <p:nvSpPr>
+          <p:cNvPr id="7" name="Slide Number Placeholder 6"/>
+          <p:cNvSpPr>
+            <a:spLocks noGrp="1"/>
+          </p:cNvSpPr>
+          <p:nvPr>
+            <p:ph type="sldNum" sz="quarter" idx="12"/>
+          </p:nvPr>
+        </p:nvSpPr>
+        <p:spPr/>
+        <p:txBody>
+          <a:bodyPr/>
+          <a:lstStyle/>
+          <a:p>
+            <a:fld id="{9A0B409D-0BE2-40E2-8DEA-DA0989C517E6}" type="slidenum">
+              <a:rPr lang="ru-RU" smtClean="0"/>
+              <a:t>‹#›</a:t>
+            </a:fld>
+            <a:endParaRPr lang="ru-RU"/>
+          </a:p>
+        </p:txBody>
+      </p:sp>
+      <p:sp>
+        <p:nvSpPr>
+          <p:cNvPr id="13" name="TextBox 12"/>
+          <p:cNvSpPr txBox="1"/>
+          <p:nvPr/>
+        </p:nvSpPr>
+        <p:spPr>
+          <a:xfrm>
+            <a:off x="1001488" y="754166"/>
+            <a:ext cx="609600" cy="584776"/>
+          </a:xfrm>
+          <a:prstGeom prst="rect">
+            <a:avLst/>
+          </a:prstGeom>
+        </p:spPr>
+        <p:txBody>
+          <a:bodyPr vert="horz" lIns="91440" tIns="45720" rIns="91440" bIns="45720" rtlCol="0" anchor="ctr">
+            <a:noAutofit/>
+          </a:bodyPr>
+          <a:lstStyle>
+            <a:lvl1pPr>
+              <a:spcBef>
+                <a:spcPct val="0"/>
+              </a:spcBef>
+              <a:buNone/>
+              <a:defRPr sz="3200" b="0" cap="all">
+                <a:ln w="3175" cmpd="sng">
+                  <a:noFill/>
+                </a:ln>
+                <a:effectLst>
+                  <a:glow rad="38100">
+                    <a:schemeClr val="bg1">
+                      <a:lumMod val="65000"/>
+                      <a:lumOff val="35000"/>
+                      <a:alpha val="40000"/>
+                    </a:schemeClr>
+                  </a:glow>
+                  <a:outerShdw blurRad="28575" dist="38100" dir="14040000" algn="tl" rotWithShape="0">
+                    <a:srgbClr val="000000">
+                      <a:alpha val="25000"/>
+                    </a:srgbClr>
+                  </a:outerShdw>
+                </a:effectLst>
+              </a:defRPr>
+            </a:lvl1pPr>
+            <a:lvl2pPr>
+              <a:defRPr>
+                <a:solidFill>
+                  <a:schemeClr val="tx2"/>
+                </a:solidFill>
+              </a:defRPr>
+            </a:lvl2pPr>
+            <a:lvl3pPr>
+              <a:defRPr>
+                <a:solidFill>
+                  <a:schemeClr val="tx2"/>
+                </a:solidFill>
+              </a:defRPr>
+            </a:lvl3pPr>
+            <a:lvl4pPr>
+              <a:defRPr>
+                <a:solidFill>
+                  <a:schemeClr val="tx2"/>
+                </a:solidFill>
+              </a:defRPr>
+            </a:lvl4pPr>
+            <a:lvl5pPr>
+              <a:defRPr>
+                <a:solidFill>
+                  <a:schemeClr val="tx2"/>
+                </a:solidFill>
+              </a:defRPr>
+            </a:lvl5pPr>
+            <a:lvl6pPr>
+              <a:defRPr>
+                <a:solidFill>
+                  <a:schemeClr val="tx2"/>
+                </a:solidFill>
+              </a:defRPr>
+            </a:lvl6pPr>
+            <a:lvl7pPr>
+              <a:defRPr>
+                <a:solidFill>
+                  <a:schemeClr val="tx2"/>
+                </a:solidFill>
+              </a:defRPr>
+            </a:lvl7pPr>
+            <a:lvl8pPr>
+              <a:defRPr>
+                <a:solidFill>
+                  <a:schemeClr val="tx2"/>
+                </a:solidFill>
+              </a:defRPr>
+            </a:lvl8pPr>
+            <a:lvl9pPr>
+              <a:defRPr>
+                <a:solidFill>
+                  <a:schemeClr val="tx2"/>
+                </a:solidFill>
+              </a:defRPr>
+            </a:lvl9pPr>
+          </a:lstStyle>
+          <a:p>
+            <a:pPr lvl="0"/>
+            <a:r>
+              <a:rPr lang="en-US" sz="8000" dirty="0">
+                <a:solidFill>
+                  <a:schemeClr val="tx1"/>
+                </a:solidFill>
+                <a:effectLst/>
+              </a:rPr>
+              <a:t>“</a:t>
+            </a:r>
+          </a:p>
+        </p:txBody>
+      </p:sp>
+      <p:sp>
+        <p:nvSpPr>
+          <p:cNvPr id="14" name="TextBox 13"/>
+          <p:cNvSpPr txBox="1"/>
+          <p:nvPr/>
+        </p:nvSpPr>
+        <p:spPr>
+          <a:xfrm>
+            <a:off x="10557558" y="2993578"/>
+            <a:ext cx="609600" cy="584776"/>
+          </a:xfrm>
+          <a:prstGeom prst="rect">
+            <a:avLst/>
+          </a:prstGeom>
+        </p:spPr>
+        <p:txBody>
+          <a:bodyPr vert="horz" lIns="91440" tIns="45720" rIns="91440" bIns="45720" rtlCol="0" anchor="ctr">
+            <a:noAutofit/>
+          </a:bodyPr>
+          <a:lstStyle>
+            <a:lvl1pPr>
+              <a:spcBef>
+                <a:spcPct val="0"/>
+              </a:spcBef>
+              <a:buNone/>
+              <a:defRPr sz="3200" b="0" cap="all">
+                <a:ln w="3175" cmpd="sng">
+                  <a:noFill/>
+                </a:ln>
+                <a:effectLst>
+                  <a:glow rad="38100">
+                    <a:schemeClr val="bg1">
+                      <a:lumMod val="65000"/>
+                      <a:lumOff val="35000"/>
+                      <a:alpha val="40000"/>
+                    </a:schemeClr>
+                  </a:glow>
+                  <a:outerShdw blurRad="28575" dist="38100" dir="14040000" algn="tl" rotWithShape="0">
+                    <a:srgbClr val="000000">
+                      <a:alpha val="25000"/>
+                    </a:srgbClr>
+                  </a:outerShdw>
+                </a:effectLst>
+              </a:defRPr>
+            </a:lvl1pPr>
+            <a:lvl2pPr>
+              <a:defRPr>
+                <a:solidFill>
+                  <a:schemeClr val="tx2"/>
+                </a:solidFill>
+              </a:defRPr>
+            </a:lvl2pPr>
+            <a:lvl3pPr>
+              <a:defRPr>
+                <a:solidFill>
+                  <a:schemeClr val="tx2"/>
+                </a:solidFill>
+              </a:defRPr>
+            </a:lvl3pPr>
+            <a:lvl4pPr>
+              <a:defRPr>
+                <a:solidFill>
+                  <a:schemeClr val="tx2"/>
+                </a:solidFill>
+              </a:defRPr>
+            </a:lvl4pPr>
+            <a:lvl5pPr>
+              <a:defRPr>
+                <a:solidFill>
+                  <a:schemeClr val="tx2"/>
+                </a:solidFill>
+              </a:defRPr>
+            </a:lvl5pPr>
+            <a:lvl6pPr>
+              <a:defRPr>
+                <a:solidFill>
+                  <a:schemeClr val="tx2"/>
+                </a:solidFill>
+              </a:defRPr>
+            </a:lvl6pPr>
+            <a:lvl7pPr>
+              <a:defRPr>
+                <a:solidFill>
+                  <a:schemeClr val="tx2"/>
+                </a:solidFill>
+              </a:defRPr>
+            </a:lvl7pPr>
+            <a:lvl8pPr>
+              <a:defRPr>
+                <a:solidFill>
+                  <a:schemeClr val="tx2"/>
+                </a:solidFill>
+              </a:defRPr>
+            </a:lvl8pPr>
+            <a:lvl9pPr>
+              <a:defRPr>
+                <a:solidFill>
+                  <a:schemeClr val="tx2"/>
+                </a:solidFill>
+              </a:defRPr>
+            </a:lvl9pPr>
+          </a:lstStyle>
+          <a:p>
+            <a:pPr lvl="0" algn="r"/>
+            <a:r>
+              <a:rPr lang="en-US" sz="8000" dirty="0">
+                <a:solidFill>
+                  <a:schemeClr val="tx1"/>
+                </a:solidFill>
+                <a:effectLst/>
+              </a:rPr>
+              <a:t>”</a:t>
+            </a:r>
+          </a:p>
+        </p:txBody>
+      </p:sp>
+    </p:spTree>
+    <p:extLst>
+      <p:ext uri="{BB962C8B-B14F-4D97-AF65-F5344CB8AC3E}">
+        <p14:creationId xmlns:p14="http://schemas.microsoft.com/office/powerpoint/2010/main" val="2184044648"/>
+      </p:ext>
+    </p:extLst>
+  </p:cSld>
+  <p:clrMapOvr>
+    <a:masterClrMapping/>
+  </p:clrMapOvr>
+  <p:hf sldNum="0" hdr="0" dt="0"/>
+</p:sldLayout>
+</file>
+
+<file path=ppt/slideLayouts/slideLayout13.xml><?xml version="1.0" encoding="utf-8"?>
+<p:sldLayout xmlns:a="http://schemas.openxmlformats.org/drawingml/2006/main" xmlns:r="http://schemas.openxmlformats.org/officeDocument/2006/relationships" xmlns:p="http://schemas.openxmlformats.org/presentationml/2006/main" preserve="1">
+  <p:cSld name="Карточка имени">
+    <p:spTree>
+      <p:nvGrpSpPr>
+        <p:cNvPr id="1" name=""/>
+        <p:cNvGrpSpPr/>
+        <p:nvPr/>
+      </p:nvGrpSpPr>
+      <p:grpSpPr>
+        <a:xfrm>
+          <a:off x="0" y="0"/>
+          <a:ext cx="0" cy="0"/>
+          <a:chOff x="0" y="0"/>
+          <a:chExt cx="0" cy="0"/>
+        </a:xfrm>
+      </p:grpSpPr>
+      <p:pic>
+        <p:nvPicPr>
+          <p:cNvPr id="8" name="Picture 7" descr="Droplets-HD-Content-R1d.png"/>
+          <p:cNvPicPr>
+            <a:picLocks noChangeAspect="1"/>
+          </p:cNvPicPr>
+          <p:nvPr/>
+        </p:nvPicPr>
+        <p:blipFill>
+          <a:blip r:embed="rId2">
+            <a:extLst>
+              <a:ext uri="{28A0092B-C50C-407E-A947-70E740481C1C}">
+                <a14:useLocalDpi xmlns:a14="http://schemas.microsoft.com/office/drawing/2010/main" val="0"/>
+              </a:ext>
+            </a:extLst>
+          </a:blip>
+          <a:stretch>
+            <a:fillRect/>
+          </a:stretch>
+        </p:blipFill>
+        <p:spPr>
+          <a:xfrm>
+            <a:off x="0" y="0"/>
+            <a:ext cx="12192000" cy="6858000"/>
+          </a:xfrm>
+          <a:prstGeom prst="rect">
+            <a:avLst/>
+          </a:prstGeom>
+        </p:spPr>
+      </p:pic>
+      <p:sp>
+        <p:nvSpPr>
+          <p:cNvPr id="2" name="Title 1"/>
+          <p:cNvSpPr>
+            <a:spLocks noGrp="1"/>
+          </p:cNvSpPr>
+          <p:nvPr>
+            <p:ph type="title"/>
+          </p:nvPr>
+        </p:nvSpPr>
+        <p:spPr>
+          <a:xfrm>
+            <a:off x="913775" y="2138721"/>
+            <a:ext cx="10364452" cy="2511835"/>
+          </a:xfrm>
+        </p:spPr>
+        <p:txBody>
+          <a:bodyPr anchor="b"/>
+          <a:lstStyle>
+            <a:lvl1pPr algn="ctr">
+              <a:defRPr sz="3200"/>
+            </a:lvl1pPr>
+          </a:lstStyle>
+          <a:p>
+            <a:r>
+              <a:rPr lang="ru-RU" smtClean="0"/>
+              <a:t>Образец заголовка</a:t>
+            </a:r>
+            <a:endParaRPr lang="en-US" dirty="0"/>
+          </a:p>
+        </p:txBody>
+      </p:sp>
+      <p:sp>
+        <p:nvSpPr>
+          <p:cNvPr id="4" name="Text Placeholder 3"/>
+          <p:cNvSpPr>
+            <a:spLocks noGrp="1"/>
+          </p:cNvSpPr>
+          <p:nvPr>
+            <p:ph type="body" sz="half" idx="2"/>
+          </p:nvPr>
+        </p:nvSpPr>
+        <p:spPr>
+          <a:xfrm>
+            <a:off x="913775" y="4662335"/>
+            <a:ext cx="10364452" cy="1140644"/>
+          </a:xfrm>
+        </p:spPr>
+        <p:txBody>
+          <a:bodyPr anchor="t"/>
+          <a:lstStyle>
+            <a:lvl1pPr marL="0" indent="0" algn="ctr">
+              <a:buNone/>
+              <a:defRPr sz="1600"/>
+            </a:lvl1pPr>
+            <a:lvl2pPr marL="457200" indent="0">
+              <a:buNone/>
+              <a:defRPr sz="1400"/>
+            </a:lvl2pPr>
+            <a:lvl3pPr marL="914400" indent="0">
+              <a:buNone/>
+              <a:defRPr sz="1200"/>
+            </a:lvl3pPr>
+            <a:lvl4pPr marL="1371600" indent="0">
+              <a:buNone/>
+              <a:defRPr sz="1000"/>
+            </a:lvl4pPr>
+            <a:lvl5pPr marL="1828800" indent="0">
+              <a:buNone/>
+              <a:defRPr sz="1000"/>
+            </a:lvl5pPr>
+            <a:lvl6pPr marL="2286000" indent="0">
+              <a:buNone/>
+              <a:defRPr sz="1000"/>
+            </a:lvl6pPr>
+            <a:lvl7pPr marL="2743200" indent="0">
+              <a:buNone/>
+              <a:defRPr sz="1000"/>
+            </a:lvl7pPr>
+            <a:lvl8pPr marL="3200400" indent="0">
+              <a:buNone/>
+              <a:defRPr sz="1000"/>
+            </a:lvl8pPr>
+            <a:lvl9pPr marL="3657600" indent="0">
+              <a:buNone/>
+              <a:defRPr sz="1000"/>
+            </a:lvl9pPr>
+          </a:lstStyle>
+          <a:p>
+            <a:pPr lvl="0"/>
+            <a:r>
+              <a:rPr lang="ru-RU" smtClean="0"/>
+              <a:t>Образец текста</a:t>
+            </a:r>
+          </a:p>
+        </p:txBody>
+      </p:sp>
+      <p:sp>
+        <p:nvSpPr>
+          <p:cNvPr id="5" name="Date Placeholder 4"/>
+          <p:cNvSpPr>
+            <a:spLocks noGrp="1"/>
+          </p:cNvSpPr>
+          <p:nvPr>
+            <p:ph type="dt" sz="half" idx="10"/>
+          </p:nvPr>
+        </p:nvSpPr>
+        <p:spPr/>
+        <p:txBody>
+          <a:bodyPr/>
+          <a:lstStyle/>
+          <a:p>
+            <a:fld id="{EFFB1629-83F3-4FC7-972B-9B5B2800B7F4}" type="datetime1">
+              <a:rPr lang="ru-RU" smtClean="0"/>
+              <a:t>29.08.2015</a:t>
+            </a:fld>
+            <a:endParaRPr lang="ru-RU"/>
+          </a:p>
+        </p:txBody>
+      </p:sp>
+      <p:sp>
+        <p:nvSpPr>
+          <p:cNvPr id="6" name="Footer Placeholder 5"/>
+          <p:cNvSpPr>
+            <a:spLocks noGrp="1"/>
+          </p:cNvSpPr>
+          <p:nvPr>
+            <p:ph type="ftr" sz="quarter" idx="11"/>
+          </p:nvPr>
+        </p:nvSpPr>
+        <p:spPr/>
+        <p:txBody>
+          <a:bodyPr/>
+          <a:lstStyle/>
+          <a:p>
+            <a:r>
+              <a:rPr lang="en-US" smtClean="0"/>
+              <a:t>dmitry@protopopov.ru</a:t>
+            </a:r>
+            <a:endParaRPr lang="ru-RU"/>
+          </a:p>
+        </p:txBody>
+      </p:sp>
+      <p:sp>
+        <p:nvSpPr>
+          <p:cNvPr id="7" name="Slide Number Placeholder 6"/>
+          <p:cNvSpPr>
+            <a:spLocks noGrp="1"/>
+          </p:cNvSpPr>
+          <p:nvPr>
+            <p:ph type="sldNum" sz="quarter" idx="12"/>
+          </p:nvPr>
+        </p:nvSpPr>
+        <p:spPr/>
+        <p:txBody>
+          <a:bodyPr/>
+          <a:lstStyle/>
+          <a:p>
+            <a:fld id="{9A0B409D-0BE2-40E2-8DEA-DA0989C517E6}" type="slidenum">
+              <a:rPr lang="ru-RU" smtClean="0"/>
+              <a:t>‹#›</a:t>
+            </a:fld>
+            <a:endParaRPr lang="ru-RU"/>
+          </a:p>
+        </p:txBody>
+      </p:sp>
+    </p:spTree>
+    <p:extLst>
+      <p:ext uri="{BB962C8B-B14F-4D97-AF65-F5344CB8AC3E}">
+        <p14:creationId xmlns:p14="http://schemas.microsoft.com/office/powerpoint/2010/main" val="1299477736"/>
+      </p:ext>
+    </p:extLst>
+  </p:cSld>
+  <p:clrMapOvr>
+    <a:masterClrMapping/>
+  </p:clrMapOvr>
+  <p:hf sldNum="0" hdr="0" dt="0"/>
+</p:sldLayout>
+</file>
+
+<file path=ppt/slideLayouts/slideLayout14.xml><?xml version="1.0" encoding="utf-8"?>
+<p:sldLayout xmlns:a="http://schemas.openxmlformats.org/drawingml/2006/main" xmlns:r="http://schemas.openxmlformats.org/officeDocument/2006/relationships" xmlns:p="http://schemas.openxmlformats.org/presentationml/2006/main" preserve="1">
+  <p:cSld name="Три колонки">
+    <p:spTree>
+      <p:nvGrpSpPr>
+        <p:cNvPr id="1" name=""/>
+        <p:cNvGrpSpPr/>
+        <p:nvPr/>
+      </p:nvGrpSpPr>
+      <p:grpSpPr>
+        <a:xfrm>
+          <a:off x="0" y="0"/>
+          <a:ext cx="0" cy="0"/>
+          <a:chOff x="0" y="0"/>
+          <a:chExt cx="0" cy="0"/>
+        </a:xfrm>
+      </p:grpSpPr>
+      <p:pic>
+        <p:nvPicPr>
+          <p:cNvPr id="13" name="Picture 12" descr="Droplets-HD-Content-R1d.png"/>
+          <p:cNvPicPr>
+            <a:picLocks noChangeAspect="1"/>
+          </p:cNvPicPr>
+          <p:nvPr/>
+        </p:nvPicPr>
+        <p:blipFill>
+          <a:blip r:embed="rId2">
+            <a:extLst>
+              <a:ext uri="{28A0092B-C50C-407E-A947-70E740481C1C}">
+                <a14:useLocalDpi xmlns:a14="http://schemas.microsoft.com/office/drawing/2010/main" val="0"/>
+              </a:ext>
+            </a:extLst>
+          </a:blip>
+          <a:stretch>
+            <a:fillRect/>
+          </a:stretch>
+        </p:blipFill>
+        <p:spPr>
+          <a:xfrm>
+            <a:off x="0" y="0"/>
+            <a:ext cx="12192000" cy="6858000"/>
+          </a:xfrm>
+          <a:prstGeom prst="rect">
+            <a:avLst/>
+          </a:prstGeom>
+        </p:spPr>
+      </p:pic>
+      <p:sp>
+        <p:nvSpPr>
+          <p:cNvPr id="15" name="Title 1"/>
+          <p:cNvSpPr>
+            <a:spLocks noGrp="1"/>
+          </p:cNvSpPr>
+          <p:nvPr>
+            <p:ph type="title"/>
+          </p:nvPr>
+        </p:nvSpPr>
+        <p:spPr>
+          <a:xfrm>
+            <a:off x="913774" y="609600"/>
+            <a:ext cx="10364452" cy="1605094"/>
+          </a:xfrm>
+        </p:spPr>
+        <p:txBody>
+          <a:bodyPr/>
+          <a:lstStyle/>
+          <a:p>
+            <a:r>
+              <a:rPr lang="ru-RU" smtClean="0"/>
+              <a:t>Образец заголовка</a:t>
+            </a:r>
+            <a:endParaRPr lang="en-US" dirty="0"/>
+          </a:p>
+        </p:txBody>
+      </p:sp>
+      <p:sp>
+        <p:nvSpPr>
+          <p:cNvPr id="7" name="Text Placeholder 2"/>
+          <p:cNvSpPr>
+            <a:spLocks noGrp="1"/>
+          </p:cNvSpPr>
+          <p:nvPr>
+            <p:ph type="body" idx="1"/>
+          </p:nvPr>
+        </p:nvSpPr>
+        <p:spPr>
+          <a:xfrm>
+            <a:off x="913774" y="2367093"/>
+            <a:ext cx="3298976" cy="576262"/>
+          </a:xfrm>
+        </p:spPr>
+        <p:txBody>
+          <a:bodyPr anchor="b">
+            <a:noAutofit/>
+          </a:bodyPr>
+          <a:lstStyle>
+            <a:lvl1pPr marL="0" indent="0" algn="ctr">
+              <a:lnSpc>
+                <a:spcPct val="85000"/>
+              </a:lnSpc>
+              <a:buNone/>
+              <a:defRPr sz="2400" b="0">
+                <a:solidFill>
+                  <a:schemeClr val="tx1"/>
+                </a:solidFill>
+              </a:defRPr>
+            </a:lvl1pPr>
+            <a:lvl2pPr marL="457200" indent="0">
+              <a:buNone/>
+              <a:defRPr sz="2000" b="1"/>
+            </a:lvl2pPr>
+            <a:lvl3pPr marL="914400" indent="0">
+              <a:buNone/>
+              <a:defRPr sz="1800" b="1"/>
+            </a:lvl3pPr>
+            <a:lvl4pPr marL="1371600" indent="0">
+              <a:buNone/>
+              <a:defRPr sz="1600" b="1"/>
+            </a:lvl4pPr>
+            <a:lvl5pPr marL="1828800" indent="0">
+              <a:buNone/>
+              <a:defRPr sz="1600" b="1"/>
+            </a:lvl5pPr>
+            <a:lvl6pPr marL="2286000" indent="0">
+              <a:buNone/>
+              <a:defRPr sz="1600" b="1"/>
+            </a:lvl6pPr>
+            <a:lvl7pPr marL="2743200" indent="0">
+              <a:buNone/>
+              <a:defRPr sz="1600" b="1"/>
+            </a:lvl7pPr>
+            <a:lvl8pPr marL="3200400" indent="0">
+              <a:buNone/>
+              <a:defRPr sz="1600" b="1"/>
+            </a:lvl8pPr>
+            <a:lvl9pPr marL="3657600" indent="0">
+              <a:buNone/>
+              <a:defRPr sz="1600" b="1"/>
+            </a:lvl9pPr>
+          </a:lstStyle>
+          <a:p>
+            <a:pPr lvl="0"/>
+            <a:r>
+              <a:rPr lang="ru-RU" smtClean="0"/>
+              <a:t>Образец текста</a:t>
+            </a:r>
+          </a:p>
+        </p:txBody>
+      </p:sp>
+      <p:sp>
+        <p:nvSpPr>
+          <p:cNvPr id="8" name="Text Placeholder 3"/>
+          <p:cNvSpPr>
+            <a:spLocks noGrp="1"/>
+          </p:cNvSpPr>
+          <p:nvPr>
+            <p:ph type="body" sz="half" idx="15"/>
+          </p:nvPr>
+        </p:nvSpPr>
+        <p:spPr>
+          <a:xfrm>
+            <a:off x="913774" y="2943355"/>
+            <a:ext cx="3298976" cy="2847845"/>
+          </a:xfrm>
+        </p:spPr>
+        <p:txBody>
+          <a:bodyPr anchor="t">
+            <a:normAutofit/>
+          </a:bodyPr>
+          <a:lstStyle>
+            <a:lvl1pPr marL="0" indent="0" algn="ctr">
+              <a:buNone/>
+              <a:defRPr sz="1400"/>
+            </a:lvl1pPr>
+            <a:lvl2pPr marL="457200" indent="0">
+              <a:buNone/>
+              <a:defRPr sz="1200"/>
+            </a:lvl2pPr>
+            <a:lvl3pPr marL="914400" indent="0">
+              <a:buNone/>
+              <a:defRPr sz="1000"/>
+            </a:lvl3pPr>
+            <a:lvl4pPr marL="1371600" indent="0">
+              <a:buNone/>
+              <a:defRPr sz="900"/>
+            </a:lvl4pPr>
+            <a:lvl5pPr marL="1828800" indent="0">
+              <a:buNone/>
+              <a:defRPr sz="900"/>
+            </a:lvl5pPr>
+            <a:lvl6pPr marL="2286000" indent="0">
+              <a:buNone/>
+              <a:defRPr sz="900"/>
+            </a:lvl6pPr>
+            <a:lvl7pPr marL="2743200" indent="0">
+              <a:buNone/>
+              <a:defRPr sz="900"/>
+            </a:lvl7pPr>
+            <a:lvl8pPr marL="3200400" indent="0">
+              <a:buNone/>
+              <a:defRPr sz="900"/>
+            </a:lvl8pPr>
+            <a:lvl9pPr marL="3657600" indent="0">
+              <a:buNone/>
+              <a:defRPr sz="900"/>
+            </a:lvl9pPr>
+          </a:lstStyle>
+          <a:p>
+            <a:pPr lvl="0"/>
+            <a:r>
+              <a:rPr lang="ru-RU" smtClean="0"/>
+              <a:t>Образец текста</a:t>
+            </a:r>
+          </a:p>
+        </p:txBody>
+      </p:sp>
+      <p:sp>
+        <p:nvSpPr>
+          <p:cNvPr id="9" name="Text Placeholder 4"/>
+          <p:cNvSpPr>
+            <a:spLocks noGrp="1"/>
+          </p:cNvSpPr>
+          <p:nvPr>
+            <p:ph type="body" sz="quarter" idx="3"/>
+          </p:nvPr>
+        </p:nvSpPr>
+        <p:spPr>
+          <a:xfrm>
+            <a:off x="4452389" y="2367093"/>
+            <a:ext cx="3291521" cy="576262"/>
+          </a:xfrm>
+        </p:spPr>
+        <p:txBody>
+          <a:bodyPr anchor="b">
+            <a:noAutofit/>
+          </a:bodyPr>
+          <a:lstStyle>
+            <a:lvl1pPr marL="0" indent="0" algn="ctr">
+              <a:lnSpc>
+                <a:spcPct val="85000"/>
+              </a:lnSpc>
+              <a:buNone/>
+              <a:defRPr sz="2400" b="0">
+                <a:solidFill>
+                  <a:schemeClr val="tx1"/>
+                </a:solidFill>
+              </a:defRPr>
+            </a:lvl1pPr>
+            <a:lvl2pPr marL="457200" indent="0">
+              <a:buNone/>
+              <a:defRPr sz="2000" b="1"/>
+            </a:lvl2pPr>
+            <a:lvl3pPr marL="914400" indent="0">
+              <a:buNone/>
+              <a:defRPr sz="1800" b="1"/>
+            </a:lvl3pPr>
+            <a:lvl4pPr marL="1371600" indent="0">
+              <a:buNone/>
+              <a:defRPr sz="1600" b="1"/>
+            </a:lvl4pPr>
+            <a:lvl5pPr marL="1828800" indent="0">
+              <a:buNone/>
+              <a:defRPr sz="1600" b="1"/>
+            </a:lvl5pPr>
+            <a:lvl6pPr marL="2286000" indent="0">
+              <a:buNone/>
+              <a:defRPr sz="1600" b="1"/>
+            </a:lvl6pPr>
+            <a:lvl7pPr marL="2743200" indent="0">
+              <a:buNone/>
+              <a:defRPr sz="1600" b="1"/>
+            </a:lvl7pPr>
+            <a:lvl8pPr marL="3200400" indent="0">
+              <a:buNone/>
+              <a:defRPr sz="1600" b="1"/>
+            </a:lvl8pPr>
+            <a:lvl9pPr marL="3657600" indent="0">
+              <a:buNone/>
+              <a:defRPr sz="1600" b="1"/>
+            </a:lvl9pPr>
+          </a:lstStyle>
+          <a:p>
+            <a:pPr lvl="0"/>
+            <a:r>
+              <a:rPr lang="ru-RU" smtClean="0"/>
+              <a:t>Образец текста</a:t>
+            </a:r>
+          </a:p>
+        </p:txBody>
+      </p:sp>
+      <p:sp>
+        <p:nvSpPr>
+          <p:cNvPr id="10" name="Text Placeholder 3"/>
+          <p:cNvSpPr>
+            <a:spLocks noGrp="1"/>
+          </p:cNvSpPr>
+          <p:nvPr>
+            <p:ph type="body" sz="half" idx="16"/>
+          </p:nvPr>
+        </p:nvSpPr>
+        <p:spPr>
+          <a:xfrm>
+            <a:off x="4441348" y="2943355"/>
+            <a:ext cx="3303351" cy="2847845"/>
+          </a:xfrm>
+        </p:spPr>
+        <p:txBody>
+          <a:bodyPr anchor="t">
+            <a:normAutofit/>
+          </a:bodyPr>
+          <a:lstStyle>
+            <a:lvl1pPr marL="0" indent="0" algn="ctr">
+              <a:buNone/>
+              <a:defRPr sz="1400"/>
+            </a:lvl1pPr>
+            <a:lvl2pPr marL="457200" indent="0">
+              <a:buNone/>
+              <a:defRPr sz="1200"/>
+            </a:lvl2pPr>
+            <a:lvl3pPr marL="914400" indent="0">
+              <a:buNone/>
+              <a:defRPr sz="1000"/>
+            </a:lvl3pPr>
+            <a:lvl4pPr marL="1371600" indent="0">
+              <a:buNone/>
+              <a:defRPr sz="900"/>
+            </a:lvl4pPr>
+            <a:lvl5pPr marL="1828800" indent="0">
+              <a:buNone/>
+              <a:defRPr sz="900"/>
+            </a:lvl5pPr>
+            <a:lvl6pPr marL="2286000" indent="0">
+              <a:buNone/>
+              <a:defRPr sz="900"/>
+            </a:lvl6pPr>
+            <a:lvl7pPr marL="2743200" indent="0">
+              <a:buNone/>
+              <a:defRPr sz="900"/>
+            </a:lvl7pPr>
+            <a:lvl8pPr marL="3200400" indent="0">
+              <a:buNone/>
+              <a:defRPr sz="900"/>
+            </a:lvl8pPr>
+            <a:lvl9pPr marL="3657600" indent="0">
+              <a:buNone/>
+              <a:defRPr sz="900"/>
+            </a:lvl9pPr>
+          </a:lstStyle>
+          <a:p>
+            <a:pPr lvl="0"/>
+            <a:r>
+              <a:rPr lang="ru-RU" smtClean="0"/>
+              <a:t>Образец текста</a:t>
+            </a:r>
+          </a:p>
+        </p:txBody>
+      </p:sp>
+      <p:sp>
+        <p:nvSpPr>
+          <p:cNvPr id="11" name="Text Placeholder 4"/>
+          <p:cNvSpPr>
+            <a:spLocks noGrp="1"/>
+          </p:cNvSpPr>
+          <p:nvPr>
+            <p:ph type="body" sz="quarter" idx="13"/>
+          </p:nvPr>
+        </p:nvSpPr>
+        <p:spPr>
+          <a:xfrm>
+            <a:off x="7973298" y="2367093"/>
+            <a:ext cx="3304928" cy="576262"/>
+          </a:xfrm>
+        </p:spPr>
+        <p:txBody>
+          <a:bodyPr anchor="b">
+            <a:noAutofit/>
+          </a:bodyPr>
+          <a:lstStyle>
+            <a:lvl1pPr marL="0" indent="0" algn="ctr">
+              <a:lnSpc>
+                <a:spcPct val="85000"/>
+              </a:lnSpc>
+              <a:buNone/>
+              <a:defRPr sz="2400" b="0">
+                <a:solidFill>
+                  <a:schemeClr val="tx1"/>
+                </a:solidFill>
+              </a:defRPr>
+            </a:lvl1pPr>
+            <a:lvl2pPr marL="457200" indent="0">
+              <a:buNone/>
+              <a:defRPr sz="2000" b="1"/>
+            </a:lvl2pPr>
+            <a:lvl3pPr marL="914400" indent="0">
+              <a:buNone/>
+              <a:defRPr sz="1800" b="1"/>
+            </a:lvl3pPr>
+            <a:lvl4pPr marL="1371600" indent="0">
+              <a:buNone/>
+              <a:defRPr sz="1600" b="1"/>
+            </a:lvl4pPr>
+            <a:lvl5pPr marL="1828800" indent="0">
+              <a:buNone/>
+              <a:defRPr sz="1600" b="1"/>
+            </a:lvl5pPr>
+            <a:lvl6pPr marL="2286000" indent="0">
+              <a:buNone/>
+              <a:defRPr sz="1600" b="1"/>
+            </a:lvl6pPr>
+            <a:lvl7pPr marL="2743200" indent="0">
+              <a:buNone/>
+              <a:defRPr sz="1600" b="1"/>
+            </a:lvl7pPr>
+            <a:lvl8pPr marL="3200400" indent="0">
+              <a:buNone/>
+              <a:defRPr sz="1600" b="1"/>
+            </a:lvl8pPr>
+            <a:lvl9pPr marL="3657600" indent="0">
+              <a:buNone/>
+              <a:defRPr sz="1600" b="1"/>
+            </a:lvl9pPr>
+          </a:lstStyle>
+          <a:p>
+            <a:pPr lvl="0"/>
+            <a:r>
+              <a:rPr lang="ru-RU" smtClean="0"/>
+              <a:t>Образец текста</a:t>
+            </a:r>
+          </a:p>
+        </p:txBody>
+      </p:sp>
+      <p:sp>
+        <p:nvSpPr>
+          <p:cNvPr id="12" name="Text Placeholder 3"/>
+          <p:cNvSpPr>
+            <a:spLocks noGrp="1"/>
+          </p:cNvSpPr>
+          <p:nvPr>
+            <p:ph type="body" sz="half" idx="17"/>
+          </p:nvPr>
+        </p:nvSpPr>
+        <p:spPr>
+          <a:xfrm>
+            <a:off x="7973298" y="2943355"/>
+            <a:ext cx="3304928" cy="2847845"/>
+          </a:xfrm>
+        </p:spPr>
+        <p:txBody>
+          <a:bodyPr anchor="t">
+            <a:normAutofit/>
+          </a:bodyPr>
+          <a:lstStyle>
+            <a:lvl1pPr marL="0" indent="0" algn="ctr">
+              <a:buNone/>
+              <a:defRPr sz="1400"/>
+            </a:lvl1pPr>
+            <a:lvl2pPr marL="457200" indent="0">
+              <a:buNone/>
+              <a:defRPr sz="1200"/>
+            </a:lvl2pPr>
+            <a:lvl3pPr marL="914400" indent="0">
+              <a:buNone/>
+              <a:defRPr sz="1000"/>
+            </a:lvl3pPr>
+            <a:lvl4pPr marL="1371600" indent="0">
+              <a:buNone/>
+              <a:defRPr sz="900"/>
+            </a:lvl4pPr>
+            <a:lvl5pPr marL="1828800" indent="0">
+              <a:buNone/>
+              <a:defRPr sz="900"/>
+            </a:lvl5pPr>
+            <a:lvl6pPr marL="2286000" indent="0">
+              <a:buNone/>
+              <a:defRPr sz="900"/>
+            </a:lvl6pPr>
+            <a:lvl7pPr marL="2743200" indent="0">
+              <a:buNone/>
+              <a:defRPr sz="900"/>
+            </a:lvl7pPr>
+            <a:lvl8pPr marL="3200400" indent="0">
+              <a:buNone/>
+              <a:defRPr sz="900"/>
+            </a:lvl8pPr>
+            <a:lvl9pPr marL="3657600" indent="0">
+              <a:buNone/>
+              <a:defRPr sz="900"/>
+            </a:lvl9pPr>
+          </a:lstStyle>
+          <a:p>
+            <a:pPr lvl="0"/>
+            <a:r>
+              <a:rPr lang="ru-RU" smtClean="0"/>
+              <a:t>Образец текста</a:t>
+            </a:r>
+          </a:p>
+        </p:txBody>
+      </p:sp>
+      <p:sp>
+        <p:nvSpPr>
+          <p:cNvPr id="3" name="Date Placeholder 2"/>
+          <p:cNvSpPr>
+            <a:spLocks noGrp="1"/>
+          </p:cNvSpPr>
+          <p:nvPr>
+            <p:ph type="dt" sz="half" idx="10"/>
+          </p:nvPr>
+        </p:nvSpPr>
+        <p:spPr/>
+        <p:txBody>
+          <a:bodyPr/>
+          <a:lstStyle/>
+          <a:p>
+            <a:fld id="{EFFB1629-83F3-4FC7-972B-9B5B2800B7F4}" type="datetime1">
+              <a:rPr lang="ru-RU" smtClean="0"/>
+              <a:t>29.08.2015</a:t>
+            </a:fld>
+            <a:endParaRPr lang="ru-RU"/>
+          </a:p>
+        </p:txBody>
+      </p:sp>
+      <p:sp>
+        <p:nvSpPr>
+          <p:cNvPr id="4" name="Footer Placeholder 3"/>
+          <p:cNvSpPr>
+            <a:spLocks noGrp="1"/>
+          </p:cNvSpPr>
+          <p:nvPr>
+            <p:ph type="ftr" sz="quarter" idx="11"/>
+          </p:nvPr>
+        </p:nvSpPr>
+        <p:spPr/>
+        <p:txBody>
+          <a:bodyPr/>
+          <a:lstStyle/>
+          <a:p>
+            <a:r>
+              <a:rPr lang="en-US" smtClean="0"/>
+              <a:t>dmitry@protopopov.ru</a:t>
+            </a:r>
+            <a:endParaRPr lang="ru-RU"/>
+          </a:p>
+        </p:txBody>
+      </p:sp>
+      <p:sp>
+        <p:nvSpPr>
+          <p:cNvPr id="5" name="Slide Number Placeholder 4"/>
+          <p:cNvSpPr>
+            <a:spLocks noGrp="1"/>
+          </p:cNvSpPr>
+          <p:nvPr>
+            <p:ph type="sldNum" sz="quarter" idx="12"/>
+          </p:nvPr>
+        </p:nvSpPr>
+        <p:spPr/>
+        <p:txBody>
+          <a:bodyPr/>
+          <a:lstStyle/>
+          <a:p>
+            <a:fld id="{9A0B409D-0BE2-40E2-8DEA-DA0989C517E6}" type="slidenum">
+              <a:rPr lang="ru-RU" smtClean="0"/>
+              <a:t>‹#›</a:t>
+            </a:fld>
+            <a:endParaRPr lang="ru-RU"/>
+          </a:p>
+        </p:txBody>
+      </p:sp>
+    </p:spTree>
+    <p:extLst>
+      <p:ext uri="{BB962C8B-B14F-4D97-AF65-F5344CB8AC3E}">
+        <p14:creationId xmlns:p14="http://schemas.microsoft.com/office/powerpoint/2010/main" val="1398988309"/>
+      </p:ext>
+    </p:extLst>
+  </p:cSld>
+  <p:clrMapOvr>
+    <a:masterClrMapping/>
+  </p:clrMapOvr>
+  <p:hf sldNum="0" hdr="0" dt="0"/>
+</p:sldLayout>
+</file>
+
+<file path=ppt/slideLayouts/slideLayout15.xml><?xml version="1.0" encoding="utf-8"?>
+<p:sldLayout xmlns:a="http://schemas.openxmlformats.org/drawingml/2006/main" xmlns:r="http://schemas.openxmlformats.org/officeDocument/2006/relationships" xmlns:p="http://schemas.openxmlformats.org/presentationml/2006/main" preserve="1">
+  <p:cSld name="Столбец с тремя рисунками">
+    <p:spTree>
+      <p:nvGrpSpPr>
+        <p:cNvPr id="1" name=""/>
+        <p:cNvGrpSpPr/>
+        <p:nvPr/>
+      </p:nvGrpSpPr>
+      <p:grpSpPr>
+        <a:xfrm>
+          <a:off x="0" y="0"/>
+          <a:ext cx="0" cy="0"/>
+          <a:chOff x="0" y="0"/>
+          <a:chExt cx="0" cy="0"/>
+        </a:xfrm>
+      </p:grpSpPr>
+      <p:pic>
+        <p:nvPicPr>
+          <p:cNvPr id="16" name="Picture 15" descr="Droplets-HD-Content-R1d.png"/>
+          <p:cNvPicPr>
+            <a:picLocks noChangeAspect="1"/>
+          </p:cNvPicPr>
+          <p:nvPr/>
+        </p:nvPicPr>
+        <p:blipFill>
+          <a:blip r:embed="rId2">
+            <a:extLst>
+              <a:ext uri="{28A0092B-C50C-407E-A947-70E740481C1C}">
+                <a14:useLocalDpi xmlns:a14="http://schemas.microsoft.com/office/drawing/2010/main" val="0"/>
+              </a:ext>
+            </a:extLst>
+          </a:blip>
+          <a:stretch>
+            <a:fillRect/>
+          </a:stretch>
+        </p:blipFill>
+        <p:spPr>
+          <a:xfrm>
+            <a:off x="0" y="0"/>
+            <a:ext cx="12192000" cy="6858000"/>
+          </a:xfrm>
+          <a:prstGeom prst="rect">
+            <a:avLst/>
+          </a:prstGeom>
+        </p:spPr>
+      </p:pic>
+      <p:sp>
+        <p:nvSpPr>
+          <p:cNvPr id="30" name="Title 1"/>
+          <p:cNvSpPr>
+            <a:spLocks noGrp="1"/>
+          </p:cNvSpPr>
+          <p:nvPr>
+            <p:ph type="title"/>
+          </p:nvPr>
+        </p:nvSpPr>
+        <p:spPr>
+          <a:xfrm>
+            <a:off x="913774" y="610772"/>
+            <a:ext cx="10364452" cy="1603922"/>
+          </a:xfrm>
+        </p:spPr>
+        <p:txBody>
+          <a:bodyPr/>
+          <a:lstStyle/>
+          <a:p>
+            <a:r>
+              <a:rPr lang="ru-RU" smtClean="0"/>
+              <a:t>Образец заголовка</a:t>
+            </a:r>
+            <a:endParaRPr lang="en-US" dirty="0"/>
+          </a:p>
+        </p:txBody>
+      </p:sp>
+      <p:sp>
+        <p:nvSpPr>
+          <p:cNvPr id="19" name="Text Placeholder 2"/>
+          <p:cNvSpPr>
+            <a:spLocks noGrp="1"/>
+          </p:cNvSpPr>
+          <p:nvPr>
+            <p:ph type="body" idx="1"/>
+          </p:nvPr>
+        </p:nvSpPr>
+        <p:spPr>
+          <a:xfrm>
+            <a:off x="913774" y="4204820"/>
+            <a:ext cx="3296409" cy="576262"/>
+          </a:xfrm>
+        </p:spPr>
+        <p:txBody>
+          <a:bodyPr anchor="b">
+            <a:noAutofit/>
+          </a:bodyPr>
+          <a:lstStyle>
+            <a:lvl1pPr marL="0" indent="0" algn="ctr">
+              <a:lnSpc>
+                <a:spcPct val="85000"/>
+              </a:lnSpc>
+              <a:buNone/>
+              <a:defRPr sz="2200" b="0">
+                <a:solidFill>
+                  <a:schemeClr val="tx1"/>
+                </a:solidFill>
+              </a:defRPr>
+            </a:lvl1pPr>
+            <a:lvl2pPr marL="457200" indent="0">
+              <a:buNone/>
+              <a:defRPr sz="2000" b="1"/>
+            </a:lvl2pPr>
+            <a:lvl3pPr marL="914400" indent="0">
+              <a:buNone/>
+              <a:defRPr sz="1800" b="1"/>
+            </a:lvl3pPr>
+            <a:lvl4pPr marL="1371600" indent="0">
+              <a:buNone/>
+              <a:defRPr sz="1600" b="1"/>
+            </a:lvl4pPr>
+            <a:lvl5pPr marL="1828800" indent="0">
+              <a:buNone/>
+              <a:defRPr sz="1600" b="1"/>
+            </a:lvl5pPr>
+            <a:lvl6pPr marL="2286000" indent="0">
+              <a:buNone/>
+              <a:defRPr sz="1600" b="1"/>
+            </a:lvl6pPr>
+            <a:lvl7pPr marL="2743200" indent="0">
+              <a:buNone/>
+              <a:defRPr sz="1600" b="1"/>
+            </a:lvl7pPr>
+            <a:lvl8pPr marL="3200400" indent="0">
+              <a:buNone/>
+              <a:defRPr sz="1600" b="1"/>
+            </a:lvl8pPr>
+            <a:lvl9pPr marL="3657600" indent="0">
+              <a:buNone/>
+              <a:defRPr sz="1600" b="1"/>
+            </a:lvl9pPr>
+          </a:lstStyle>
+          <a:p>
+            <a:pPr lvl="0"/>
+            <a:r>
+              <a:rPr lang="ru-RU" smtClean="0"/>
+              <a:t>Образец текста</a:t>
+            </a:r>
+          </a:p>
+        </p:txBody>
+      </p:sp>
+      <p:sp>
+        <p:nvSpPr>
+          <p:cNvPr id="20" name="Picture Placeholder 2"/>
+          <p:cNvSpPr>
+            <a:spLocks noGrp="1" noChangeAspect="1"/>
+          </p:cNvSpPr>
+          <p:nvPr>
+            <p:ph type="pic" idx="15"/>
+          </p:nvPr>
+        </p:nvSpPr>
+        <p:spPr>
+          <a:xfrm>
+            <a:off x="913774" y="2367093"/>
+            <a:ext cx="3296409" cy="1524000"/>
+          </a:xfrm>
+          <a:prstGeom prst="roundRect">
+            <a:avLst>
+              <a:gd name="adj" fmla="val 9363"/>
+            </a:avLst>
+          </a:prstGeom>
+          <a:noFill/>
+          <a:ln w="82550" cap="sq">
+            <a:solidFill>
+              <a:srgbClr val="EAEAEA"/>
+            </a:solidFill>
+            <a:miter lim="800000"/>
+          </a:ln>
+          <a:effectLst/>
+          <a:scene3d>
+            <a:camera prst="orthographicFront"/>
+            <a:lightRig rig="threePt" dir="t">
+              <a:rot lat="0" lon="0" rev="2700000"/>
+            </a:lightRig>
+          </a:scene3d>
+          <a:sp3d contourW="6350">
+            <a:bevelT h="38100"/>
+            <a:contourClr>
+              <a:srgbClr val="C0C0C0"/>
+            </a:contourClr>
+          </a:sp3d>
+        </p:spPr>
+        <p:txBody>
+          <a:bodyPr anchor="t">
+            <a:normAutofit/>
+          </a:bodyPr>
+          <a:lstStyle>
+            <a:lvl1pPr marL="0" indent="0" algn="ctr">
+              <a:buNone/>
+              <a:defRPr sz="1600"/>
+            </a:lvl1pPr>
+            <a:lvl2pPr marL="457200" indent="0">
+              <a:buNone/>
+              <a:defRPr sz="1600"/>
+            </a:lvl2pPr>
+            <a:lvl3pPr marL="914400" indent="0">
+              <a:buNone/>
+              <a:defRPr sz="1600"/>
+            </a:lvl3pPr>
+            <a:lvl4pPr marL="1371600" indent="0">
+              <a:buNone/>
+              <a:defRPr sz="1600"/>
+            </a:lvl4pPr>
+            <a:lvl5pPr marL="1828800" indent="0">
+              <a:buNone/>
+              <a:defRPr sz="1600"/>
+            </a:lvl5pPr>
+            <a:lvl6pPr marL="2286000" indent="0">
+              <a:buNone/>
+              <a:defRPr sz="1600"/>
+            </a:lvl6pPr>
+            <a:lvl7pPr marL="2743200" indent="0">
+              <a:buNone/>
+              <a:defRPr sz="1600"/>
+            </a:lvl7pPr>
+            <a:lvl8pPr marL="3200400" indent="0">
+              <a:buNone/>
+              <a:defRPr sz="1600"/>
+            </a:lvl8pPr>
+            <a:lvl9pPr marL="3657600" indent="0">
+              <a:buNone/>
+              <a:defRPr sz="1600"/>
+            </a:lvl9pPr>
+          </a:lstStyle>
+          <a:p>
+            <a:r>
+              <a:rPr lang="ru-RU" smtClean="0"/>
+              <a:t>Вставка рисунка</a:t>
+            </a:r>
+            <a:endParaRPr lang="en-US" dirty="0"/>
+          </a:p>
+        </p:txBody>
+      </p:sp>
+      <p:sp>
+        <p:nvSpPr>
+          <p:cNvPr id="21" name="Text Placeholder 3"/>
+          <p:cNvSpPr>
+            <a:spLocks noGrp="1"/>
+          </p:cNvSpPr>
+          <p:nvPr>
+            <p:ph type="body" sz="half" idx="18"/>
+          </p:nvPr>
+        </p:nvSpPr>
+        <p:spPr>
+          <a:xfrm>
+            <a:off x="913774" y="4781082"/>
+            <a:ext cx="3296409" cy="1010118"/>
+          </a:xfrm>
+        </p:spPr>
+        <p:txBody>
+          <a:bodyPr anchor="t">
+            <a:normAutofit/>
+          </a:bodyPr>
+          <a:lstStyle>
+            <a:lvl1pPr marL="0" indent="0" algn="ctr">
+              <a:buNone/>
+              <a:defRPr sz="1400"/>
+            </a:lvl1pPr>
+            <a:lvl2pPr marL="457200" indent="0">
+              <a:buNone/>
+              <a:defRPr sz="1200"/>
+            </a:lvl2pPr>
+            <a:lvl3pPr marL="914400" indent="0">
+              <a:buNone/>
+              <a:defRPr sz="1000"/>
+            </a:lvl3pPr>
+            <a:lvl4pPr marL="1371600" indent="0">
+              <a:buNone/>
+              <a:defRPr sz="900"/>
+            </a:lvl4pPr>
+            <a:lvl5pPr marL="1828800" indent="0">
+              <a:buNone/>
+              <a:defRPr sz="900"/>
+            </a:lvl5pPr>
+            <a:lvl6pPr marL="2286000" indent="0">
+              <a:buNone/>
+              <a:defRPr sz="900"/>
+            </a:lvl6pPr>
+            <a:lvl7pPr marL="2743200" indent="0">
+              <a:buNone/>
+              <a:defRPr sz="900"/>
+            </a:lvl7pPr>
+            <a:lvl8pPr marL="3200400" indent="0">
+              <a:buNone/>
+              <a:defRPr sz="900"/>
+            </a:lvl8pPr>
+            <a:lvl9pPr marL="3657600" indent="0">
+              <a:buNone/>
+              <a:defRPr sz="900"/>
+            </a:lvl9pPr>
+          </a:lstStyle>
+          <a:p>
+            <a:pPr lvl="0"/>
+            <a:r>
+              <a:rPr lang="ru-RU" smtClean="0"/>
+              <a:t>Образец текста</a:t>
+            </a:r>
+          </a:p>
+        </p:txBody>
+      </p:sp>
+      <p:sp>
+        <p:nvSpPr>
+          <p:cNvPr id="22" name="Text Placeholder 4"/>
+          <p:cNvSpPr>
+            <a:spLocks noGrp="1"/>
+          </p:cNvSpPr>
+          <p:nvPr>
+            <p:ph type="body" sz="quarter" idx="3"/>
+          </p:nvPr>
+        </p:nvSpPr>
+        <p:spPr>
+          <a:xfrm>
+            <a:off x="4442759" y="4204820"/>
+            <a:ext cx="3301828" cy="576262"/>
+          </a:xfrm>
+        </p:spPr>
+        <p:txBody>
+          <a:bodyPr anchor="b">
+            <a:noAutofit/>
+          </a:bodyPr>
+          <a:lstStyle>
+            <a:lvl1pPr marL="0" indent="0" algn="ctr">
+              <a:lnSpc>
+                <a:spcPct val="85000"/>
+              </a:lnSpc>
+              <a:buNone/>
+              <a:defRPr sz="2200" b="0">
+                <a:solidFill>
+                  <a:schemeClr val="tx1"/>
+                </a:solidFill>
+              </a:defRPr>
+            </a:lvl1pPr>
+            <a:lvl2pPr marL="457200" indent="0">
+              <a:buNone/>
+              <a:defRPr sz="2000" b="1"/>
+            </a:lvl2pPr>
+            <a:lvl3pPr marL="914400" indent="0">
+              <a:buNone/>
+              <a:defRPr sz="1800" b="1"/>
+            </a:lvl3pPr>
+            <a:lvl4pPr marL="1371600" indent="0">
+              <a:buNone/>
+              <a:defRPr sz="1600" b="1"/>
+            </a:lvl4pPr>
+            <a:lvl5pPr marL="1828800" indent="0">
+              <a:buNone/>
+              <a:defRPr sz="1600" b="1"/>
+            </a:lvl5pPr>
+            <a:lvl6pPr marL="2286000" indent="0">
+              <a:buNone/>
+              <a:defRPr sz="1600" b="1"/>
+            </a:lvl6pPr>
+            <a:lvl7pPr marL="2743200" indent="0">
+              <a:buNone/>
+              <a:defRPr sz="1600" b="1"/>
+            </a:lvl7pPr>
+            <a:lvl8pPr marL="3200400" indent="0">
+              <a:buNone/>
+              <a:defRPr sz="1600" b="1"/>
+            </a:lvl8pPr>
+            <a:lvl9pPr marL="3657600" indent="0">
+              <a:buNone/>
+              <a:defRPr sz="1600" b="1"/>
+            </a:lvl9pPr>
+          </a:lstStyle>
+          <a:p>
+            <a:pPr lvl="0"/>
+            <a:r>
+              <a:rPr lang="ru-RU" smtClean="0"/>
+              <a:t>Образец текста</a:t>
+            </a:r>
+          </a:p>
+        </p:txBody>
+      </p:sp>
+      <p:sp>
+        <p:nvSpPr>
+          <p:cNvPr id="23" name="Picture Placeholder 2"/>
+          <p:cNvSpPr>
+            <a:spLocks noGrp="1" noChangeAspect="1"/>
+          </p:cNvSpPr>
+          <p:nvPr>
+            <p:ph type="pic" idx="21"/>
+          </p:nvPr>
+        </p:nvSpPr>
+        <p:spPr>
+          <a:xfrm>
+            <a:off x="4441348" y="2367093"/>
+            <a:ext cx="3303352" cy="1524000"/>
+          </a:xfrm>
+          <a:prstGeom prst="roundRect">
+            <a:avLst>
+              <a:gd name="adj" fmla="val 8841"/>
+            </a:avLst>
+          </a:prstGeom>
+          <a:noFill/>
+          <a:ln w="82550" cap="sq">
+            <a:solidFill>
+              <a:srgbClr val="EAEAEA"/>
+            </a:solidFill>
+            <a:miter lim="800000"/>
+          </a:ln>
+          <a:effectLst/>
+          <a:scene3d>
+            <a:camera prst="orthographicFront"/>
+            <a:lightRig rig="threePt" dir="t">
+              <a:rot lat="0" lon="0" rev="2700000"/>
+            </a:lightRig>
+          </a:scene3d>
+          <a:sp3d contourW="6350">
+            <a:bevelT h="38100"/>
+            <a:contourClr>
+              <a:srgbClr val="C0C0C0"/>
+            </a:contourClr>
+          </a:sp3d>
+        </p:spPr>
+        <p:txBody>
+          <a:bodyPr anchor="t">
+            <a:normAutofit/>
+          </a:bodyPr>
+          <a:lstStyle>
+            <a:lvl1pPr marL="0" indent="0" algn="ctr">
+              <a:buNone/>
+              <a:defRPr sz="1600"/>
+            </a:lvl1pPr>
+            <a:lvl2pPr marL="457200" indent="0">
+              <a:buNone/>
+              <a:defRPr sz="1600"/>
+            </a:lvl2pPr>
+            <a:lvl3pPr marL="914400" indent="0">
+              <a:buNone/>
+              <a:defRPr sz="1600"/>
+            </a:lvl3pPr>
+            <a:lvl4pPr marL="1371600" indent="0">
+              <a:buNone/>
+              <a:defRPr sz="1600"/>
+            </a:lvl4pPr>
+            <a:lvl5pPr marL="1828800" indent="0">
+              <a:buNone/>
+              <a:defRPr sz="1600"/>
+            </a:lvl5pPr>
+            <a:lvl6pPr marL="2286000" indent="0">
+              <a:buNone/>
+              <a:defRPr sz="1600"/>
+            </a:lvl6pPr>
+            <a:lvl7pPr marL="2743200" indent="0">
+              <a:buNone/>
+              <a:defRPr sz="1600"/>
+            </a:lvl7pPr>
+            <a:lvl8pPr marL="3200400" indent="0">
+              <a:buNone/>
+              <a:defRPr sz="1600"/>
+            </a:lvl8pPr>
+            <a:lvl9pPr marL="3657600" indent="0">
+              <a:buNone/>
+              <a:defRPr sz="1600"/>
+            </a:lvl9pPr>
+          </a:lstStyle>
+          <a:p>
+            <a:r>
+              <a:rPr lang="ru-RU" smtClean="0"/>
+              <a:t>Вставка рисунка</a:t>
+            </a:r>
+            <a:endParaRPr lang="en-US" dirty="0"/>
+          </a:p>
+        </p:txBody>
+      </p:sp>
+      <p:sp>
+        <p:nvSpPr>
+          <p:cNvPr id="24" name="Text Placeholder 3"/>
+          <p:cNvSpPr>
+            <a:spLocks noGrp="1"/>
+          </p:cNvSpPr>
+          <p:nvPr>
+            <p:ph type="body" sz="half" idx="19"/>
+          </p:nvPr>
+        </p:nvSpPr>
+        <p:spPr>
+          <a:xfrm>
+            <a:off x="4441348" y="4781080"/>
+            <a:ext cx="3303352" cy="1010119"/>
+          </a:xfrm>
+        </p:spPr>
+        <p:txBody>
+          <a:bodyPr anchor="t">
+            <a:normAutofit/>
+          </a:bodyPr>
+          <a:lstStyle>
+            <a:lvl1pPr marL="0" indent="0" algn="ctr">
+              <a:buNone/>
+              <a:defRPr sz="1400"/>
+            </a:lvl1pPr>
+            <a:lvl2pPr marL="457200" indent="0">
+              <a:buNone/>
+              <a:defRPr sz="1200"/>
+            </a:lvl2pPr>
+            <a:lvl3pPr marL="914400" indent="0">
+              <a:buNone/>
+              <a:defRPr sz="1000"/>
+            </a:lvl3pPr>
+            <a:lvl4pPr marL="1371600" indent="0">
+              <a:buNone/>
+              <a:defRPr sz="900"/>
+            </a:lvl4pPr>
+            <a:lvl5pPr marL="1828800" indent="0">
+              <a:buNone/>
+              <a:defRPr sz="900"/>
+            </a:lvl5pPr>
+            <a:lvl6pPr marL="2286000" indent="0">
+              <a:buNone/>
+              <a:defRPr sz="900"/>
+            </a:lvl6pPr>
+            <a:lvl7pPr marL="2743200" indent="0">
+              <a:buNone/>
+              <a:defRPr sz="900"/>
+            </a:lvl7pPr>
+            <a:lvl8pPr marL="3200400" indent="0">
+              <a:buNone/>
+              <a:defRPr sz="900"/>
+            </a:lvl8pPr>
+            <a:lvl9pPr marL="3657600" indent="0">
+              <a:buNone/>
+              <a:defRPr sz="900"/>
+            </a:lvl9pPr>
+          </a:lstStyle>
+          <a:p>
+            <a:pPr lvl="0"/>
+            <a:r>
+              <a:rPr lang="ru-RU" smtClean="0"/>
+              <a:t>Образец текста</a:t>
+            </a:r>
+          </a:p>
+        </p:txBody>
+      </p:sp>
+      <p:sp>
+        <p:nvSpPr>
+          <p:cNvPr id="25" name="Text Placeholder 4"/>
+          <p:cNvSpPr>
+            <a:spLocks noGrp="1"/>
+          </p:cNvSpPr>
+          <p:nvPr>
+            <p:ph type="body" sz="quarter" idx="13"/>
+          </p:nvPr>
+        </p:nvSpPr>
+        <p:spPr>
+          <a:xfrm>
+            <a:off x="7973298" y="4204820"/>
+            <a:ext cx="3300681" cy="576262"/>
+          </a:xfrm>
+        </p:spPr>
+        <p:txBody>
+          <a:bodyPr anchor="b">
+            <a:noAutofit/>
+          </a:bodyPr>
+          <a:lstStyle>
+            <a:lvl1pPr marL="0" indent="0" algn="ctr">
+              <a:lnSpc>
+                <a:spcPct val="85000"/>
+              </a:lnSpc>
+              <a:buNone/>
+              <a:defRPr sz="2200" b="0">
+                <a:solidFill>
+                  <a:schemeClr val="tx1"/>
+                </a:solidFill>
+              </a:defRPr>
+            </a:lvl1pPr>
+            <a:lvl2pPr marL="457200" indent="0">
+              <a:buNone/>
+              <a:defRPr sz="2000" b="1"/>
+            </a:lvl2pPr>
+            <a:lvl3pPr marL="914400" indent="0">
+              <a:buNone/>
+              <a:defRPr sz="1800" b="1"/>
+            </a:lvl3pPr>
+            <a:lvl4pPr marL="1371600" indent="0">
+              <a:buNone/>
+              <a:defRPr sz="1600" b="1"/>
+            </a:lvl4pPr>
+            <a:lvl5pPr marL="1828800" indent="0">
+              <a:buNone/>
+              <a:defRPr sz="1600" b="1"/>
+            </a:lvl5pPr>
+            <a:lvl6pPr marL="2286000" indent="0">
+              <a:buNone/>
+              <a:defRPr sz="1600" b="1"/>
+            </a:lvl6pPr>
+            <a:lvl7pPr marL="2743200" indent="0">
+              <a:buNone/>
+              <a:defRPr sz="1600" b="1"/>
+            </a:lvl7pPr>
+            <a:lvl8pPr marL="3200400" indent="0">
+              <a:buNone/>
+              <a:defRPr sz="1600" b="1"/>
+            </a:lvl8pPr>
+            <a:lvl9pPr marL="3657600" indent="0">
+              <a:buNone/>
+              <a:defRPr sz="1600" b="1"/>
+            </a:lvl9pPr>
+          </a:lstStyle>
+          <a:p>
+            <a:pPr lvl="0"/>
+            <a:r>
+              <a:rPr lang="ru-RU" smtClean="0"/>
+              <a:t>Образец текста</a:t>
+            </a:r>
+          </a:p>
+        </p:txBody>
+      </p:sp>
+      <p:sp>
+        <p:nvSpPr>
+          <p:cNvPr id="26" name="Picture Placeholder 2"/>
+          <p:cNvSpPr>
+            <a:spLocks noGrp="1" noChangeAspect="1"/>
+          </p:cNvSpPr>
+          <p:nvPr>
+            <p:ph type="pic" idx="22"/>
+          </p:nvPr>
+        </p:nvSpPr>
+        <p:spPr>
+          <a:xfrm>
+            <a:off x="7973298" y="2367093"/>
+            <a:ext cx="3304928" cy="1524000"/>
+          </a:xfrm>
+          <a:prstGeom prst="roundRect">
+            <a:avLst>
+              <a:gd name="adj" fmla="val 8841"/>
+            </a:avLst>
+          </a:prstGeom>
+          <a:noFill/>
+          <a:ln w="82550" cap="sq">
+            <a:solidFill>
+              <a:srgbClr val="EAEAEA"/>
+            </a:solidFill>
+            <a:miter lim="800000"/>
+          </a:ln>
+          <a:effectLst/>
+          <a:scene3d>
+            <a:camera prst="orthographicFront"/>
+            <a:lightRig rig="threePt" dir="t">
+              <a:rot lat="0" lon="0" rev="2700000"/>
+            </a:lightRig>
+          </a:scene3d>
+          <a:sp3d contourW="6350">
+            <a:bevelT h="38100"/>
+            <a:contourClr>
+              <a:srgbClr val="C0C0C0"/>
+            </a:contourClr>
+          </a:sp3d>
+        </p:spPr>
+        <p:txBody>
+          <a:bodyPr anchor="t">
+            <a:normAutofit/>
+          </a:bodyPr>
+          <a:lstStyle>
+            <a:lvl1pPr marL="0" indent="0" algn="ctr">
+              <a:buNone/>
+              <a:defRPr sz="1600"/>
+            </a:lvl1pPr>
+            <a:lvl2pPr marL="457200" indent="0">
+              <a:buNone/>
+              <a:defRPr sz="1600"/>
+            </a:lvl2pPr>
+            <a:lvl3pPr marL="914400" indent="0">
+              <a:buNone/>
+              <a:defRPr sz="1600"/>
+            </a:lvl3pPr>
+            <a:lvl4pPr marL="1371600" indent="0">
+              <a:buNone/>
+              <a:defRPr sz="1600"/>
+            </a:lvl4pPr>
+            <a:lvl5pPr marL="1828800" indent="0">
+              <a:buNone/>
+              <a:defRPr sz="1600"/>
+            </a:lvl5pPr>
+            <a:lvl6pPr marL="2286000" indent="0">
+              <a:buNone/>
+              <a:defRPr sz="1600"/>
+            </a:lvl6pPr>
+            <a:lvl7pPr marL="2743200" indent="0">
+              <a:buNone/>
+              <a:defRPr sz="1600"/>
+            </a:lvl7pPr>
+            <a:lvl8pPr marL="3200400" indent="0">
+              <a:buNone/>
+              <a:defRPr sz="1600"/>
+            </a:lvl8pPr>
+            <a:lvl9pPr marL="3657600" indent="0">
+              <a:buNone/>
+              <a:defRPr sz="1600"/>
+            </a:lvl9pPr>
+          </a:lstStyle>
+          <a:p>
+            <a:r>
+              <a:rPr lang="ru-RU" smtClean="0"/>
+              <a:t>Вставка рисунка</a:t>
+            </a:r>
+            <a:endParaRPr lang="en-US" dirty="0"/>
+          </a:p>
+        </p:txBody>
+      </p:sp>
+      <p:sp>
+        <p:nvSpPr>
+          <p:cNvPr id="27" name="Text Placeholder 3"/>
+          <p:cNvSpPr>
+            <a:spLocks noGrp="1"/>
+          </p:cNvSpPr>
+          <p:nvPr>
+            <p:ph type="body" sz="half" idx="20"/>
+          </p:nvPr>
+        </p:nvSpPr>
+        <p:spPr>
+          <a:xfrm>
+            <a:off x="7973173" y="4781078"/>
+            <a:ext cx="3305053" cy="1010121"/>
+          </a:xfrm>
+        </p:spPr>
+        <p:txBody>
+          <a:bodyPr anchor="t">
+            <a:normAutofit/>
+          </a:bodyPr>
+          <a:lstStyle>
+            <a:lvl1pPr marL="0" indent="0" algn="ctr">
+              <a:buNone/>
+              <a:defRPr sz="1400"/>
+            </a:lvl1pPr>
+            <a:lvl2pPr marL="457200" indent="0">
+              <a:buNone/>
+              <a:defRPr sz="1200"/>
+            </a:lvl2pPr>
+            <a:lvl3pPr marL="914400" indent="0">
+              <a:buNone/>
+              <a:defRPr sz="1000"/>
+            </a:lvl3pPr>
+            <a:lvl4pPr marL="1371600" indent="0">
+              <a:buNone/>
+              <a:defRPr sz="900"/>
+            </a:lvl4pPr>
+            <a:lvl5pPr marL="1828800" indent="0">
+              <a:buNone/>
+              <a:defRPr sz="900"/>
+            </a:lvl5pPr>
+            <a:lvl6pPr marL="2286000" indent="0">
+              <a:buNone/>
+              <a:defRPr sz="900"/>
+            </a:lvl6pPr>
+            <a:lvl7pPr marL="2743200" indent="0">
+              <a:buNone/>
+              <a:defRPr sz="900"/>
+            </a:lvl7pPr>
+            <a:lvl8pPr marL="3200400" indent="0">
+              <a:buNone/>
+              <a:defRPr sz="900"/>
+            </a:lvl8pPr>
+            <a:lvl9pPr marL="3657600" indent="0">
+              <a:buNone/>
+              <a:defRPr sz="900"/>
+            </a:lvl9pPr>
+          </a:lstStyle>
+          <a:p>
+            <a:pPr lvl="0"/>
+            <a:r>
+              <a:rPr lang="ru-RU" smtClean="0"/>
+              <a:t>Образец текста</a:t>
+            </a:r>
+          </a:p>
+        </p:txBody>
+      </p:sp>
+      <p:sp>
+        <p:nvSpPr>
+          <p:cNvPr id="3" name="Date Placeholder 2"/>
+          <p:cNvSpPr>
+            <a:spLocks noGrp="1"/>
+          </p:cNvSpPr>
+          <p:nvPr>
+            <p:ph type="dt" sz="half" idx="10"/>
+          </p:nvPr>
+        </p:nvSpPr>
+        <p:spPr/>
+        <p:txBody>
+          <a:bodyPr/>
+          <a:lstStyle/>
+          <a:p>
+            <a:fld id="{EFFB1629-83F3-4FC7-972B-9B5B2800B7F4}" type="datetime1">
+              <a:rPr lang="ru-RU" smtClean="0"/>
+              <a:t>29.08.2015</a:t>
+            </a:fld>
+            <a:endParaRPr lang="ru-RU"/>
+          </a:p>
+        </p:txBody>
+      </p:sp>
+      <p:sp>
+        <p:nvSpPr>
+          <p:cNvPr id="4" name="Footer Placeholder 3"/>
+          <p:cNvSpPr>
+            <a:spLocks noGrp="1"/>
+          </p:cNvSpPr>
+          <p:nvPr>
+            <p:ph type="ftr" sz="quarter" idx="11"/>
+          </p:nvPr>
+        </p:nvSpPr>
+        <p:spPr/>
+        <p:txBody>
+          <a:bodyPr/>
+          <a:lstStyle/>
+          <a:p>
+            <a:r>
+              <a:rPr lang="en-US" smtClean="0"/>
+              <a:t>dmitry@protopopov.ru</a:t>
+            </a:r>
+            <a:endParaRPr lang="ru-RU"/>
+          </a:p>
+        </p:txBody>
+      </p:sp>
+      <p:sp>
+        <p:nvSpPr>
+          <p:cNvPr id="5" name="Slide Number Placeholder 4"/>
+          <p:cNvSpPr>
+            <a:spLocks noGrp="1"/>
+          </p:cNvSpPr>
+          <p:nvPr>
+            <p:ph type="sldNum" sz="quarter" idx="12"/>
+          </p:nvPr>
+        </p:nvSpPr>
+        <p:spPr/>
+        <p:txBody>
+          <a:bodyPr/>
+          <a:lstStyle/>
+          <a:p>
+            <a:fld id="{9A0B409D-0BE2-40E2-8DEA-DA0989C517E6}" type="slidenum">
+              <a:rPr lang="ru-RU" smtClean="0"/>
+              <a:t>‹#›</a:t>
+            </a:fld>
+            <a:endParaRPr lang="ru-RU"/>
+          </a:p>
+        </p:txBody>
+      </p:sp>
+    </p:spTree>
+    <p:extLst>
+      <p:ext uri="{BB962C8B-B14F-4D97-AF65-F5344CB8AC3E}">
+        <p14:creationId xmlns:p14="http://schemas.microsoft.com/office/powerpoint/2010/main" val="1014934852"/>
+      </p:ext>
+    </p:extLst>
+  </p:cSld>
+  <p:clrMapOvr>
+    <a:masterClrMapping/>
+  </p:clrMapOvr>
+  <p:hf sldNum="0" hdr="0" dt="0"/>
+</p:sldLayout>
+</file>
+
+<file path=ppt/slideLayouts/slideLayout16.xml><?xml version="1.0" encoding="utf-8"?>
 <p:sldLayout xmlns:a="http://schemas.openxmlformats.org/drawingml/2006/main" xmlns:r="http://schemas.openxmlformats.org/officeDocument/2006/relationships" xmlns:p="http://schemas.openxmlformats.org/presentationml/2006/main" type="vertTx" preserve="1">
   <p:cSld name="Заголовок и вертикальный текст">
     <p:spTree>
@@ -612,6 +3550,36 @@
           <a:chExt cx="0" cy="0"/>
         </a:xfrm>
       </p:grpSpPr>
+      <p:pic>
+        <p:nvPicPr>
+          <p:cNvPr id="8" name="Picture 7" descr="Droplets-HD-Content-R1d.png"/>
+          <p:cNvPicPr>
+            <a:picLocks noChangeAspect="1"/>
+          </p:cNvPicPr>
+          <p:nvPr/>
+        </p:nvPicPr>
+        <p:blipFill>
+          <a:blip r:embed="rId2">
+            <a:extLst>
+              <a:ext uri="{28A0092B-C50C-407E-A947-70E740481C1C}">
+                <a14:useLocalDpi xmlns:a14="http://schemas.microsoft.com/office/drawing/2010/main" val="0"/>
+              </a:ext>
+            </a:extLst>
+          </a:blip>
+          <a:stretch>
+            <a:fillRect/>
+          </a:stretch>
+        </p:blipFill>
+        <p:spPr>
+          <a:xfrm>
+            <a:off x="0" y="0"/>
+            <a:ext cx="12192000" cy="6858000"/>
+          </a:xfrm>
+          <a:prstGeom prst="rect">
+            <a:avLst/>
+          </a:prstGeom>
+        </p:spPr>
+      </p:pic>
       <p:sp>
         <p:nvSpPr>
           <p:cNvPr id="2" name="Title 1"/>
@@ -637,74 +3605,79 @@
       </p:sp>
       <p:sp>
         <p:nvSpPr>
-          <p:cNvPr id="3" name="Vertical Text Placeholder 2"/>
-          <p:cNvSpPr>
-            <a:spLocks noGrp="1"/>
-          </p:cNvSpPr>
-          <p:nvPr>
-            <p:ph type="body" orient="vert" idx="1"/>
+          <p:cNvPr id="11" name="Vertical Text Placeholder 2"/>
+          <p:cNvSpPr>
+            <a:spLocks noGrp="1"/>
+          </p:cNvSpPr>
+          <p:nvPr>
+            <p:ph type="body" orient="vert" sz="quarter" idx="13"/>
+          </p:nvPr>
+        </p:nvSpPr>
+        <p:spPr>
+          <a:xfrm>
+            <a:off x="913775" y="2367093"/>
+            <a:ext cx="10364452" cy="3424107"/>
+          </a:xfrm>
+        </p:spPr>
+        <p:txBody>
+          <a:bodyPr vert="eaVert"/>
+          <a:lstStyle/>
+          <a:p>
+            <a:pPr lvl="0"/>
+            <a:r>
+              <a:rPr lang="ru-RU" smtClean="0"/>
+              <a:t>Образец текста</a:t>
+            </a:r>
+          </a:p>
+          <a:p>
+            <a:pPr lvl="1"/>
+            <a:r>
+              <a:rPr lang="ru-RU" smtClean="0"/>
+              <a:t>Второй уровень</a:t>
+            </a:r>
+          </a:p>
+          <a:p>
+            <a:pPr lvl="2"/>
+            <a:r>
+              <a:rPr lang="ru-RU" smtClean="0"/>
+              <a:t>Третий уровень</a:t>
+            </a:r>
+          </a:p>
+          <a:p>
+            <a:pPr lvl="3"/>
+            <a:r>
+              <a:rPr lang="ru-RU" smtClean="0"/>
+              <a:t>Четвертый уровень</a:t>
+            </a:r>
+          </a:p>
+          <a:p>
+            <a:pPr lvl="4"/>
+            <a:r>
+              <a:rPr lang="ru-RU" smtClean="0"/>
+              <a:t>Пятый уровень</a:t>
+            </a:r>
+            <a:endParaRPr lang="en-US" dirty="0"/>
+          </a:p>
+        </p:txBody>
+      </p:sp>
+      <p:sp>
+        <p:nvSpPr>
+          <p:cNvPr id="4" name="Date Placeholder 3"/>
+          <p:cNvSpPr>
+            <a:spLocks noGrp="1"/>
+          </p:cNvSpPr>
+          <p:nvPr>
+            <p:ph type="dt" sz="half" idx="10"/>
           </p:nvPr>
         </p:nvSpPr>
         <p:spPr/>
         <p:txBody>
-          <a:bodyPr vert="eaVert"/>
-          <a:lstStyle/>
-          <a:p>
-            <a:pPr lvl="0"/>
-            <a:r>
-              <a:rPr lang="ru-RU" smtClean="0"/>
-              <a:t>Образец текста</a:t>
-            </a:r>
-          </a:p>
-          <a:p>
-            <a:pPr lvl="1"/>
-            <a:r>
-              <a:rPr lang="ru-RU" smtClean="0"/>
-              <a:t>Второй уровень</a:t>
-            </a:r>
-          </a:p>
-          <a:p>
-            <a:pPr lvl="2"/>
-            <a:r>
-              <a:rPr lang="ru-RU" smtClean="0"/>
-              <a:t>Третий уровень</a:t>
-            </a:r>
-          </a:p>
-          <a:p>
-            <a:pPr lvl="3"/>
-            <a:r>
-              <a:rPr lang="ru-RU" smtClean="0"/>
-              <a:t>Четвертый уровень</a:t>
-            </a:r>
-          </a:p>
-          <a:p>
-            <a:pPr lvl="4"/>
-            <a:r>
-              <a:rPr lang="ru-RU" smtClean="0"/>
-              <a:t>Пятый уровень</a:t>
-            </a:r>
-            <a:endParaRPr lang="en-US" dirty="0"/>
-          </a:p>
-        </p:txBody>
-      </p:sp>
-      <p:sp>
-        <p:nvSpPr>
-          <p:cNvPr id="4" name="Date Placeholder 3"/>
-          <p:cNvSpPr>
-            <a:spLocks noGrp="1"/>
-          </p:cNvSpPr>
-          <p:nvPr>
-            <p:ph type="dt" sz="half" idx="10"/>
-          </p:nvPr>
-        </p:nvSpPr>
-        <p:spPr/>
-        <p:txBody>
           <a:bodyPr/>
           <a:lstStyle/>
           <a:p>
-            <a:fld id="{214DD448-9E40-4228-BE6F-5A48284476B9}" type="datetimeFigureOut">
-              <a:rPr lang="ru-RU" smtClean="0"/>
-              <a:t>31.03.2014</a:t>
+            <a:fld id="{3C04AF78-4BE1-4BCD-9BC4-065FEC33191B}" type="datetime1">
+              <a:rPr lang="ru-RU" smtClean="0"/>
+              <a:t>29.08.2015</a:t>
             </a:fld>
             <a:endParaRPr lang="ru-RU"/>
           </a:p>
@@ -725,6 +3698,10 @@
           <a:bodyPr/>
           <a:lstStyle/>
           <a:p>
+            <a:r>
+              <a:rPr lang="en-US" smtClean="0"/>
+              <a:t>dmitry@protopopov.ru</a:t>
+            </a:r>
             <a:endParaRPr lang="ru-RU"/>
           </a:p>
         </p:txBody>
@@ -755,7 +3732,7 @@
     </p:spTree>
     <p:extLst>
       <p:ext uri="{BB962C8B-B14F-4D97-AF65-F5344CB8AC3E}">
-        <p14:creationId xmlns:p14="http://schemas.microsoft.com/office/powerpoint/2010/main" val="762289108"/>
+        <p14:creationId xmlns:p14="http://schemas.microsoft.com/office/powerpoint/2010/main" val="2458527949"/>
       </p:ext>
     </p:extLst>
   </p:cSld>
@@ -765,7 +3742,7 @@
 </p:sldLayout>
 </file>
 
-<file path=ppt/slideLayouts/slideLayout11.xml><?xml version="1.0" encoding="utf-8"?>
+<file path=ppt/slideLayouts/slideLayout17.xml><?xml version="1.0" encoding="utf-8"?>
 <p:sldLayout xmlns:a="http://schemas.openxmlformats.org/drawingml/2006/main" xmlns:r="http://schemas.openxmlformats.org/officeDocument/2006/relationships" xmlns:p="http://schemas.openxmlformats.org/presentationml/2006/main" type="vertTitleAndTx" preserve="1">
   <p:cSld name="Вертикальный заголовок и текст">
     <p:spTree>
@@ -782,6 +3759,36 @@
           <a:chExt cx="0" cy="0"/>
         </a:xfrm>
       </p:grpSpPr>
+      <p:pic>
+        <p:nvPicPr>
+          <p:cNvPr id="9" name="Picture 8" descr="Droplets-HD-Content-R1d.png"/>
+          <p:cNvPicPr>
+            <a:picLocks noChangeAspect="1"/>
+          </p:cNvPicPr>
+          <p:nvPr/>
+        </p:nvPicPr>
+        <p:blipFill>
+          <a:blip r:embed="rId2">
+            <a:extLst>
+              <a:ext uri="{28A0092B-C50C-407E-A947-70E740481C1C}">
+                <a14:useLocalDpi xmlns:a14="http://schemas.microsoft.com/office/drawing/2010/main" val="0"/>
+              </a:ext>
+            </a:extLst>
+          </a:blip>
+          <a:stretch>
+            <a:fillRect/>
+          </a:stretch>
+        </p:blipFill>
+        <p:spPr>
+          <a:xfrm>
+            <a:off x="0" y="0"/>
+            <a:ext cx="12192000" cy="6858000"/>
+          </a:xfrm>
+          <a:prstGeom prst="rect">
+            <a:avLst/>
+          </a:prstGeom>
+        </p:spPr>
+      </p:pic>
       <p:sp>
         <p:nvSpPr>
           <p:cNvPr id="2" name="Vertical Title 1"/>
@@ -794,13 +3801,17 @@
         </p:nvSpPr>
         <p:spPr>
           <a:xfrm>
-            <a:off x="8724900" y="533400"/>
-            <a:ext cx="2552700" cy="5638800"/>
+            <a:off x="8724900" y="609601"/>
+            <a:ext cx="2553326" cy="5181599"/>
           </a:xfrm>
         </p:spPr>
         <p:txBody>
           <a:bodyPr vert="eaVert"/>
-          <a:lstStyle/>
+          <a:lstStyle>
+            <a:lvl1pPr algn="l">
+              <a:defRPr/>
+            </a:lvl1pPr>
+          </a:lstStyle>
           <a:p>
             <a:r>
               <a:rPr lang="ru-RU" smtClean="0"/>
@@ -812,18 +3823,18 @@
       </p:sp>
       <p:sp>
         <p:nvSpPr>
-          <p:cNvPr id="3" name="Vertical Text Placeholder 2"/>
-          <p:cNvSpPr>
-            <a:spLocks noGrp="1"/>
-          </p:cNvSpPr>
-          <p:nvPr>
-            <p:ph type="body" orient="vert" idx="1"/>
-          </p:nvPr>
-        </p:nvSpPr>
-        <p:spPr>
-          <a:xfrm>
-            <a:off x="1066800" y="533400"/>
-            <a:ext cx="7505700" cy="5638800"/>
+          <p:cNvPr id="8" name="Vertical Text Placeholder 2"/>
+          <p:cNvSpPr>
+            <a:spLocks noGrp="1"/>
+          </p:cNvSpPr>
+          <p:nvPr>
+            <p:ph type="body" orient="vert" sz="quarter" idx="13"/>
+          </p:nvPr>
+        </p:nvSpPr>
+        <p:spPr>
+          <a:xfrm>
+            <a:off x="913775" y="609601"/>
+            <a:ext cx="7658724" cy="5181599"/>
           </a:xfrm>
         </p:spPr>
         <p:txBody>
@@ -882,9 +3893,9 @@
           <a:bodyPr/>
           <a:lstStyle/>
           <a:p>
-            <a:fld id="{214DD448-9E40-4228-BE6F-5A48284476B9}" type="datetimeFigureOut">
-              <a:rPr lang="ru-RU" smtClean="0"/>
-              <a:t>31.03.2014</a:t>
+            <a:fld id="{079C763A-DC33-4C46-A79E-742588C98B66}" type="datetime1">
+              <a:rPr lang="ru-RU" smtClean="0"/>
+              <a:t>29.08.2015</a:t>
             </a:fld>
             <a:endParaRPr lang="ru-RU"/>
           </a:p>
@@ -905,6 +3916,10 @@
           <a:bodyPr/>
           <a:lstStyle/>
           <a:p>
+            <a:r>
+              <a:rPr lang="en-US" smtClean="0"/>
+              <a:t>dmitry@protopopov.ru</a:t>
+            </a:r>
             <a:endParaRPr lang="ru-RU"/>
           </a:p>
         </p:txBody>
@@ -935,7 +3950,7 @@
     </p:spTree>
     <p:extLst>
       <p:ext uri="{BB962C8B-B14F-4D97-AF65-F5344CB8AC3E}">
-        <p14:creationId xmlns:p14="http://schemas.microsoft.com/office/powerpoint/2010/main" val="307374758"/>
+        <p14:creationId xmlns:p14="http://schemas.microsoft.com/office/powerpoint/2010/main" val="2524903364"/>
       </p:ext>
     </p:extLst>
   </p:cSld>
@@ -962,6 +3977,36 @@
           <a:chExt cx="0" cy="0"/>
         </a:xfrm>
       </p:grpSpPr>
+      <p:pic>
+        <p:nvPicPr>
+          <p:cNvPr id="3" name="Picture 2" descr="Droplets-HD-Content-R1d.png"/>
+          <p:cNvPicPr>
+            <a:picLocks noChangeAspect="1"/>
+          </p:cNvPicPr>
+          <p:nvPr/>
+        </p:nvPicPr>
+        <p:blipFill>
+          <a:blip r:embed="rId2">
+            <a:extLst>
+              <a:ext uri="{28A0092B-C50C-407E-A947-70E740481C1C}">
+                <a14:useLocalDpi xmlns:a14="http://schemas.microsoft.com/office/drawing/2010/main" val="0"/>
+              </a:ext>
+            </a:extLst>
+          </a:blip>
+          <a:stretch>
+            <a:fillRect/>
+          </a:stretch>
+        </p:blipFill>
+        <p:spPr>
+          <a:xfrm>
+            <a:off x="0" y="0"/>
+            <a:ext cx="12192000" cy="6858000"/>
+          </a:xfrm>
+          <a:prstGeom prst="rect">
+            <a:avLst/>
+          </a:prstGeom>
+        </p:spPr>
+      </p:pic>
       <p:sp>
         <p:nvSpPr>
           <p:cNvPr id="2" name="Title 1"/>
@@ -987,12 +4032,69 @@
       </p:sp>
       <p:sp>
         <p:nvSpPr>
-          <p:cNvPr id="3" name="Content Placeholder 2"/>
-          <p:cNvSpPr>
-            <a:spLocks noGrp="1"/>
-          </p:cNvSpPr>
-          <p:nvPr>
-            <p:ph idx="1"/>
+          <p:cNvPr id="12" name="Content Placeholder 2"/>
+          <p:cNvSpPr>
+            <a:spLocks noGrp="1"/>
+          </p:cNvSpPr>
+          <p:nvPr>
+            <p:ph sz="quarter" idx="13"/>
+          </p:nvPr>
+        </p:nvSpPr>
+        <p:spPr>
+          <a:xfrm>
+            <a:off x="913774" y="2367092"/>
+            <a:ext cx="10363826" cy="3424107"/>
+          </a:xfrm>
+        </p:spPr>
+        <p:txBody>
+          <a:bodyPr/>
+          <a:lstStyle/>
+          <a:p>
+            <a:pPr lvl="0"/>
+            <a:r>
+              <a:rPr lang="ru-RU" smtClean="0"/>
+              <a:t>Образец текста</a:t>
+            </a:r>
+          </a:p>
+          <a:p>
+            <a:pPr lvl="1"/>
+            <a:r>
+              <a:rPr lang="ru-RU" smtClean="0"/>
+              <a:t>Второй уровень</a:t>
+            </a:r>
+          </a:p>
+          <a:p>
+            <a:pPr lvl="2"/>
+            <a:r>
+              <a:rPr lang="ru-RU" smtClean="0"/>
+              <a:t>Третий уровень</a:t>
+            </a:r>
+          </a:p>
+          <a:p>
+            <a:pPr lvl="3"/>
+            <a:r>
+              <a:rPr lang="ru-RU" smtClean="0"/>
+              <a:t>Четвертый уровень</a:t>
+            </a:r>
+          </a:p>
+          <a:p>
+            <a:pPr lvl="4"/>
+            <a:r>
+              <a:rPr lang="ru-RU" smtClean="0"/>
+              <a:t>Пятый уровень</a:t>
+            </a:r>
+            <a:endParaRPr lang="en-US" dirty="0"/>
+          </a:p>
+        </p:txBody>
+      </p:sp>
+      <p:sp>
+        <p:nvSpPr>
+          <p:cNvPr id="4" name="Date Placeholder 3"/>
+          <p:cNvSpPr>
+            <a:spLocks noGrp="1"/>
+          </p:cNvSpPr>
+          <p:nvPr>
+            <p:ph type="dt" sz="half" idx="10"/>
           </p:nvPr>
         </p:nvSpPr>
         <p:spPr/>
@@ -1000,61 +4102,9 @@
           <a:bodyPr/>
           <a:lstStyle/>
           <a:p>
-            <a:pPr lvl="0"/>
-            <a:r>
-              <a:rPr lang="ru-RU" smtClean="0"/>
-              <a:t>Образец текста</a:t>
-            </a:r>
-          </a:p>
-          <a:p>
-            <a:pPr lvl="1"/>
-            <a:r>
-              <a:rPr lang="ru-RU" smtClean="0"/>
-              <a:t>Второй уровень</a:t>
-            </a:r>
-          </a:p>
-          <a:p>
-            <a:pPr lvl="2"/>
-            <a:r>
-              <a:rPr lang="ru-RU" smtClean="0"/>
-              <a:t>Третий уровень</a:t>
-            </a:r>
-          </a:p>
-          <a:p>
-            <a:pPr lvl="3"/>
-            <a:r>
-              <a:rPr lang="ru-RU" smtClean="0"/>
-              <a:t>Четвертый уровень</a:t>
-            </a:r>
-          </a:p>
-          <a:p>
-            <a:pPr lvl="4"/>
-            <a:r>
-              <a:rPr lang="ru-RU" smtClean="0"/>
-              <a:t>Пятый уровень</a:t>
-            </a:r>
-            <a:endParaRPr lang="en-US" dirty="0"/>
-          </a:p>
-        </p:txBody>
-      </p:sp>
-      <p:sp>
-        <p:nvSpPr>
-          <p:cNvPr id="4" name="Date Placeholder 3"/>
-          <p:cNvSpPr>
-            <a:spLocks noGrp="1"/>
-          </p:cNvSpPr>
-          <p:nvPr>
-            <p:ph type="dt" sz="half" idx="10"/>
-          </p:nvPr>
-        </p:nvSpPr>
-        <p:spPr/>
-        <p:txBody>
-          <a:bodyPr/>
-          <a:lstStyle/>
-          <a:p>
-            <a:fld id="{214DD448-9E40-4228-BE6F-5A48284476B9}" type="datetimeFigureOut">
-              <a:rPr lang="ru-RU" smtClean="0"/>
-              <a:t>31.03.2014</a:t>
+            <a:fld id="{F782487F-B9BF-4AB5-B18F-055953023EC4}" type="datetime1">
+              <a:rPr lang="ru-RU" smtClean="0"/>
+              <a:t>29.08.2015</a:t>
             </a:fld>
             <a:endParaRPr lang="ru-RU"/>
           </a:p>
@@ -1075,6 +4125,10 @@
           <a:bodyPr/>
           <a:lstStyle/>
           <a:p>
+            <a:r>
+              <a:rPr lang="en-US" smtClean="0"/>
+              <a:t>dmitry@protopopov.ru</a:t>
+            </a:r>
             <a:endParaRPr lang="ru-RU"/>
           </a:p>
         </p:txBody>
@@ -1105,7 +4159,7 @@
     </p:spTree>
     <p:extLst>
       <p:ext uri="{BB962C8B-B14F-4D97-AF65-F5344CB8AC3E}">
-        <p14:creationId xmlns:p14="http://schemas.microsoft.com/office/powerpoint/2010/main" val="3176692912"/>
+        <p14:creationId xmlns:p14="http://schemas.microsoft.com/office/powerpoint/2010/main" val="2123523661"/>
       </p:ext>
     </p:extLst>
   </p:cSld>
@@ -1116,7 +4170,7 @@
 </file>
 
 <file path=ppt/slideLayouts/slideLayout3.xml><?xml version="1.0" encoding="utf-8"?>
-<p:sldLayout xmlns:a="http://schemas.openxmlformats.org/drawingml/2006/main" xmlns:r="http://schemas.openxmlformats.org/officeDocument/2006/relationships" xmlns:p="http://schemas.openxmlformats.org/presentationml/2006/main" showMasterSp="0" type="secHead" preserve="1">
+<p:sldLayout xmlns:a="http://schemas.openxmlformats.org/drawingml/2006/main" xmlns:r="http://schemas.openxmlformats.org/officeDocument/2006/relationships" xmlns:p="http://schemas.openxmlformats.org/presentationml/2006/main" type="secHead" preserve="1">
   <p:cSld name="Заголовок раздела">
     <p:spTree>
       <p:nvGrpSpPr>
@@ -1132,63 +4186,36 @@
           <a:chExt cx="0" cy="0"/>
         </a:xfrm>
       </p:grpSpPr>
-      <p:sp>
-        <p:nvSpPr>
-          <p:cNvPr id="7" name="Rectangle 6"/>
-          <p:cNvSpPr/>
+      <p:pic>
+        <p:nvPicPr>
+          <p:cNvPr id="9" name="Picture 8" descr="Droplets-HD-Content-R1d.png"/>
+          <p:cNvPicPr>
+            <a:picLocks noChangeAspect="1"/>
+          </p:cNvPicPr>
           <p:nvPr/>
-        </p:nvSpPr>
-        <p:spPr>
-          <a:xfrm>
-            <a:off x="0" y="4917989"/>
-            <a:ext cx="12192000" cy="1940010"/>
+        </p:nvPicPr>
+        <p:blipFill>
+          <a:blip r:embed="rId2">
+            <a:extLst>
+              <a:ext uri="{28A0092B-C50C-407E-A947-70E740481C1C}">
+                <a14:useLocalDpi xmlns:a14="http://schemas.microsoft.com/office/drawing/2010/main" val="0"/>
+              </a:ext>
+            </a:extLst>
+          </a:blip>
+          <a:stretch>
+            <a:fillRect/>
+          </a:stretch>
+        </p:blipFill>
+        <p:spPr>
+          <a:xfrm>
+            <a:off x="0" y="0"/>
+            <a:ext cx="12192000" cy="6858000"/>
           </a:xfrm>
           <a:prstGeom prst="rect">
             <a:avLst/>
           </a:prstGeom>
-          <a:blipFill dpi="0" rotWithShape="1">
-            <a:blip r:embed="rId2">
-              <a:alphaModFix amt="83000"/>
-              <a:lum bright="70000" contrast="-70000"/>
-              <a:extLst>
-                <a:ext uri="{BEBA8EAE-BF5A-486C-A8C5-ECC9F3942E4B}">
-                  <a14:imgProps xmlns:a14="http://schemas.microsoft.com/office/drawing/2010/main">
-                    <a14:imgLayer r:embed="rId3">
-                      <a14:imgEffect>
-                        <a14:sharpenSoften amount="61000"/>
-                      </a14:imgEffect>
-                    </a14:imgLayer>
-                  </a14:imgProps>
-                </a:ext>
-                <a:ext uri="{28A0092B-C50C-407E-A947-70E740481C1C}">
-                  <a14:useLocalDpi xmlns:a14="http://schemas.microsoft.com/office/drawing/2010/main" val="0"/>
-                </a:ext>
-              </a:extLst>
-            </a:blip>
-            <a:srcRect/>
-            <a:tile tx="0" ty="-704850" sx="92000" sy="89000" flip="xy" algn="ctr"/>
-          </a:blipFill>
-          <a:ln>
-            <a:noFill/>
-          </a:ln>
-        </p:spPr>
-        <p:style>
-          <a:lnRef idx="2">
-            <a:schemeClr val="accent1">
-              <a:shade val="50000"/>
-            </a:schemeClr>
-          </a:lnRef>
-          <a:fillRef idx="1">
-            <a:schemeClr val="accent1"/>
-          </a:fillRef>
-          <a:effectRef idx="0">
-            <a:schemeClr val="accent1"/>
-          </a:effectRef>
-          <a:fontRef idx="minor">
-            <a:schemeClr val="lt1"/>
-          </a:fontRef>
-        </p:style>
-      </p:sp>
+        </p:spPr>
+      </p:pic>
       <p:sp>
         <p:nvSpPr>
           <p:cNvPr id="2" name="Title 1"/>
@@ -1201,20 +4228,17 @@
         </p:nvSpPr>
         <p:spPr>
           <a:xfrm>
-            <a:off x="2167128" y="1225296"/>
-            <a:ext cx="9281160" cy="3520440"/>
-          </a:xfrm>
-        </p:spPr>
-        <p:txBody>
-          <a:bodyPr anchor="ctr">
+            <a:off x="913774" y="828563"/>
+            <a:ext cx="10351752" cy="2736819"/>
+          </a:xfrm>
+        </p:spPr>
+        <p:txBody>
+          <a:bodyPr anchor="b">
             <a:normAutofit/>
           </a:bodyPr>
           <a:lstStyle>
             <a:lvl1pPr>
-              <a:lnSpc>
-                <a:spcPct val="85000"/>
-              </a:lnSpc>
-              <a:defRPr sz="7200" b="1"/>
+              <a:defRPr sz="4000"/>
             </a:lvl1pPr>
           </a:lstStyle>
           <a:p>
@@ -1238,26 +4262,28 @@
         </p:nvSpPr>
         <p:spPr>
           <a:xfrm>
-            <a:off x="2165774" y="5020056"/>
-            <a:ext cx="9052560" cy="1066800"/>
-          </a:xfrm>
-        </p:spPr>
-        <p:txBody>
-          <a:bodyPr anchor="t">
+            <a:off x="913774" y="3657457"/>
+            <a:ext cx="10351752" cy="1368183"/>
+          </a:xfrm>
+        </p:spPr>
+        <p:txBody>
+          <a:bodyPr>
             <a:normAutofit/>
           </a:bodyPr>
           <a:lstStyle>
-            <a:lvl1pPr marL="0" indent="0">
+            <a:lvl1pPr marL="0" indent="0" algn="ctr">
               <a:buNone/>
               <a:defRPr sz="2000">
                 <a:solidFill>
-                  <a:schemeClr val="tx1"/>
+                  <a:schemeClr val="bg1">
+                    <a:lumMod val="50000"/>
+                  </a:schemeClr>
                 </a:solidFill>
               </a:defRPr>
             </a:lvl1pPr>
             <a:lvl2pPr marL="457200" indent="0">
               <a:buNone/>
-              <a:defRPr sz="1800">
+              <a:defRPr sz="2000">
                 <a:solidFill>
                   <a:schemeClr val="tx1">
                     <a:tint val="75000"/>
@@ -1267,7 +4293,7 @@
             </a:lvl2pPr>
             <a:lvl3pPr marL="914400" indent="0">
               <a:buNone/>
-              <a:defRPr sz="1600">
+              <a:defRPr sz="1800">
                 <a:solidFill>
                   <a:schemeClr val="tx1">
                     <a:tint val="75000"/>
@@ -1277,7 +4303,7 @@
             </a:lvl3pPr>
             <a:lvl4pPr marL="1371600" indent="0">
               <a:buNone/>
-              <a:defRPr sz="1400">
+              <a:defRPr sz="1600">
                 <a:solidFill>
                   <a:schemeClr val="tx1">
                     <a:tint val="75000"/>
@@ -1287,7 +4313,7 @@
             </a:lvl4pPr>
             <a:lvl5pPr marL="1828800" indent="0">
               <a:buNone/>
-              <a:defRPr sz="1400">
+              <a:defRPr sz="1600">
                 <a:solidFill>
                   <a:schemeClr val="tx1">
                     <a:tint val="75000"/>
@@ -1297,7 +4323,7 @@
             </a:lvl5pPr>
             <a:lvl6pPr marL="2286000" indent="0">
               <a:buNone/>
-              <a:defRPr sz="1400">
+              <a:defRPr sz="1600">
                 <a:solidFill>
                   <a:schemeClr val="tx1">
                     <a:tint val="75000"/>
@@ -1307,7 +4333,7 @@
             </a:lvl6pPr>
             <a:lvl7pPr marL="2743200" indent="0">
               <a:buNone/>
-              <a:defRPr sz="1400">
+              <a:defRPr sz="1600">
                 <a:solidFill>
                   <a:schemeClr val="tx1">
                     <a:tint val="75000"/>
@@ -1317,7 +4343,7 @@
             </a:lvl7pPr>
             <a:lvl8pPr marL="3200400" indent="0">
               <a:buNone/>
-              <a:defRPr sz="1400">
+              <a:defRPr sz="1600">
                 <a:solidFill>
                   <a:schemeClr val="tx1">
                     <a:tint val="75000"/>
@@ -1327,7 +4353,7 @@
             </a:lvl8pPr>
             <a:lvl9pPr marL="3657600" indent="0">
               <a:buNone/>
-              <a:defRPr sz="1400">
+              <a:defRPr sz="1600">
                 <a:solidFill>
                   <a:schemeClr val="tx1">
                     <a:tint val="75000"/>
@@ -1355,19 +4381,14 @@
             <p:ph type="dt" sz="half" idx="10"/>
           </p:nvPr>
         </p:nvSpPr>
-        <p:spPr>
-          <a:xfrm>
-            <a:off x="8593667" y="6272784"/>
-            <a:ext cx="2644309" cy="365125"/>
-          </a:xfrm>
-        </p:spPr>
+        <p:spPr/>
         <p:txBody>
           <a:bodyPr/>
           <a:lstStyle/>
           <a:p>
-            <a:fld id="{214DD448-9E40-4228-BE6F-5A48284476B9}" type="datetimeFigureOut">
-              <a:rPr lang="ru-RU" smtClean="0"/>
-              <a:t>31.03.2014</a:t>
+            <a:fld id="{BF771579-E1FF-4837-AAC8-2D2ABEBEC1D8}" type="datetime1">
+              <a:rPr lang="ru-RU" smtClean="0"/>
+              <a:t>29.08.2015</a:t>
             </a:fld>
             <a:endParaRPr lang="ru-RU"/>
           </a:p>
@@ -1383,104 +4404,19 @@
             <p:ph type="ftr" sz="quarter" idx="11"/>
           </p:nvPr>
         </p:nvSpPr>
-        <p:spPr>
-          <a:xfrm>
-            <a:off x="2182708" y="6272784"/>
-            <a:ext cx="6327648" cy="365125"/>
-          </a:xfrm>
-        </p:spPr>
+        <p:spPr/>
         <p:txBody>
           <a:bodyPr/>
           <a:lstStyle/>
           <a:p>
+            <a:r>
+              <a:rPr lang="en-US" smtClean="0"/>
+              <a:t>dmitry@protopopov.ru</a:t>
+            </a:r>
             <a:endParaRPr lang="ru-RU"/>
           </a:p>
         </p:txBody>
       </p:sp>
-      <p:grpSp>
-        <p:nvGrpSpPr>
-          <p:cNvPr id="8" name="Group 7"/>
-          <p:cNvGrpSpPr/>
-          <p:nvPr/>
-        </p:nvGrpSpPr>
-        <p:grpSpPr>
-          <a:xfrm>
-            <a:off x="897399" y="2325848"/>
-            <a:ext cx="1080904" cy="1080902"/>
-            <a:chOff x="9685338" y="4460675"/>
-            <a:chExt cx="1080904" cy="1080902"/>
-          </a:xfrm>
-        </p:grpSpPr>
-        <p:sp>
-          <p:nvSpPr>
-            <p:cNvPr id="9" name="Oval 8"/>
-            <p:cNvSpPr/>
-            <p:nvPr/>
-          </p:nvSpPr>
-          <p:spPr>
-            <a:xfrm>
-              <a:off x="9685338" y="4460675"/>
-              <a:ext cx="1080904" cy="1080902"/>
-            </a:xfrm>
-            <a:prstGeom prst="ellipse">
-              <a:avLst/>
-            </a:prstGeom>
-            <a:blipFill dpi="0" rotWithShape="1">
-              <a:blip r:embed="rId4">
-                <a:duotone>
-                  <a:schemeClr val="accent1">
-                    <a:shade val="45000"/>
-                    <a:satMod val="135000"/>
-                  </a:schemeClr>
-                  <a:prstClr val="white"/>
-                </a:duotone>
-                <a:extLst>
-                  <a:ext uri="{BEBA8EAE-BF5A-486C-A8C5-ECC9F3942E4B}">
-                    <a14:imgProps xmlns:a14="http://schemas.microsoft.com/office/drawing/2010/main">
-                      <a14:imgLayer r:embed="rId5">
-                        <a14:imgEffect>
-                          <a14:saturation sat="95000"/>
-                        </a14:imgEffect>
-                      </a14:imgLayer>
-                    </a14:imgProps>
-                  </a:ext>
-                </a:extLst>
-              </a:blip>
-              <a:srcRect/>
-              <a:tile tx="0" ty="0" sx="85000" sy="85000" flip="none" algn="tl"/>
-            </a:blipFill>
-            <a:ln w="25400" cap="flat" cmpd="sng" algn="ctr">
-              <a:noFill/>
-              <a:prstDash val="solid"/>
-            </a:ln>
-            <a:effectLst/>
-          </p:spPr>
-        </p:sp>
-        <p:sp>
-          <p:nvSpPr>
-            <p:cNvPr id="10" name="Oval 9"/>
-            <p:cNvSpPr/>
-            <p:nvPr/>
-          </p:nvSpPr>
-          <p:spPr>
-            <a:xfrm>
-              <a:off x="9793429" y="4568765"/>
-              <a:ext cx="864723" cy="864722"/>
-            </a:xfrm>
-            <a:prstGeom prst="ellipse">
-              <a:avLst/>
-            </a:prstGeom>
-            <a:noFill/>
-            <a:ln w="25400" cap="flat" cmpd="sng" algn="ctr">
-              <a:solidFill>
-                <a:sysClr val="window" lastClr="FFFFFF"/>
-              </a:solidFill>
-              <a:prstDash val="solid"/>
-            </a:ln>
-            <a:effectLst/>
-          </p:spPr>
-        </p:sp>
-      </p:grpSp>
       <p:sp>
         <p:nvSpPr>
           <p:cNvPr id="6" name="Slide Number Placeholder 5"/>
@@ -1491,19 +4427,10 @@
             <p:ph type="sldNum" sz="quarter" idx="12"/>
           </p:nvPr>
         </p:nvSpPr>
-        <p:spPr>
-          <a:xfrm>
-            <a:off x="843702" y="2506133"/>
-            <a:ext cx="1188298" cy="720332"/>
-          </a:xfrm>
-        </p:spPr>
+        <p:spPr/>
         <p:txBody>
           <a:bodyPr/>
-          <a:lstStyle>
-            <a:lvl1pPr>
-              <a:defRPr sz="2800"/>
-            </a:lvl1pPr>
-          </a:lstStyle>
+          <a:lstStyle/>
           <a:p>
             <a:fld id="{9A0B409D-0BE2-40E2-8DEA-DA0989C517E6}" type="slidenum">
               <a:rPr lang="ru-RU" smtClean="0"/>
@@ -1516,7 +4443,7 @@
     </p:spTree>
     <p:extLst>
       <p:ext uri="{BB962C8B-B14F-4D97-AF65-F5344CB8AC3E}">
-        <p14:creationId xmlns:p14="http://schemas.microsoft.com/office/powerpoint/2010/main" val="1400735202"/>
+        <p14:creationId xmlns:p14="http://schemas.microsoft.com/office/powerpoint/2010/main" val="2771946767"/>
       </p:ext>
     </p:extLst>
   </p:cSld>
@@ -1543,9 +4470,39 @@
           <a:chExt cx="0" cy="0"/>
         </a:xfrm>
       </p:grpSpPr>
-      <p:sp>
-        <p:nvSpPr>
-          <p:cNvPr id="2" name="Title 1"/>
+      <p:pic>
+        <p:nvPicPr>
+          <p:cNvPr id="10" name="Picture 9" descr="Droplets-HD-Content-R1d.png"/>
+          <p:cNvPicPr>
+            <a:picLocks noChangeAspect="1"/>
+          </p:cNvPicPr>
+          <p:nvPr/>
+        </p:nvPicPr>
+        <p:blipFill>
+          <a:blip r:embed="rId2">
+            <a:extLst>
+              <a:ext uri="{28A0092B-C50C-407E-A947-70E740481C1C}">
+                <a14:useLocalDpi xmlns:a14="http://schemas.microsoft.com/office/drawing/2010/main" val="0"/>
+              </a:ext>
+            </a:extLst>
+          </a:blip>
+          <a:stretch>
+            <a:fillRect/>
+          </a:stretch>
+        </p:blipFill>
+        <p:spPr>
+          <a:xfrm>
+            <a:off x="0" y="0"/>
+            <a:ext cx="12192000" cy="6858000"/>
+          </a:xfrm>
+          <a:prstGeom prst="rect">
+            <a:avLst/>
+          </a:prstGeom>
+        </p:spPr>
+      </p:pic>
+      <p:sp>
+        <p:nvSpPr>
+          <p:cNvPr id="14" name="Title 1"/>
           <p:cNvSpPr>
             <a:spLocks noGrp="1"/>
           </p:cNvSpPr>
@@ -1553,207 +4510,156 @@
             <p:ph type="title"/>
           </p:nvPr>
         </p:nvSpPr>
+        <p:spPr>
+          <a:xfrm>
+            <a:off x="913775" y="618517"/>
+            <a:ext cx="10364451" cy="1596177"/>
+          </a:xfrm>
+        </p:spPr>
+        <p:txBody>
+          <a:bodyPr/>
+          <a:lstStyle/>
+          <a:p>
+            <a:r>
+              <a:rPr lang="ru-RU" smtClean="0"/>
+              <a:t>Образец заголовка</a:t>
+            </a:r>
+            <a:endParaRPr lang="en-US" dirty="0"/>
+          </a:p>
+        </p:txBody>
+      </p:sp>
+      <p:sp>
+        <p:nvSpPr>
+          <p:cNvPr id="12" name="Content Placeholder 2"/>
+          <p:cNvSpPr>
+            <a:spLocks noGrp="1"/>
+          </p:cNvSpPr>
+          <p:nvPr>
+            <p:ph sz="quarter" idx="13"/>
+          </p:nvPr>
+        </p:nvSpPr>
+        <p:spPr>
+          <a:xfrm>
+            <a:off x="913774" y="2367092"/>
+            <a:ext cx="5106026" cy="3424107"/>
+          </a:xfrm>
+        </p:spPr>
+        <p:txBody>
+          <a:bodyPr/>
+          <a:lstStyle/>
+          <a:p>
+            <a:pPr lvl="0"/>
+            <a:r>
+              <a:rPr lang="ru-RU" smtClean="0"/>
+              <a:t>Образец текста</a:t>
+            </a:r>
+          </a:p>
+          <a:p>
+            <a:pPr lvl="1"/>
+            <a:r>
+              <a:rPr lang="ru-RU" smtClean="0"/>
+              <a:t>Второй уровень</a:t>
+            </a:r>
+          </a:p>
+          <a:p>
+            <a:pPr lvl="2"/>
+            <a:r>
+              <a:rPr lang="ru-RU" smtClean="0"/>
+              <a:t>Третий уровень</a:t>
+            </a:r>
+          </a:p>
+          <a:p>
+            <a:pPr lvl="3"/>
+            <a:r>
+              <a:rPr lang="ru-RU" smtClean="0"/>
+              <a:t>Четвертый уровень</a:t>
+            </a:r>
+          </a:p>
+          <a:p>
+            <a:pPr lvl="4"/>
+            <a:r>
+              <a:rPr lang="ru-RU" smtClean="0"/>
+              <a:t>Пятый уровень</a:t>
+            </a:r>
+            <a:endParaRPr lang="en-US" dirty="0"/>
+          </a:p>
+        </p:txBody>
+      </p:sp>
+      <p:sp>
+        <p:nvSpPr>
+          <p:cNvPr id="13" name="Content Placeholder 3"/>
+          <p:cNvSpPr>
+            <a:spLocks noGrp="1"/>
+          </p:cNvSpPr>
+          <p:nvPr>
+            <p:ph sz="quarter" idx="14"/>
+          </p:nvPr>
+        </p:nvSpPr>
+        <p:spPr>
+          <a:xfrm>
+            <a:off x="6172200" y="2367092"/>
+            <a:ext cx="5105400" cy="3424107"/>
+          </a:xfrm>
+        </p:spPr>
+        <p:txBody>
+          <a:bodyPr/>
+          <a:lstStyle/>
+          <a:p>
+            <a:pPr lvl="0"/>
+            <a:r>
+              <a:rPr lang="ru-RU" smtClean="0"/>
+              <a:t>Образец текста</a:t>
+            </a:r>
+          </a:p>
+          <a:p>
+            <a:pPr lvl="1"/>
+            <a:r>
+              <a:rPr lang="ru-RU" smtClean="0"/>
+              <a:t>Второй уровень</a:t>
+            </a:r>
+          </a:p>
+          <a:p>
+            <a:pPr lvl="2"/>
+            <a:r>
+              <a:rPr lang="ru-RU" smtClean="0"/>
+              <a:t>Третий уровень</a:t>
+            </a:r>
+          </a:p>
+          <a:p>
+            <a:pPr lvl="3"/>
+            <a:r>
+              <a:rPr lang="ru-RU" smtClean="0"/>
+              <a:t>Четвертый уровень</a:t>
+            </a:r>
+          </a:p>
+          <a:p>
+            <a:pPr lvl="4"/>
+            <a:r>
+              <a:rPr lang="ru-RU" smtClean="0"/>
+              <a:t>Пятый уровень</a:t>
+            </a:r>
+            <a:endParaRPr lang="en-US" dirty="0"/>
+          </a:p>
+        </p:txBody>
+      </p:sp>
+      <p:sp>
+        <p:nvSpPr>
+          <p:cNvPr id="5" name="Date Placeholder 4"/>
+          <p:cNvSpPr>
+            <a:spLocks noGrp="1"/>
+          </p:cNvSpPr>
+          <p:nvPr>
+            <p:ph type="dt" sz="half" idx="10"/>
+          </p:nvPr>
+        </p:nvSpPr>
         <p:spPr/>
         <p:txBody>
           <a:bodyPr/>
           <a:lstStyle/>
           <a:p>
-            <a:r>
-              <a:rPr lang="ru-RU" smtClean="0"/>
-              <a:t>Образец заголовка</a:t>
-            </a:r>
-            <a:endParaRPr lang="en-US" dirty="0"/>
-          </a:p>
-        </p:txBody>
-      </p:sp>
-      <p:sp>
-        <p:nvSpPr>
-          <p:cNvPr id="3" name="Content Placeholder 2"/>
-          <p:cNvSpPr>
-            <a:spLocks noGrp="1"/>
-          </p:cNvSpPr>
-          <p:nvPr>
-            <p:ph sz="half" idx="1"/>
-          </p:nvPr>
-        </p:nvSpPr>
-        <p:spPr>
-          <a:xfrm>
-            <a:off x="1069848" y="2194560"/>
-            <a:ext cx="4754880" cy="3977640"/>
-          </a:xfrm>
-        </p:spPr>
-        <p:txBody>
-          <a:bodyPr/>
-          <a:lstStyle>
-            <a:lvl1pPr>
-              <a:defRPr sz="2000"/>
-            </a:lvl1pPr>
-            <a:lvl2pPr>
-              <a:defRPr sz="1800"/>
-            </a:lvl2pPr>
-            <a:lvl3pPr>
-              <a:defRPr sz="1600"/>
-            </a:lvl3pPr>
-            <a:lvl4pPr>
-              <a:defRPr sz="1600"/>
-            </a:lvl4pPr>
-            <a:lvl5pPr>
-              <a:defRPr sz="1600"/>
-            </a:lvl5pPr>
-            <a:lvl6pPr>
-              <a:defRPr sz="1600"/>
-            </a:lvl6pPr>
-            <a:lvl7pPr>
-              <a:defRPr sz="1600"/>
-            </a:lvl7pPr>
-            <a:lvl8pPr>
-              <a:defRPr sz="1600"/>
-            </a:lvl8pPr>
-            <a:lvl9pPr>
-              <a:defRPr sz="1600"/>
-            </a:lvl9pPr>
-          </a:lstStyle>
-          <a:p>
-            <a:pPr lvl="0"/>
-            <a:r>
-              <a:rPr lang="ru-RU" smtClean="0"/>
-              <a:t>Образец текста</a:t>
-            </a:r>
-          </a:p>
-          <a:p>
-            <a:pPr lvl="1"/>
-            <a:r>
-              <a:rPr lang="ru-RU" smtClean="0"/>
-              <a:t>Второй уровень</a:t>
-            </a:r>
-          </a:p>
-          <a:p>
-            <a:pPr lvl="2"/>
-            <a:r>
-              <a:rPr lang="ru-RU" smtClean="0"/>
-              <a:t>Третий уровень</a:t>
-            </a:r>
-          </a:p>
-          <a:p>
-            <a:pPr lvl="3"/>
-            <a:r>
-              <a:rPr lang="ru-RU" smtClean="0"/>
-              <a:t>Четвертый уровень</a:t>
-            </a:r>
-          </a:p>
-          <a:p>
-            <a:pPr lvl="4"/>
-            <a:r>
-              <a:rPr lang="ru-RU" smtClean="0"/>
-              <a:t>Пятый уровень</a:t>
-            </a:r>
-            <a:endParaRPr lang="en-US" dirty="0"/>
-          </a:p>
-        </p:txBody>
-      </p:sp>
-      <p:sp>
-        <p:nvSpPr>
-          <p:cNvPr id="4" name="Content Placeholder 3"/>
-          <p:cNvSpPr>
-            <a:spLocks noGrp="1"/>
-          </p:cNvSpPr>
-          <p:nvPr>
-            <p:ph sz="half" idx="2"/>
-          </p:nvPr>
-        </p:nvSpPr>
-        <p:spPr>
-          <a:xfrm>
-            <a:off x="6364224" y="2194560"/>
-            <a:ext cx="4754880" cy="3977640"/>
-          </a:xfrm>
-        </p:spPr>
-        <p:txBody>
-          <a:bodyPr/>
-          <a:lstStyle>
-            <a:lvl1pPr>
-              <a:defRPr sz="2000"/>
-            </a:lvl1pPr>
-            <a:lvl2pPr>
-              <a:defRPr sz="1800"/>
-            </a:lvl2pPr>
-            <a:lvl3pPr>
-              <a:defRPr sz="1600"/>
-            </a:lvl3pPr>
-            <a:lvl4pPr>
-              <a:defRPr sz="1600"/>
-            </a:lvl4pPr>
-            <a:lvl5pPr>
-              <a:defRPr sz="1600"/>
-            </a:lvl5pPr>
-            <a:lvl6pPr>
-              <a:defRPr sz="1600"/>
-            </a:lvl6pPr>
-            <a:lvl7pPr>
-              <a:defRPr sz="1600"/>
-            </a:lvl7pPr>
-            <a:lvl8pPr>
-              <a:defRPr sz="1600"/>
-            </a:lvl8pPr>
-            <a:lvl9pPr>
-              <a:defRPr sz="1600"/>
-            </a:lvl9pPr>
-          </a:lstStyle>
-          <a:p>
-            <a:pPr lvl="0"/>
-            <a:r>
-              <a:rPr lang="ru-RU" smtClean="0"/>
-              <a:t>Образец текста</a:t>
-            </a:r>
-          </a:p>
-          <a:p>
-            <a:pPr lvl="1"/>
-            <a:r>
-              <a:rPr lang="ru-RU" smtClean="0"/>
-              <a:t>Второй уровень</a:t>
-            </a:r>
-          </a:p>
-          <a:p>
-            <a:pPr lvl="2"/>
-            <a:r>
-              <a:rPr lang="ru-RU" smtClean="0"/>
-              <a:t>Третий уровень</a:t>
-            </a:r>
-          </a:p>
-          <a:p>
-            <a:pPr lvl="3"/>
-            <a:r>
-              <a:rPr lang="ru-RU" smtClean="0"/>
-              <a:t>Четвертый уровень</a:t>
-            </a:r>
-          </a:p>
-          <a:p>
-            <a:pPr lvl="4"/>
-            <a:r>
-              <a:rPr lang="ru-RU" smtClean="0"/>
-              <a:t>Пятый уровень</a:t>
-            </a:r>
-            <a:endParaRPr lang="en-US" dirty="0"/>
-          </a:p>
-        </p:txBody>
-      </p:sp>
-      <p:sp>
-        <p:nvSpPr>
-          <p:cNvPr id="5" name="Date Placeholder 4"/>
-          <p:cNvSpPr>
-            <a:spLocks noGrp="1"/>
-          </p:cNvSpPr>
-          <p:nvPr>
-            <p:ph type="dt" sz="half" idx="10"/>
-          </p:nvPr>
-        </p:nvSpPr>
-        <p:spPr/>
-        <p:txBody>
-          <a:bodyPr/>
-          <a:lstStyle/>
-          <a:p>
-            <a:fld id="{214DD448-9E40-4228-BE6F-5A48284476B9}" type="datetimeFigureOut">
-              <a:rPr lang="ru-RU" smtClean="0"/>
-              <a:t>31.03.2014</a:t>
+            <a:fld id="{6B17608A-C14C-4ABF-8D45-53499DC43AA1}" type="datetime1">
+              <a:rPr lang="ru-RU" smtClean="0"/>
+              <a:t>29.08.2015</a:t>
             </a:fld>
             <a:endParaRPr lang="ru-RU"/>
           </a:p>
@@ -1774,6 +4680,10 @@
           <a:bodyPr/>
           <a:lstStyle/>
           <a:p>
+            <a:r>
+              <a:rPr lang="en-US" smtClean="0"/>
+              <a:t>dmitry@protopopov.ru</a:t>
+            </a:r>
             <a:endParaRPr lang="ru-RU"/>
           </a:p>
         </p:txBody>
@@ -1804,7 +4714,7 @@
     </p:spTree>
     <p:extLst>
       <p:ext uri="{BB962C8B-B14F-4D97-AF65-F5344CB8AC3E}">
-        <p14:creationId xmlns:p14="http://schemas.microsoft.com/office/powerpoint/2010/main" val="3820680700"/>
+        <p14:creationId xmlns:p14="http://schemas.microsoft.com/office/powerpoint/2010/main" val="473464775"/>
       </p:ext>
     </p:extLst>
   </p:cSld>
@@ -1831,9 +4741,39 @@
           <a:chExt cx="0" cy="0"/>
         </a:xfrm>
       </p:grpSpPr>
-      <p:sp>
-        <p:nvSpPr>
-          <p:cNvPr id="10" name="Title 9"/>
+      <p:pic>
+        <p:nvPicPr>
+          <p:cNvPr id="15" name="Picture 14" descr="Droplets-HD-Content-R1d.png"/>
+          <p:cNvPicPr>
+            <a:picLocks noChangeAspect="1"/>
+          </p:cNvPicPr>
+          <p:nvPr/>
+        </p:nvPicPr>
+        <p:blipFill>
+          <a:blip r:embed="rId2">
+            <a:extLst>
+              <a:ext uri="{28A0092B-C50C-407E-A947-70E740481C1C}">
+                <a14:useLocalDpi xmlns:a14="http://schemas.microsoft.com/office/drawing/2010/main" val="0"/>
+              </a:ext>
+            </a:extLst>
+          </a:blip>
+          <a:stretch>
+            <a:fillRect/>
+          </a:stretch>
+        </p:blipFill>
+        <p:spPr>
+          <a:xfrm>
+            <a:off x="0" y="0"/>
+            <a:ext cx="12192000" cy="6858000"/>
+          </a:xfrm>
+          <a:prstGeom prst="rect">
+            <a:avLst/>
+          </a:prstGeom>
+        </p:spPr>
+      </p:pic>
+      <p:sp>
+        <p:nvSpPr>
+          <p:cNvPr id="14" name="Title 1"/>
           <p:cNvSpPr>
             <a:spLocks noGrp="1"/>
           </p:cNvSpPr>
@@ -1841,7 +4781,12 @@
             <p:ph type="title"/>
           </p:nvPr>
         </p:nvSpPr>
-        <p:spPr/>
+        <p:spPr>
+          <a:xfrm>
+            <a:off x="913775" y="618517"/>
+            <a:ext cx="10364451" cy="1596177"/>
+          </a:xfrm>
+        </p:spPr>
         <p:txBody>
           <a:bodyPr/>
           <a:lstStyle/>
@@ -1866,22 +4811,23 @@
         </p:nvSpPr>
         <p:spPr>
           <a:xfrm>
-            <a:off x="1066800" y="2048256"/>
-            <a:ext cx="4754880" cy="640080"/>
-          </a:xfrm>
-        </p:spPr>
-        <p:txBody>
-          <a:bodyPr anchor="ctr">
-            <a:normAutofit/>
+            <a:off x="1146328" y="2371018"/>
+            <a:ext cx="4873474" cy="679994"/>
+          </a:xfrm>
+        </p:spPr>
+        <p:txBody>
+          <a:bodyPr anchor="b">
+            <a:noAutofit/>
           </a:bodyPr>
           <a:lstStyle>
             <a:lvl1pPr marL="0" indent="0">
-              <a:buNone/>
-              <a:defRPr sz="2000" b="1">
+              <a:lnSpc>
+                <a:spcPct val="85000"/>
+              </a:lnSpc>
+              <a:buNone/>
+              <a:defRPr sz="2600" b="0">
                 <a:solidFill>
-                  <a:schemeClr val="accent1">
-                    <a:lumMod val="75000"/>
-                  </a:schemeClr>
+                  <a:schemeClr val="tx1"/>
                 </a:solidFill>
               </a:defRPr>
             </a:lvl1pPr>
@@ -1929,51 +4875,23 @@
       </p:sp>
       <p:sp>
         <p:nvSpPr>
-          <p:cNvPr id="4" name="Content Placeholder 3"/>
-          <p:cNvSpPr>
-            <a:spLocks noGrp="1"/>
-          </p:cNvSpPr>
-          <p:nvPr>
-            <p:ph sz="half" idx="2"/>
-          </p:nvPr>
-        </p:nvSpPr>
-        <p:spPr>
-          <a:xfrm>
-            <a:off x="1069848" y="2743200"/>
-            <a:ext cx="4754880" cy="3291840"/>
+          <p:cNvPr id="12" name="Content Placeholder 3"/>
+          <p:cNvSpPr>
+            <a:spLocks noGrp="1"/>
+          </p:cNvSpPr>
+          <p:nvPr>
+            <p:ph sz="quarter" idx="13"/>
+          </p:nvPr>
+        </p:nvSpPr>
+        <p:spPr>
+          <a:xfrm>
+            <a:off x="913774" y="3051012"/>
+            <a:ext cx="5106027" cy="2740187"/>
           </a:xfrm>
         </p:spPr>
         <p:txBody>
           <a:bodyPr/>
-          <a:lstStyle>
-            <a:lvl1pPr>
-              <a:defRPr sz="2000"/>
-            </a:lvl1pPr>
-            <a:lvl2pPr>
-              <a:defRPr sz="1800"/>
-            </a:lvl2pPr>
-            <a:lvl3pPr>
-              <a:defRPr sz="1600"/>
-            </a:lvl3pPr>
-            <a:lvl4pPr>
-              <a:defRPr sz="1600"/>
-            </a:lvl4pPr>
-            <a:lvl5pPr>
-              <a:defRPr sz="1600"/>
-            </a:lvl5pPr>
-            <a:lvl6pPr>
-              <a:defRPr sz="1600"/>
-            </a:lvl6pPr>
-            <a:lvl7pPr>
-              <a:defRPr sz="1600"/>
-            </a:lvl7pPr>
-            <a:lvl8pPr>
-              <a:defRPr sz="1600"/>
-            </a:lvl8pPr>
-            <a:lvl9pPr>
-              <a:defRPr sz="1600"/>
-            </a:lvl9pPr>
-          </a:lstStyle>
+          <a:lstStyle/>
           <a:p>
             <a:pPr lvl="0"/>
             <a:r>
@@ -2024,22 +4942,23 @@
         </p:nvSpPr>
         <p:spPr>
           <a:xfrm>
-            <a:off x="6364224" y="2048256"/>
-            <a:ext cx="4754880" cy="640080"/>
-          </a:xfrm>
-        </p:spPr>
-        <p:txBody>
-          <a:bodyPr anchor="ctr">
-            <a:normAutofit/>
+            <a:off x="6396423" y="2371018"/>
+            <a:ext cx="4881804" cy="679994"/>
+          </a:xfrm>
+        </p:spPr>
+        <p:txBody>
+          <a:bodyPr anchor="b">
+            <a:noAutofit/>
           </a:bodyPr>
           <a:lstStyle>
             <a:lvl1pPr marL="0" indent="0">
-              <a:buNone/>
-              <a:defRPr sz="2000" b="1">
+              <a:lnSpc>
+                <a:spcPct val="85000"/>
+              </a:lnSpc>
+              <a:buNone/>
+              <a:defRPr sz="2600" b="0">
                 <a:solidFill>
-                  <a:schemeClr val="accent1">
-                    <a:lumMod val="75000"/>
-                  </a:schemeClr>
+                  <a:schemeClr val="tx1"/>
                 </a:solidFill>
               </a:defRPr>
             </a:lvl1pPr>
@@ -2087,51 +5006,23 @@
       </p:sp>
       <p:sp>
         <p:nvSpPr>
-          <p:cNvPr id="6" name="Content Placeholder 5"/>
-          <p:cNvSpPr>
-            <a:spLocks noGrp="1"/>
-          </p:cNvSpPr>
-          <p:nvPr>
-            <p:ph sz="quarter" idx="4"/>
-          </p:nvPr>
-        </p:nvSpPr>
-        <p:spPr>
-          <a:xfrm>
-            <a:off x="6364224" y="2743200"/>
-            <a:ext cx="4754880" cy="3291840"/>
+          <p:cNvPr id="13" name="Content Placeholder 5"/>
+          <p:cNvSpPr>
+            <a:spLocks noGrp="1"/>
+          </p:cNvSpPr>
+          <p:nvPr>
+            <p:ph sz="quarter" idx="14"/>
+          </p:nvPr>
+        </p:nvSpPr>
+        <p:spPr>
+          <a:xfrm>
+            <a:off x="6172200" y="3051012"/>
+            <a:ext cx="5105401" cy="2740187"/>
           </a:xfrm>
         </p:spPr>
         <p:txBody>
           <a:bodyPr/>
-          <a:lstStyle>
-            <a:lvl1pPr>
-              <a:defRPr sz="2000"/>
-            </a:lvl1pPr>
-            <a:lvl2pPr>
-              <a:defRPr sz="1800"/>
-            </a:lvl2pPr>
-            <a:lvl3pPr>
-              <a:defRPr sz="1600"/>
-            </a:lvl3pPr>
-            <a:lvl4pPr>
-              <a:defRPr sz="1600"/>
-            </a:lvl4pPr>
-            <a:lvl5pPr>
-              <a:defRPr sz="1600"/>
-            </a:lvl5pPr>
-            <a:lvl6pPr>
-              <a:defRPr sz="1600"/>
-            </a:lvl6pPr>
-            <a:lvl7pPr>
-              <a:defRPr sz="1600"/>
-            </a:lvl7pPr>
-            <a:lvl8pPr>
-              <a:defRPr sz="1600"/>
-            </a:lvl8pPr>
-            <a:lvl9pPr>
-              <a:defRPr sz="1600"/>
-            </a:lvl9pPr>
-          </a:lstStyle>
+          <a:lstStyle/>
           <a:p>
             <a:pPr lvl="0"/>
             <a:r>
@@ -2185,9 +5076,9 @@
           <a:bodyPr/>
           <a:lstStyle/>
           <a:p>
-            <a:fld id="{214DD448-9E40-4228-BE6F-5A48284476B9}" type="datetimeFigureOut">
-              <a:rPr lang="ru-RU" smtClean="0"/>
-              <a:t>31.03.2014</a:t>
+            <a:fld id="{5DB94CDD-3CF0-4B94-A636-C569E08E354F}" type="datetime1">
+              <a:rPr lang="ru-RU" smtClean="0"/>
+              <a:t>29.08.2015</a:t>
             </a:fld>
             <a:endParaRPr lang="ru-RU"/>
           </a:p>
@@ -2208,6 +5099,10 @@
           <a:bodyPr/>
           <a:lstStyle/>
           <a:p>
+            <a:r>
+              <a:rPr lang="en-US" smtClean="0"/>
+              <a:t>dmitry@protopopov.ru</a:t>
+            </a:r>
             <a:endParaRPr lang="ru-RU"/>
           </a:p>
         </p:txBody>
@@ -2238,7 +5133,7 @@
     </p:spTree>
     <p:extLst>
       <p:ext uri="{BB962C8B-B14F-4D97-AF65-F5344CB8AC3E}">
-        <p14:creationId xmlns:p14="http://schemas.microsoft.com/office/powerpoint/2010/main" val="1290307775"/>
+        <p14:creationId xmlns:p14="http://schemas.microsoft.com/office/powerpoint/2010/main" val="882467055"/>
       </p:ext>
     </p:extLst>
   </p:cSld>
@@ -2265,9 +5160,39 @@
           <a:chExt cx="0" cy="0"/>
         </a:xfrm>
       </p:grpSpPr>
-      <p:sp>
-        <p:nvSpPr>
-          <p:cNvPr id="6" name="Title 5"/>
+      <p:pic>
+        <p:nvPicPr>
+          <p:cNvPr id="8" name="Picture 7" descr="Droplets-HD-Content-R1d.png"/>
+          <p:cNvPicPr>
+            <a:picLocks noChangeAspect="1"/>
+          </p:cNvPicPr>
+          <p:nvPr/>
+        </p:nvPicPr>
+        <p:blipFill>
+          <a:blip r:embed="rId2">
+            <a:extLst>
+              <a:ext uri="{28A0092B-C50C-407E-A947-70E740481C1C}">
+                <a14:useLocalDpi xmlns:a14="http://schemas.microsoft.com/office/drawing/2010/main" val="0"/>
+              </a:ext>
+            </a:extLst>
+          </a:blip>
+          <a:stretch>
+            <a:fillRect/>
+          </a:stretch>
+        </p:blipFill>
+        <p:spPr>
+          <a:xfrm>
+            <a:off x="0" y="0"/>
+            <a:ext cx="12192000" cy="6858000"/>
+          </a:xfrm>
+          <a:prstGeom prst="rect">
+            <a:avLst/>
+          </a:prstGeom>
+        </p:spPr>
+      </p:pic>
+      <p:sp>
+        <p:nvSpPr>
+          <p:cNvPr id="2" name="Title 1"/>
           <p:cNvSpPr>
             <a:spLocks noGrp="1"/>
           </p:cNvSpPr>
@@ -2303,9 +5228,9 @@
           <a:bodyPr/>
           <a:lstStyle/>
           <a:p>
-            <a:fld id="{214DD448-9E40-4228-BE6F-5A48284476B9}" type="datetimeFigureOut">
-              <a:rPr lang="ru-RU" smtClean="0"/>
-              <a:t>31.03.2014</a:t>
+            <a:fld id="{16CA7BC2-A635-49BE-AB9B-B8DCBB9D18CE}" type="datetime1">
+              <a:rPr lang="ru-RU" smtClean="0"/>
+              <a:t>29.08.2015</a:t>
             </a:fld>
             <a:endParaRPr lang="ru-RU"/>
           </a:p>
@@ -2326,6 +5251,10 @@
           <a:bodyPr/>
           <a:lstStyle/>
           <a:p>
+            <a:r>
+              <a:rPr lang="en-US" smtClean="0"/>
+              <a:t>dmitry@protopopov.ru</a:t>
+            </a:r>
             <a:endParaRPr lang="ru-RU"/>
           </a:p>
         </p:txBody>
@@ -2356,7 +5285,7 @@
     </p:spTree>
     <p:extLst>
       <p:ext uri="{BB962C8B-B14F-4D97-AF65-F5344CB8AC3E}">
-        <p14:creationId xmlns:p14="http://schemas.microsoft.com/office/powerpoint/2010/main" val="206325571"/>
+        <p14:creationId xmlns:p14="http://schemas.microsoft.com/office/powerpoint/2010/main" val="672428479"/>
       </p:ext>
     </p:extLst>
   </p:cSld>
@@ -2383,6 +5312,36 @@
           <a:chExt cx="0" cy="0"/>
         </a:xfrm>
       </p:grpSpPr>
+      <p:pic>
+        <p:nvPicPr>
+          <p:cNvPr id="7" name="Picture 6" descr="Droplets-HD-Content-R1d.png"/>
+          <p:cNvPicPr>
+            <a:picLocks noChangeAspect="1"/>
+          </p:cNvPicPr>
+          <p:nvPr/>
+        </p:nvPicPr>
+        <p:blipFill>
+          <a:blip r:embed="rId2">
+            <a:extLst>
+              <a:ext uri="{28A0092B-C50C-407E-A947-70E740481C1C}">
+                <a14:useLocalDpi xmlns:a14="http://schemas.microsoft.com/office/drawing/2010/main" val="0"/>
+              </a:ext>
+            </a:extLst>
+          </a:blip>
+          <a:stretch>
+            <a:fillRect/>
+          </a:stretch>
+        </p:blipFill>
+        <p:spPr>
+          <a:xfrm>
+            <a:off x="0" y="0"/>
+            <a:ext cx="12192000" cy="6858000"/>
+          </a:xfrm>
+          <a:prstGeom prst="rect">
+            <a:avLst/>
+          </a:prstGeom>
+        </p:spPr>
+      </p:pic>
       <p:sp>
         <p:nvSpPr>
           <p:cNvPr id="2" name="Date Placeholder 1"/>
@@ -2398,9 +5357,9 @@
           <a:bodyPr/>
           <a:lstStyle/>
           <a:p>
-            <a:fld id="{214DD448-9E40-4228-BE6F-5A48284476B9}" type="datetimeFigureOut">
-              <a:rPr lang="ru-RU" smtClean="0"/>
-              <a:t>31.03.2014</a:t>
+            <a:fld id="{EED0CEE4-C5D7-4540-B9C7-95FF2F562BB1}" type="datetime1">
+              <a:rPr lang="ru-RU" smtClean="0"/>
+              <a:t>29.08.2015</a:t>
             </a:fld>
             <a:endParaRPr lang="ru-RU"/>
           </a:p>
@@ -2421,6 +5380,10 @@
           <a:bodyPr/>
           <a:lstStyle/>
           <a:p>
+            <a:r>
+              <a:rPr lang="en-US" smtClean="0"/>
+              <a:t>dmitry@protopopov.ru</a:t>
+            </a:r>
             <a:endParaRPr lang="ru-RU"/>
           </a:p>
         </p:txBody>
@@ -2451,7 +5414,7 @@
     </p:spTree>
     <p:extLst>
       <p:ext uri="{BB962C8B-B14F-4D97-AF65-F5344CB8AC3E}">
-        <p14:creationId xmlns:p14="http://schemas.microsoft.com/office/powerpoint/2010/main" val="902065837"/>
+        <p14:creationId xmlns:p14="http://schemas.microsoft.com/office/powerpoint/2010/main" val="2855044459"/>
       </p:ext>
     </p:extLst>
   </p:cSld>
@@ -2462,7 +5425,7 @@
 </file>
 
 <file path=ppt/slideLayouts/slideLayout8.xml><?xml version="1.0" encoding="utf-8"?>
-<p:sldLayout xmlns:a="http://schemas.openxmlformats.org/drawingml/2006/main" xmlns:r="http://schemas.openxmlformats.org/officeDocument/2006/relationships" xmlns:p="http://schemas.openxmlformats.org/presentationml/2006/main" showMasterSp="0" type="objTx" preserve="1">
+<p:sldLayout xmlns:a="http://schemas.openxmlformats.org/drawingml/2006/main" xmlns:r="http://schemas.openxmlformats.org/officeDocument/2006/relationships" xmlns:p="http://schemas.openxmlformats.org/presentationml/2006/main" type="objTx" preserve="1">
   <p:cSld name="Объект с подписью">
     <p:spTree>
       <p:nvGrpSpPr>
@@ -2478,63 +5441,36 @@
           <a:chExt cx="0" cy="0"/>
         </a:xfrm>
       </p:grpSpPr>
-      <p:sp>
-        <p:nvSpPr>
-          <p:cNvPr id="8" name="Rectangle 7"/>
-          <p:cNvSpPr/>
+      <p:pic>
+        <p:nvPicPr>
+          <p:cNvPr id="11" name="Picture 10" descr="Droplets-HD-Content-R1d.png"/>
+          <p:cNvPicPr>
+            <a:picLocks noChangeAspect="1"/>
+          </p:cNvPicPr>
           <p:nvPr/>
-        </p:nvSpPr>
-        <p:spPr>
-          <a:xfrm>
-            <a:off x="8303740" y="0"/>
-            <a:ext cx="3888259" cy="6857999"/>
+        </p:nvPicPr>
+        <p:blipFill>
+          <a:blip r:embed="rId2">
+            <a:extLst>
+              <a:ext uri="{28A0092B-C50C-407E-A947-70E740481C1C}">
+                <a14:useLocalDpi xmlns:a14="http://schemas.microsoft.com/office/drawing/2010/main" val="0"/>
+              </a:ext>
+            </a:extLst>
+          </a:blip>
+          <a:stretch>
+            <a:fillRect/>
+          </a:stretch>
+        </p:blipFill>
+        <p:spPr>
+          <a:xfrm>
+            <a:off x="0" y="0"/>
+            <a:ext cx="12192000" cy="6858000"/>
           </a:xfrm>
           <a:prstGeom prst="rect">
             <a:avLst/>
           </a:prstGeom>
-          <a:blipFill dpi="0" rotWithShape="1">
-            <a:blip r:embed="rId2">
-              <a:alphaModFix amt="60000"/>
-              <a:lum bright="70000" contrast="-70000"/>
-              <a:extLst>
-                <a:ext uri="{BEBA8EAE-BF5A-486C-A8C5-ECC9F3942E4B}">
-                  <a14:imgProps xmlns:a14="http://schemas.microsoft.com/office/drawing/2010/main">
-                    <a14:imgLayer r:embed="rId3">
-                      <a14:imgEffect>
-                        <a14:sharpenSoften amount="61000"/>
-                      </a14:imgEffect>
-                    </a14:imgLayer>
-                  </a14:imgProps>
-                </a:ext>
-                <a:ext uri="{28A0092B-C50C-407E-A947-70E740481C1C}">
-                  <a14:useLocalDpi xmlns:a14="http://schemas.microsoft.com/office/drawing/2010/main" val="0"/>
-                </a:ext>
-              </a:extLst>
-            </a:blip>
-            <a:srcRect/>
-            <a:tile tx="0" ty="-704850" sx="92000" sy="89000" flip="xy" algn="ctr"/>
-          </a:blipFill>
-          <a:ln>
-            <a:noFill/>
-          </a:ln>
-        </p:spPr>
-        <p:style>
-          <a:lnRef idx="2">
-            <a:schemeClr val="accent1">
-              <a:shade val="50000"/>
-            </a:schemeClr>
-          </a:lnRef>
-          <a:fillRef idx="1">
-            <a:schemeClr val="accent1"/>
-          </a:fillRef>
-          <a:effectRef idx="0">
-            <a:schemeClr val="accent1"/>
-          </a:effectRef>
-          <a:fontRef idx="minor">
-            <a:schemeClr val="lt1"/>
-          </a:fontRef>
-        </p:style>
-      </p:sp>
+        </p:spPr>
+      </p:pic>
       <p:sp>
         <p:nvSpPr>
           <p:cNvPr id="2" name="Title 1"/>
@@ -2547,17 +5483,15 @@
         </p:nvSpPr>
         <p:spPr>
           <a:xfrm>
-            <a:off x="8549640" y="685800"/>
-            <a:ext cx="3200400" cy="1737360"/>
-          </a:xfrm>
-        </p:spPr>
-        <p:txBody>
-          <a:bodyPr anchor="b">
-            <a:normAutofit/>
-          </a:bodyPr>
+            <a:off x="913775" y="609600"/>
+            <a:ext cx="3935688" cy="2023252"/>
+          </a:xfrm>
+        </p:spPr>
+        <p:txBody>
+          <a:bodyPr anchor="b"/>
           <a:lstStyle>
-            <a:lvl1pPr>
-              <a:defRPr sz="3200" b="1"/>
+            <a:lvl1pPr algn="ctr">
+              <a:defRPr sz="3200"/>
             </a:lvl1pPr>
           </a:lstStyle>
           <a:p>
@@ -2571,49 +5505,115 @@
       </p:sp>
       <p:sp>
         <p:nvSpPr>
-          <p:cNvPr id="3" name="Content Placeholder 2"/>
-          <p:cNvSpPr>
-            <a:spLocks noGrp="1"/>
-          </p:cNvSpPr>
-          <p:nvPr>
-            <p:ph idx="1"/>
-          </p:nvPr>
-        </p:nvSpPr>
-        <p:spPr>
-          <a:xfrm>
-            <a:off x="838200" y="685800"/>
-            <a:ext cx="6711696" cy="5020056"/>
+          <p:cNvPr id="10" name="Content Placeholder 2"/>
+          <p:cNvSpPr>
+            <a:spLocks noGrp="1"/>
+          </p:cNvSpPr>
+          <p:nvPr>
+            <p:ph sz="quarter" idx="13"/>
+          </p:nvPr>
+        </p:nvSpPr>
+        <p:spPr>
+          <a:xfrm>
+            <a:off x="5078062" y="609600"/>
+            <a:ext cx="6200163" cy="5181599"/>
+          </a:xfrm>
+        </p:spPr>
+        <p:txBody>
+          <a:bodyPr/>
+          <a:lstStyle/>
+          <a:p>
+            <a:pPr lvl="0"/>
+            <a:r>
+              <a:rPr lang="ru-RU" smtClean="0"/>
+              <a:t>Образец текста</a:t>
+            </a:r>
+          </a:p>
+          <a:p>
+            <a:pPr lvl="1"/>
+            <a:r>
+              <a:rPr lang="ru-RU" smtClean="0"/>
+              <a:t>Второй уровень</a:t>
+            </a:r>
+          </a:p>
+          <a:p>
+            <a:pPr lvl="2"/>
+            <a:r>
+              <a:rPr lang="ru-RU" smtClean="0"/>
+              <a:t>Третий уровень</a:t>
+            </a:r>
+          </a:p>
+          <a:p>
+            <a:pPr lvl="3"/>
+            <a:r>
+              <a:rPr lang="ru-RU" smtClean="0"/>
+              <a:t>Четвертый уровень</a:t>
+            </a:r>
+          </a:p>
+          <a:p>
+            <a:pPr lvl="4"/>
+            <a:r>
+              <a:rPr lang="ru-RU" smtClean="0"/>
+              <a:t>Пятый уровень</a:t>
+            </a:r>
+            <a:endParaRPr lang="en-US" dirty="0"/>
+          </a:p>
+        </p:txBody>
+      </p:sp>
+      <p:sp>
+        <p:nvSpPr>
+          <p:cNvPr id="4" name="Text Placeholder 3"/>
+          <p:cNvSpPr>
+            <a:spLocks noGrp="1"/>
+          </p:cNvSpPr>
+          <p:nvPr>
+            <p:ph type="body" sz="half" idx="2"/>
+          </p:nvPr>
+        </p:nvSpPr>
+        <p:spPr>
+          <a:xfrm>
+            <a:off x="913774" y="2632852"/>
+            <a:ext cx="3935689" cy="3158348"/>
           </a:xfrm>
         </p:spPr>
         <p:txBody>
           <a:bodyPr/>
           <a:lstStyle>
-            <a:lvl1pPr>
-              <a:defRPr sz="2000"/>
+            <a:lvl1pPr marL="0" indent="0" algn="ctr">
+              <a:buNone/>
+              <a:defRPr sz="1600"/>
             </a:lvl1pPr>
-            <a:lvl2pPr>
-              <a:defRPr sz="1800"/>
+            <a:lvl2pPr marL="457200" indent="0">
+              <a:buNone/>
+              <a:defRPr sz="1400"/>
             </a:lvl2pPr>
-            <a:lvl3pPr>
-              <a:defRPr sz="1600"/>
+            <a:lvl3pPr marL="914400" indent="0">
+              <a:buNone/>
+              <a:defRPr sz="1200"/>
             </a:lvl3pPr>
-            <a:lvl4pPr>
-              <a:defRPr sz="1600"/>
+            <a:lvl4pPr marL="1371600" indent="0">
+              <a:buNone/>
+              <a:defRPr sz="1000"/>
             </a:lvl4pPr>
-            <a:lvl5pPr>
-              <a:defRPr sz="1600"/>
+            <a:lvl5pPr marL="1828800" indent="0">
+              <a:buNone/>
+              <a:defRPr sz="1000"/>
             </a:lvl5pPr>
-            <a:lvl6pPr>
-              <a:defRPr sz="1600"/>
+            <a:lvl6pPr marL="2286000" indent="0">
+              <a:buNone/>
+              <a:defRPr sz="1000"/>
             </a:lvl6pPr>
-            <a:lvl7pPr>
-              <a:defRPr sz="1600"/>
+            <a:lvl7pPr marL="2743200" indent="0">
+              <a:buNone/>
+              <a:defRPr sz="1000"/>
             </a:lvl7pPr>
-            <a:lvl8pPr>
-              <a:defRPr sz="1600"/>
+            <a:lvl8pPr marL="3200400" indent="0">
+              <a:buNone/>
+              <a:defRPr sz="1000"/>
             </a:lvl8pPr>
-            <a:lvl9pPr>
-              <a:defRPr sz="1600"/>
+            <a:lvl9pPr marL="3657600" indent="0">
+              <a:buNone/>
+              <a:defRPr sz="1000"/>
             </a:lvl9pPr>
           </a:lstStyle>
           <a:p>
@@ -2623,114 +5623,6 @@
               <a:t>Образец текста</a:t>
             </a:r>
           </a:p>
-          <a:p>
-            <a:pPr lvl="1"/>
-            <a:r>
-              <a:rPr lang="ru-RU" smtClean="0"/>
-              <a:t>Второй уровень</a:t>
-            </a:r>
-          </a:p>
-          <a:p>
-            <a:pPr lvl="2"/>
-            <a:r>
-              <a:rPr lang="ru-RU" smtClean="0"/>
-              <a:t>Третий уровень</a:t>
-            </a:r>
-          </a:p>
-          <a:p>
-            <a:pPr lvl="3"/>
-            <a:r>
-              <a:rPr lang="ru-RU" smtClean="0"/>
-              <a:t>Четвертый уровень</a:t>
-            </a:r>
-          </a:p>
-          <a:p>
-            <a:pPr lvl="4"/>
-            <a:r>
-              <a:rPr lang="ru-RU" smtClean="0"/>
-              <a:t>Пятый уровень</a:t>
-            </a:r>
-            <a:endParaRPr lang="en-US" dirty="0"/>
-          </a:p>
-        </p:txBody>
-      </p:sp>
-      <p:sp>
-        <p:nvSpPr>
-          <p:cNvPr id="4" name="Text Placeholder 3"/>
-          <p:cNvSpPr>
-            <a:spLocks noGrp="1"/>
-          </p:cNvSpPr>
-          <p:nvPr>
-            <p:ph type="body" sz="half" idx="2"/>
-          </p:nvPr>
-        </p:nvSpPr>
-        <p:spPr>
-          <a:xfrm>
-            <a:off x="8549640" y="2423160"/>
-            <a:ext cx="3200400" cy="3291840"/>
-          </a:xfrm>
-        </p:spPr>
-        <p:txBody>
-          <a:bodyPr>
-            <a:normAutofit/>
-          </a:bodyPr>
-          <a:lstStyle>
-            <a:lvl1pPr marL="0" indent="0">
-              <a:lnSpc>
-                <a:spcPct val="100000"/>
-              </a:lnSpc>
-              <a:spcBef>
-                <a:spcPts val="1000"/>
-              </a:spcBef>
-              <a:buNone/>
-              <a:defRPr sz="1400">
-                <a:solidFill>
-                  <a:schemeClr val="accent1">
-                    <a:lumMod val="50000"/>
-                  </a:schemeClr>
-                </a:solidFill>
-              </a:defRPr>
-            </a:lvl1pPr>
-            <a:lvl2pPr marL="457200" indent="0">
-              <a:buNone/>
-              <a:defRPr sz="1200"/>
-            </a:lvl2pPr>
-            <a:lvl3pPr marL="914400" indent="0">
-              <a:buNone/>
-              <a:defRPr sz="1000"/>
-            </a:lvl3pPr>
-            <a:lvl4pPr marL="1371600" indent="0">
-              <a:buNone/>
-              <a:defRPr sz="900"/>
-            </a:lvl4pPr>
-            <a:lvl5pPr marL="1828800" indent="0">
-              <a:buNone/>
-              <a:defRPr sz="900"/>
-            </a:lvl5pPr>
-            <a:lvl6pPr marL="2286000" indent="0">
-              <a:buNone/>
-              <a:defRPr sz="900"/>
-            </a:lvl6pPr>
-            <a:lvl7pPr marL="2743200" indent="0">
-              <a:buNone/>
-              <a:defRPr sz="900"/>
-            </a:lvl7pPr>
-            <a:lvl8pPr marL="3200400" indent="0">
-              <a:buNone/>
-              <a:defRPr sz="900"/>
-            </a:lvl8pPr>
-            <a:lvl9pPr marL="3657600" indent="0">
-              <a:buNone/>
-              <a:defRPr sz="900"/>
-            </a:lvl9pPr>
-          </a:lstStyle>
-          <a:p>
-            <a:pPr lvl="0"/>
-            <a:r>
-              <a:rPr lang="ru-RU" smtClean="0"/>
-              <a:t>Образец текста</a:t>
-            </a:r>
-          </a:p>
         </p:txBody>
       </p:sp>
       <p:sp>
@@ -2748,9 +5640,9 @@
           <a:bodyPr/>
           <a:lstStyle/>
           <a:p>
-            <a:fld id="{214DD448-9E40-4228-BE6F-5A48284476B9}" type="datetimeFigureOut">
-              <a:rPr lang="ru-RU" smtClean="0"/>
-              <a:t>31.03.2014</a:t>
+            <a:fld id="{21BDBECC-E2BA-4986-A730-61B7C03C3AF4}" type="datetime1">
+              <a:rPr lang="ru-RU" smtClean="0"/>
+              <a:t>29.08.2015</a:t>
             </a:fld>
             <a:endParaRPr lang="ru-RU"/>
           </a:p>
@@ -2771,99 +5663,14 @@
           <a:bodyPr/>
           <a:lstStyle/>
           <a:p>
+            <a:r>
+              <a:rPr lang="en-US" smtClean="0"/>
+              <a:t>dmitry@protopopov.ru</a:t>
+            </a:r>
             <a:endParaRPr lang="ru-RU"/>
           </a:p>
         </p:txBody>
       </p:sp>
-      <p:grpSp>
-        <p:nvGrpSpPr>
-          <p:cNvPr id="9" name="Group 8"/>
-          <p:cNvGrpSpPr>
-            <a:grpSpLocks noChangeAspect="1"/>
-          </p:cNvGrpSpPr>
-          <p:nvPr/>
-        </p:nvGrpSpPr>
-        <p:grpSpPr>
-          <a:xfrm>
-            <a:off x="11401725" y="6229681"/>
-            <a:ext cx="457200" cy="457200"/>
-            <a:chOff x="11361456" y="6195813"/>
-            <a:chExt cx="548640" cy="548640"/>
-          </a:xfrm>
-        </p:grpSpPr>
-        <p:sp>
-          <p:nvSpPr>
-            <p:cNvPr id="10" name="Oval 9"/>
-            <p:cNvSpPr/>
-            <p:nvPr/>
-          </p:nvSpPr>
-          <p:spPr>
-            <a:xfrm>
-              <a:off x="11361456" y="6195813"/>
-              <a:ext cx="548640" cy="548640"/>
-            </a:xfrm>
-            <a:prstGeom prst="ellipse">
-              <a:avLst/>
-            </a:prstGeom>
-            <a:blipFill dpi="0" rotWithShape="1">
-              <a:blip r:embed="rId4">
-                <a:duotone>
-                  <a:schemeClr val="accent1">
-                    <a:shade val="45000"/>
-                    <a:satMod val="135000"/>
-                  </a:schemeClr>
-                  <a:prstClr val="white"/>
-                </a:duotone>
-                <a:extLst>
-                  <a:ext uri="{BEBA8EAE-BF5A-486C-A8C5-ECC9F3942E4B}">
-                    <a14:imgProps xmlns:a14="http://schemas.microsoft.com/office/drawing/2010/main">
-                      <a14:imgLayer r:embed="rId5">
-                        <a14:imgEffect>
-                          <a14:saturation sat="95000"/>
-                        </a14:imgEffect>
-                        <a14:imgEffect>
-                          <a14:brightnessContrast bright="-40000" contrast="20000"/>
-                        </a14:imgEffect>
-                      </a14:imgLayer>
-                    </a14:imgProps>
-                  </a:ext>
-                </a:extLst>
-              </a:blip>
-              <a:srcRect/>
-              <a:tile tx="50800" ty="0" sx="85000" sy="85000" flip="none" algn="tl"/>
-            </a:blipFill>
-            <a:ln w="25400" cap="flat" cmpd="sng" algn="ctr">
-              <a:noFill/>
-              <a:prstDash val="solid"/>
-            </a:ln>
-            <a:effectLst/>
-          </p:spPr>
-        </p:sp>
-        <p:sp>
-          <p:nvSpPr>
-            <p:cNvPr id="11" name="Oval 10"/>
-            <p:cNvSpPr/>
-            <p:nvPr/>
-          </p:nvSpPr>
-          <p:spPr>
-            <a:xfrm>
-              <a:off x="11396488" y="6230844"/>
-              <a:ext cx="478576" cy="478578"/>
-            </a:xfrm>
-            <a:prstGeom prst="ellipse">
-              <a:avLst/>
-            </a:prstGeom>
-            <a:noFill/>
-            <a:ln w="12700" cap="flat" cmpd="sng" algn="ctr">
-              <a:solidFill>
-                <a:sysClr val="window" lastClr="FFFFFF"/>
-              </a:solidFill>
-              <a:prstDash val="solid"/>
-            </a:ln>
-            <a:effectLst/>
-          </p:spPr>
-        </p:sp>
-      </p:grpSp>
       <p:sp>
         <p:nvSpPr>
           <p:cNvPr id="7" name="Slide Number Placeholder 6"/>
@@ -2890,7 +5697,7 @@
     </p:spTree>
     <p:extLst>
       <p:ext uri="{BB962C8B-B14F-4D97-AF65-F5344CB8AC3E}">
-        <p14:creationId xmlns:p14="http://schemas.microsoft.com/office/powerpoint/2010/main" val="3274852475"/>
+        <p14:creationId xmlns:p14="http://schemas.microsoft.com/office/powerpoint/2010/main" val="94708288"/>
       </p:ext>
     </p:extLst>
   </p:cSld>
@@ -2901,7 +5708,7 @@
 </file>
 
 <file path=ppt/slideLayouts/slideLayout9.xml><?xml version="1.0" encoding="utf-8"?>
-<p:sldLayout xmlns:a="http://schemas.openxmlformats.org/drawingml/2006/main" xmlns:r="http://schemas.openxmlformats.org/officeDocument/2006/relationships" xmlns:p="http://schemas.openxmlformats.org/presentationml/2006/main" showMasterSp="0" type="picTx" preserve="1">
+<p:sldLayout xmlns:a="http://schemas.openxmlformats.org/drawingml/2006/main" xmlns:r="http://schemas.openxmlformats.org/officeDocument/2006/relationships" xmlns:p="http://schemas.openxmlformats.org/presentationml/2006/main" type="picTx" preserve="1">
   <p:cSld name="Рисунок с подписью">
     <p:spTree>
       <p:nvGrpSpPr>
@@ -2917,63 +5724,36 @@
           <a:chExt cx="0" cy="0"/>
         </a:xfrm>
       </p:grpSpPr>
-      <p:sp>
-        <p:nvSpPr>
-          <p:cNvPr id="11" name="Rectangle 10"/>
-          <p:cNvSpPr/>
+      <p:pic>
+        <p:nvPicPr>
+          <p:cNvPr id="10" name="Picture 9" descr="Droplets-HD-Content-R1d.png"/>
+          <p:cNvPicPr>
+            <a:picLocks noChangeAspect="1"/>
+          </p:cNvPicPr>
           <p:nvPr/>
-        </p:nvSpPr>
-        <p:spPr>
-          <a:xfrm>
-            <a:off x="8303740" y="0"/>
-            <a:ext cx="3888259" cy="6857999"/>
+        </p:nvPicPr>
+        <p:blipFill>
+          <a:blip r:embed="rId2">
+            <a:extLst>
+              <a:ext uri="{28A0092B-C50C-407E-A947-70E740481C1C}">
+                <a14:useLocalDpi xmlns:a14="http://schemas.microsoft.com/office/drawing/2010/main" val="0"/>
+              </a:ext>
+            </a:extLst>
+          </a:blip>
+          <a:stretch>
+            <a:fillRect/>
+          </a:stretch>
+        </p:blipFill>
+        <p:spPr>
+          <a:xfrm>
+            <a:off x="0" y="0"/>
+            <a:ext cx="12192000" cy="6858000"/>
           </a:xfrm>
           <a:prstGeom prst="rect">
             <a:avLst/>
           </a:prstGeom>
-          <a:blipFill dpi="0" rotWithShape="1">
-            <a:blip r:embed="rId2">
-              <a:alphaModFix amt="60000"/>
-              <a:lum bright="70000" contrast="-70000"/>
-              <a:extLst>
-                <a:ext uri="{BEBA8EAE-BF5A-486C-A8C5-ECC9F3942E4B}">
-                  <a14:imgProps xmlns:a14="http://schemas.microsoft.com/office/drawing/2010/main">
-                    <a14:imgLayer r:embed="rId3">
-                      <a14:imgEffect>
-                        <a14:sharpenSoften amount="61000"/>
-                      </a14:imgEffect>
-                    </a14:imgLayer>
-                  </a14:imgProps>
-                </a:ext>
-                <a:ext uri="{28A0092B-C50C-407E-A947-70E740481C1C}">
-                  <a14:useLocalDpi xmlns:a14="http://schemas.microsoft.com/office/drawing/2010/main" val="0"/>
-                </a:ext>
-              </a:extLst>
-            </a:blip>
-            <a:srcRect/>
-            <a:tile tx="0" ty="-704850" sx="92000" sy="89000" flip="xy" algn="ctr"/>
-          </a:blipFill>
-          <a:ln>
-            <a:noFill/>
-          </a:ln>
-        </p:spPr>
-        <p:style>
-          <a:lnRef idx="2">
-            <a:schemeClr val="accent1">
-              <a:shade val="50000"/>
-            </a:schemeClr>
-          </a:lnRef>
-          <a:fillRef idx="1">
-            <a:schemeClr val="accent1"/>
-          </a:fillRef>
-          <a:effectRef idx="0">
-            <a:schemeClr val="accent1"/>
-          </a:effectRef>
-          <a:fontRef idx="minor">
-            <a:schemeClr val="lt1"/>
-          </a:fontRef>
-        </p:style>
-      </p:sp>
+        </p:spPr>
+      </p:pic>
       <p:sp>
         <p:nvSpPr>
           <p:cNvPr id="2" name="Title 1"/>
@@ -2986,17 +5766,15 @@
         </p:nvSpPr>
         <p:spPr>
           <a:xfrm>
-            <a:off x="8549640" y="685800"/>
-            <a:ext cx="3200400" cy="1737360"/>
-          </a:xfrm>
-        </p:spPr>
-        <p:txBody>
-          <a:bodyPr anchor="b">
-            <a:normAutofit/>
-          </a:bodyPr>
+            <a:off x="913774" y="609600"/>
+            <a:ext cx="5934969" cy="2023254"/>
+          </a:xfrm>
+        </p:spPr>
+        <p:txBody>
+          <a:bodyPr anchor="b"/>
           <a:lstStyle>
-            <a:lvl1pPr>
-              <a:defRPr sz="3200" b="1"/>
+            <a:lvl1pPr algn="ctr">
+              <a:defRPr sz="3200"/>
             </a:lvl1pPr>
           </a:lstStyle>
           <a:p>
@@ -3020,15 +5798,34 @@
         </p:nvSpPr>
         <p:spPr>
           <a:xfrm>
-            <a:off x="0" y="0"/>
-            <a:ext cx="8303740" cy="6858000"/>
-          </a:xfrm>
-          <a:solidFill>
-            <a:schemeClr val="tx2">
-              <a:lumMod val="20000"/>
-              <a:lumOff val="80000"/>
-            </a:schemeClr>
-          </a:solidFill>
+            <a:off x="7424803" y="609601"/>
+            <a:ext cx="3255358" cy="5181600"/>
+          </a:xfrm>
+          <a:prstGeom prst="roundRect">
+            <a:avLst>
+              <a:gd name="adj" fmla="val 4943"/>
+            </a:avLst>
+          </a:prstGeom>
+          <a:noFill/>
+          <a:ln w="82550" cap="sq">
+            <a:solidFill>
+              <a:srgbClr val="EAEAEA"/>
+            </a:solidFill>
+            <a:miter lim="800000"/>
+          </a:ln>
+          <a:effectLst/>
+          <a:scene3d>
+            <a:camera prst="orthographicFront"/>
+            <a:lightRig rig="threePt" dir="t">
+              <a:rot lat="0" lon="0" rev="2700000"/>
+            </a:lightRig>
+          </a:scene3d>
+          <a:sp3d contourW="6350">
+            <a:bevelT h="38100"/>
+            <a:contourClr>
+              <a:srgbClr val="C0C0C0"/>
+            </a:contourClr>
+          </a:sp3d>
         </p:spPr>
         <p:txBody>
           <a:bodyPr anchor="t"/>
@@ -3091,62 +5888,48 @@
         </p:nvSpPr>
         <p:spPr>
           <a:xfrm>
-            <a:off x="8549640" y="2423160"/>
-            <a:ext cx="3200400" cy="3291840"/>
-          </a:xfrm>
-        </p:spPr>
-        <p:txBody>
-          <a:bodyPr>
-            <a:normAutofit/>
-          </a:bodyPr>
+            <a:off x="913794" y="2632852"/>
+            <a:ext cx="5934949" cy="3158347"/>
+          </a:xfrm>
+        </p:spPr>
+        <p:txBody>
+          <a:bodyPr/>
           <a:lstStyle>
-            <a:lvl1pPr marL="0" indent="0">
-              <a:lnSpc>
-                <a:spcPct val="100000"/>
-              </a:lnSpc>
-              <a:spcBef>
-                <a:spcPts val="1000"/>
-              </a:spcBef>
-              <a:buNone/>
-              <a:defRPr sz="1400">
-                <a:solidFill>
-                  <a:schemeClr val="accent1">
-                    <a:lumMod val="50000"/>
-                  </a:schemeClr>
-                </a:solidFill>
-              </a:defRPr>
+            <a:lvl1pPr marL="0" indent="0" algn="ctr">
+              <a:buNone/>
+              <a:defRPr sz="1600"/>
             </a:lvl1pPr>
             <a:lvl2pPr marL="457200" indent="0">
               <a:buNone/>
-              <a:defRPr sz="1200"/>
+              <a:defRPr sz="1400"/>
             </a:lvl2pPr>
             <a:lvl3pPr marL="914400" indent="0">
               <a:buNone/>
-              <a:defRPr sz="1000"/>
+              <a:defRPr sz="1200"/>
             </a:lvl3pPr>
             <a:lvl4pPr marL="1371600" indent="0">
               <a:buNone/>
-              <a:defRPr sz="900"/>
+              <a:defRPr sz="1000"/>
             </a:lvl4pPr>
             <a:lvl5pPr marL="1828800" indent="0">
               <a:buNone/>
-              <a:defRPr sz="900"/>
+              <a:defRPr sz="1000"/>
             </a:lvl5pPr>
             <a:lvl6pPr marL="2286000" indent="0">
               <a:buNone/>
-              <a:defRPr sz="900"/>
+              <a:defRPr sz="1000"/>
             </a:lvl6pPr>
             <a:lvl7pPr marL="2743200" indent="0">
               <a:buNone/>
-              <a:defRPr sz="900"/>
+              <a:defRPr sz="1000"/>
             </a:lvl7pPr>
             <a:lvl8pPr marL="3200400" indent="0">
               <a:buNone/>
-              <a:defRPr sz="900"/>
+              <a:defRPr sz="1000"/>
             </a:lvl8pPr>
             <a:lvl9pPr marL="3657600" indent="0">
               <a:buNone/>
-              <a:defRPr sz="900"/>
+              <a:defRPr sz="1000"/>
             </a:lvl9pPr>
           </a:lstStyle>
           <a:p>
@@ -3173,103 +5956,33 @@
           <a:bodyPr/>
           <a:lstStyle/>
           <a:p>
-            <a:fld id="{214DD448-9E40-4228-BE6F-5A48284476B9}" type="datetimeFigureOut">
-              <a:rPr lang="ru-RU" smtClean="0"/>
-              <a:t>31.03.2014</a:t>
+            <a:fld id="{0B38B862-C85B-4836-8A54-73A845E89B9E}" type="datetime1">
+              <a:rPr lang="ru-RU" smtClean="0"/>
+              <a:t>29.08.2015</a:t>
             </a:fld>
             <a:endParaRPr lang="ru-RU"/>
           </a:p>
         </p:txBody>
       </p:sp>
-      <p:grpSp>
-        <p:nvGrpSpPr>
-          <p:cNvPr id="8" name="Group 7"/>
-          <p:cNvGrpSpPr>
-            <a:grpSpLocks noChangeAspect="1"/>
-          </p:cNvGrpSpPr>
-          <p:nvPr/>
-        </p:nvGrpSpPr>
-        <p:grpSpPr>
-          <a:xfrm>
-            <a:off x="11401725" y="6229681"/>
-            <a:ext cx="457200" cy="457200"/>
-            <a:chOff x="11361456" y="6195813"/>
-            <a:chExt cx="548640" cy="548640"/>
-          </a:xfrm>
-        </p:grpSpPr>
-        <p:sp>
-          <p:nvSpPr>
-            <p:cNvPr id="9" name="Oval 8"/>
-            <p:cNvSpPr/>
-            <p:nvPr/>
-          </p:nvSpPr>
-          <p:spPr>
-            <a:xfrm>
-              <a:off x="11361456" y="6195813"/>
-              <a:ext cx="548640" cy="548640"/>
-            </a:xfrm>
-            <a:prstGeom prst="ellipse">
-              <a:avLst/>
-            </a:prstGeom>
-            <a:blipFill dpi="0" rotWithShape="1">
-              <a:blip r:embed="rId4">
-                <a:duotone>
-                  <a:schemeClr val="accent1">
-                    <a:shade val="45000"/>
-                    <a:satMod val="135000"/>
-                  </a:schemeClr>
-                  <a:prstClr val="white"/>
-                </a:duotone>
-                <a:extLst>
-                  <a:ext uri="{BEBA8EAE-BF5A-486C-A8C5-ECC9F3942E4B}">
-                    <a14:imgProps xmlns:a14="http://schemas.microsoft.com/office/drawing/2010/main">
-                      <a14:imgLayer r:embed="rId5">
-                        <a14:imgEffect>
-                          <a14:saturation sat="95000"/>
-                        </a14:imgEffect>
-                        <a14:imgEffect>
-                          <a14:brightnessContrast bright="-40000" contrast="20000"/>
-                        </a14:imgEffect>
-                      </a14:imgLayer>
-                    </a14:imgProps>
-                  </a:ext>
-                </a:extLst>
-              </a:blip>
-              <a:srcRect/>
-              <a:tile tx="50800" ty="0" sx="85000" sy="85000" flip="none" algn="tl"/>
-            </a:blipFill>
-            <a:ln w="25400" cap="flat" cmpd="sng" algn="ctr">
-              <a:noFill/>
-              <a:prstDash val="solid"/>
-            </a:ln>
-            <a:effectLst/>
-          </p:spPr>
-        </p:sp>
-        <p:sp>
-          <p:nvSpPr>
-            <p:cNvPr id="10" name="Oval 9"/>
-            <p:cNvSpPr/>
-            <p:nvPr/>
-          </p:nvSpPr>
-          <p:spPr>
-            <a:xfrm>
-              <a:off x="11396488" y="6230844"/>
-              <a:ext cx="478576" cy="478578"/>
-            </a:xfrm>
-            <a:prstGeom prst="ellipse">
-              <a:avLst/>
-            </a:prstGeom>
-            <a:noFill/>
-            <a:ln w="12700" cap="flat" cmpd="sng" algn="ctr">
-              <a:solidFill>
-                <a:sysClr val="window" lastClr="FFFFFF"/>
-              </a:solidFill>
-              <a:prstDash val="solid"/>
-            </a:ln>
-            <a:effectLst/>
-          </p:spPr>
-        </p:sp>
-      </p:grpSp>
+      <p:sp>
+        <p:nvSpPr>
+          <p:cNvPr id="6" name="Footer Placeholder 5"/>
+          <p:cNvSpPr>
+            <a:spLocks noGrp="1"/>
+          </p:cNvSpPr>
+          <p:nvPr>
+            <p:ph type="ftr" sz="quarter" idx="11"/>
+          </p:nvPr>
+        </p:nvSpPr>
+        <p:spPr/>
+        <p:txBody>
+          <a:bodyPr/>
+          <a:lstStyle/>
+          <a:p>
+            <a:endParaRPr lang="en-US" dirty="0"/>
+          </a:p>
+        </p:txBody>
+      </p:sp>
       <p:sp>
         <p:nvSpPr>
           <p:cNvPr id="7" name="Slide Number Placeholder 6"/>
@@ -3296,7 +6009,7 @@
     </p:spTree>
     <p:extLst>
       <p:ext uri="{BB962C8B-B14F-4D97-AF65-F5344CB8AC3E}">
-        <p14:creationId xmlns:p14="http://schemas.microsoft.com/office/powerpoint/2010/main" val="3214055867"/>
+        <p14:creationId xmlns:p14="http://schemas.microsoft.com/office/powerpoint/2010/main" val="3295839708"/>
       </p:ext>
     </p:extLst>
   </p:cSld>
@@ -3310,7 +6023,7 @@
 <p:sldMaster xmlns:a="http://schemas.openxmlformats.org/drawingml/2006/main" xmlns:r="http://schemas.openxmlformats.org/officeDocument/2006/relationships" xmlns:p="http://schemas.openxmlformats.org/presentationml/2006/main">
   <p:cSld>
     <p:bg>
-      <p:bgRef idx="1001">
+      <p:bgRef idx="1002">
         <a:schemeClr val="bg1"/>
       </p:bgRef>
     </p:bg>
@@ -3328,24 +6041,66 @@
           <a:chExt cx="0" cy="0"/>
         </a:xfrm>
       </p:grpSpPr>
-      <p:sp>
-        <p:nvSpPr>
-          <p:cNvPr id="2" name="Title Placeholder 1"/>
-          <p:cNvSpPr>
-            <a:spLocks noGrp="1"/>
-          </p:cNvSpPr>
-          <p:nvPr>
-            <p:ph type="title"/>
-          </p:nvPr>
-        </p:nvSpPr>
-        <p:spPr>
-          <a:xfrm>
-            <a:off x="1069848" y="484632"/>
-            <a:ext cx="10058400" cy="1609344"/>
+      <p:pic>
+        <p:nvPicPr>
+          <p:cNvPr id="1026" name="Picture 2" descr="\\DROBO-FS\QuickDrops\JB\PPTX NG\Droplets\LightingOverlay.png"/>
+          <p:cNvPicPr>
+            <a:picLocks noChangeAspect="1" noChangeArrowheads="1"/>
+          </p:cNvPicPr>
+          <p:nvPr/>
+        </p:nvPicPr>
+        <p:blipFill>
+          <a:blip r:embed="rId19">
+            <a:alphaModFix/>
+            <a:extLst>
+              <a:ext uri="{28A0092B-C50C-407E-A947-70E740481C1C}">
+                <a14:useLocalDpi xmlns:a14="http://schemas.microsoft.com/office/drawing/2010/main" val="0"/>
+              </a:ext>
+            </a:extLst>
+          </a:blip>
+          <a:srcRect/>
+          <a:stretch>
+            <a:fillRect/>
+          </a:stretch>
+        </p:blipFill>
+        <p:spPr bwMode="auto">
+          <a:xfrm>
+            <a:off x="0" y="-1"/>
+            <a:ext cx="12192003" cy="6858001"/>
           </a:xfrm>
           <a:prstGeom prst="rect">
             <a:avLst/>
           </a:prstGeom>
+          <a:noFill/>
+          <a:extLst>
+            <a:ext uri="{909E8E84-426E-40DD-AFC4-6F175D3DCCD1}">
+              <a14:hiddenFill xmlns:a14="http://schemas.microsoft.com/office/drawing/2010/main">
+                <a:solidFill>
+                  <a:srgbClr val="FFFFFF"/>
+                </a:solidFill>
+              </a14:hiddenFill>
+            </a:ext>
+          </a:extLst>
+        </p:spPr>
+      </p:pic>
+      <p:sp>
+        <p:nvSpPr>
+          <p:cNvPr id="2" name="Title Placeholder 1"/>
+          <p:cNvSpPr>
+            <a:spLocks noGrp="1"/>
+          </p:cNvSpPr>
+          <p:nvPr>
+            <p:ph type="title"/>
+          </p:nvPr>
+        </p:nvSpPr>
+        <p:spPr>
+          <a:xfrm>
+            <a:off x="913775" y="618517"/>
+            <a:ext cx="10364451" cy="1596177"/>
+          </a:xfrm>
+          <a:prstGeom prst="rect">
+            <a:avLst/>
+          </a:prstGeom>
         </p:spPr>
         <p:txBody>
           <a:bodyPr vert="horz" lIns="91440" tIns="45720" rIns="91440" bIns="45720" rtlCol="0" anchor="ctr">
@@ -3373,8 +6128,8 @@
         </p:nvSpPr>
         <p:spPr>
           <a:xfrm>
-            <a:off x="1069848" y="2121408"/>
-            <a:ext cx="10058400" cy="4050792"/>
+            <a:off x="913775" y="2367093"/>
+            <a:ext cx="10364452" cy="3424107"/>
           </a:xfrm>
           <a:prstGeom prst="rect">
             <a:avLst/>
@@ -3435,8 +6190,8 @@
         </p:nvSpPr>
         <p:spPr>
           <a:xfrm>
-            <a:off x="7964424" y="6272784"/>
-            <a:ext cx="3273552" cy="365125"/>
+            <a:off x="7678737" y="5883275"/>
+            <a:ext cx="2743200" cy="365125"/>
           </a:xfrm>
           <a:prstGeom prst="rect">
             <a:avLst/>
@@ -3446,17 +6201,17 @@
           <a:bodyPr vert="horz" lIns="91440" tIns="45720" rIns="91440" bIns="45720" rtlCol="0" anchor="ctr"/>
           <a:lstStyle>
             <a:lvl1pPr algn="r">
-              <a:defRPr sz="1100">
+              <a:defRPr sz="1000">
                 <a:solidFill>
-                  <a:schemeClr val="tx2"/>
+                  <a:schemeClr val="tx1"/>
                 </a:solidFill>
               </a:defRPr>
             </a:lvl1pPr>
           </a:lstStyle>
           <a:p>
-            <a:fld id="{214DD448-9E40-4228-BE6F-5A48284476B9}" type="datetimeFigureOut">
-              <a:rPr lang="ru-RU" smtClean="0"/>
-              <a:t>31.03.2014</a:t>
+            <a:fld id="{EFFB1629-83F3-4FC7-972B-9B5B2800B7F4}" type="datetime1">
+              <a:rPr lang="ru-RU" smtClean="0"/>
+              <a:t>29.08.2015</a:t>
             </a:fld>
             <a:endParaRPr lang="ru-RU"/>
           </a:p>
@@ -3474,8 +6229,8 @@
         </p:nvSpPr>
         <p:spPr>
           <a:xfrm>
-            <a:off x="1088136" y="6272784"/>
-            <a:ext cx="6327648" cy="365125"/>
+            <a:off x="913774" y="5883275"/>
+            <a:ext cx="6672887" cy="365125"/>
           </a:xfrm>
           <a:prstGeom prst="rect">
             <a:avLst/>
@@ -3485,107 +6240,22 @@
           <a:bodyPr vert="horz" lIns="91440" tIns="45720" rIns="91440" bIns="45720" rtlCol="0" anchor="ctr"/>
           <a:lstStyle>
             <a:lvl1pPr algn="l">
-              <a:defRPr sz="1100">
+              <a:defRPr sz="1000">
                 <a:solidFill>
-                  <a:schemeClr val="tx2"/>
+                  <a:schemeClr val="tx1"/>
                 </a:solidFill>
               </a:defRPr>
             </a:lvl1pPr>
           </a:lstStyle>
           <a:p>
+            <a:r>
+              <a:rPr lang="en-US" smtClean="0"/>
+              <a:t>dmitry@protopopov.ru</a:t>
+            </a:r>
             <a:endParaRPr lang="ru-RU"/>
           </a:p>
         </p:txBody>
       </p:sp>
-      <p:grpSp>
-        <p:nvGrpSpPr>
-          <p:cNvPr id="7" name="Group 6"/>
-          <p:cNvGrpSpPr>
-            <a:grpSpLocks noChangeAspect="1"/>
-          </p:cNvGrpSpPr>
-          <p:nvPr/>
-        </p:nvGrpSpPr>
-        <p:grpSpPr>
-          <a:xfrm>
-            <a:off x="11401725" y="6229681"/>
-            <a:ext cx="457200" cy="457200"/>
-            <a:chOff x="11361456" y="6195813"/>
-            <a:chExt cx="548640" cy="548640"/>
-          </a:xfrm>
-        </p:grpSpPr>
-        <p:sp>
-          <p:nvSpPr>
-            <p:cNvPr id="8" name="Oval 7"/>
-            <p:cNvSpPr/>
-            <p:nvPr/>
-          </p:nvSpPr>
-          <p:spPr>
-            <a:xfrm>
-              <a:off x="11361456" y="6195813"/>
-              <a:ext cx="548640" cy="548640"/>
-            </a:xfrm>
-            <a:prstGeom prst="ellipse">
-              <a:avLst/>
-            </a:prstGeom>
-            <a:blipFill dpi="0" rotWithShape="1">
-              <a:blip r:embed="rId13">
-                <a:duotone>
-                  <a:schemeClr val="accent1">
-                    <a:shade val="45000"/>
-                    <a:satMod val="135000"/>
-                  </a:schemeClr>
-                  <a:prstClr val="white"/>
-                </a:duotone>
-                <a:extLst>
-                  <a:ext uri="{BEBA8EAE-BF5A-486C-A8C5-ECC9F3942E4B}">
-                    <a14:imgProps xmlns:a14="http://schemas.microsoft.com/office/drawing/2010/main">
-                      <a14:imgLayer r:embed="rId14">
-                        <a14:imgEffect>
-                          <a14:saturation sat="95000"/>
-                        </a14:imgEffect>
-                        <a14:imgEffect>
-                          <a14:brightnessContrast bright="-40000" contrast="20000"/>
-                        </a14:imgEffect>
-                      </a14:imgLayer>
-                    </a14:imgProps>
-                  </a:ext>
-                </a:extLst>
-              </a:blip>
-              <a:srcRect/>
-              <a:tile tx="50800" ty="0" sx="85000" sy="85000" flip="none" algn="tl"/>
-            </a:blipFill>
-            <a:ln w="25400" cap="flat" cmpd="sng" algn="ctr">
-              <a:noFill/>
-              <a:prstDash val="solid"/>
-            </a:ln>
-            <a:effectLst/>
-          </p:spPr>
-        </p:sp>
-        <p:sp>
-          <p:nvSpPr>
-            <p:cNvPr id="9" name="Oval 8"/>
-            <p:cNvSpPr/>
-            <p:nvPr/>
-          </p:nvSpPr>
-          <p:spPr>
-            <a:xfrm>
-              <a:off x="11396488" y="6230844"/>
-              <a:ext cx="478576" cy="478578"/>
-            </a:xfrm>
-            <a:prstGeom prst="ellipse">
-              <a:avLst/>
-            </a:prstGeom>
-            <a:noFill/>
-            <a:ln w="12700" cap="flat" cmpd="sng" algn="ctr">
-              <a:solidFill>
-                <a:srgbClr val="FFFFFF"/>
-              </a:solidFill>
-              <a:prstDash val="solid"/>
-            </a:ln>
-            <a:effectLst/>
-          </p:spPr>
-        </p:sp>
-      </p:grpSp>
       <p:sp>
         <p:nvSpPr>
           <p:cNvPr id="6" name="Slide Number Placeholder 5"/>
@@ -3598,8 +6268,8 @@
         </p:nvSpPr>
         <p:spPr>
           <a:xfrm>
-            <a:off x="11311128" y="6272784"/>
-            <a:ext cx="640080" cy="365125"/>
+            <a:off x="10514011" y="5883275"/>
+            <a:ext cx="764215" cy="365125"/>
           </a:xfrm>
           <a:prstGeom prst="rect">
             <a:avLst/>
@@ -3608,12 +6278,11 @@
         <p:txBody>
           <a:bodyPr vert="horz" lIns="91440" tIns="45720" rIns="91440" bIns="45720" rtlCol="0" anchor="ctr"/>
           <a:lstStyle>
-            <a:lvl1pPr algn="ctr">
-              <a:defRPr sz="1400" b="1">
+            <a:lvl1pPr algn="r">
+              <a:defRPr sz="1000">
                 <a:solidFill>
-                  <a:srgbClr val="FFFFFF"/>
+                  <a:schemeClr val="tx1"/>
                 </a:solidFill>
-                <a:latin typeface="+mn-lt"/>
               </a:defRPr>
             </a:lvl1pPr>
           </a:lstStyle>
@@ -3629,27 +6298,34 @@
     </p:spTree>
     <p:extLst>
       <p:ext uri="{BB962C8B-B14F-4D97-AF65-F5344CB8AC3E}">
-        <p14:creationId xmlns:p14="http://schemas.microsoft.com/office/powerpoint/2010/main" val="1120200068"/>
+        <p14:creationId xmlns:p14="http://schemas.microsoft.com/office/powerpoint/2010/main" val="498265197"/>
       </p:ext>
     </p:extLst>
   </p:cSld>
   <p:clrMap bg1="lt1" tx1="dk1" bg2="lt2" tx2="dk2" accent1="accent1" accent2="accent2" accent3="accent3" accent4="accent4" accent5="accent5" accent6="accent6" hlink="hlink" folHlink="folHlink"/>
   <p:sldLayoutIdLst>
-    <p:sldLayoutId id="2147483691" r:id="rId1"/>
-    <p:sldLayoutId id="2147483692" r:id="rId2"/>
-    <p:sldLayoutId id="2147483693" r:id="rId3"/>
-    <p:sldLayoutId id="2147483694" r:id="rId4"/>
-    <p:sldLayoutId id="2147483695" r:id="rId5"/>
-    <p:sldLayoutId id="2147483696" r:id="rId6"/>
-    <p:sldLayoutId id="2147483697" r:id="rId7"/>
-    <p:sldLayoutId id="2147483698" r:id="rId8"/>
-    <p:sldLayoutId id="2147483699" r:id="rId9"/>
-    <p:sldLayoutId id="2147483700" r:id="rId10"/>
-    <p:sldLayoutId id="2147483701" r:id="rId11"/>
+    <p:sldLayoutId id="2147483862" r:id="rId1"/>
+    <p:sldLayoutId id="2147483863" r:id="rId2"/>
+    <p:sldLayoutId id="2147483864" r:id="rId3"/>
+    <p:sldLayoutId id="2147483865" r:id="rId4"/>
+    <p:sldLayoutId id="2147483866" r:id="rId5"/>
+    <p:sldLayoutId id="2147483867" r:id="rId6"/>
+    <p:sldLayoutId id="2147483868" r:id="rId7"/>
+    <p:sldLayoutId id="2147483869" r:id="rId8"/>
+    <p:sldLayoutId id="2147483870" r:id="rId9"/>
+    <p:sldLayoutId id="2147483871" r:id="rId10"/>
+    <p:sldLayoutId id="2147483872" r:id="rId11"/>
+    <p:sldLayoutId id="2147483873" r:id="rId12"/>
+    <p:sldLayoutId id="2147483874" r:id="rId13"/>
+    <p:sldLayoutId id="2147483875" r:id="rId14"/>
+    <p:sldLayoutId id="2147483876" r:id="rId15"/>
+    <p:sldLayoutId id="2147483877" r:id="rId16"/>
+    <p:sldLayoutId id="2147483878" r:id="rId17"/>
   </p:sldLayoutIdLst>
+  <p:hf sldNum="0" hdr="0" dt="0"/>
   <p:txStyles>
     <p:titleStyle>
-      <a:lvl1pPr algn="l" defTabSz="914400" rtl="0" eaLnBrk="1" latinLnBrk="0" hangingPunct="1">
+      <a:lvl1pPr algn="ctr" defTabSz="914400" rtl="0" eaLnBrk="1" latinLnBrk="0" hangingPunct="1">
         <a:lnSpc>
           <a:spcPct val="90000"/>
         </a:lnSpc>
@@ -3657,17 +6333,11 @@
           <a:spcPct val="0"/>
         </a:spcBef>
         <a:buNone/>
-        <a:defRPr sz="4800" b="1" kern="1200" cap="none" baseline="0">
-          <a:blipFill>
-            <a:blip r:embed="rId15">
-              <a:extLst>
-                <a:ext uri="{28A0092B-C50C-407E-A947-70E740481C1C}">
-                  <a14:useLocalDpi xmlns:a14="http://schemas.microsoft.com/office/drawing/2010/main" val="0"/>
-                </a:ext>
-              </a:extLst>
-            </a:blip>
-            <a:tile tx="6350" ty="-127000" sx="65000" sy="64000" flip="none" algn="tl"/>
-          </a:blipFill>
+        <a:defRPr sz="3600" kern="1200" cap="all" baseline="0">
+          <a:solidFill>
+            <a:schemeClr val="tx1"/>
+          </a:solidFill>
+          <a:effectLst/>
           <a:latin typeface="+mj-lt"/>
           <a:ea typeface="+mj-ea"/>
           <a:cs typeface="+mj-cs"/>
@@ -3675,241 +6345,199 @@
       </a:lvl1pPr>
     </p:titleStyle>
     <p:bodyStyle>
-      <a:lvl1pPr marL="182880" indent="-182880" algn="l" defTabSz="914400" rtl="0" eaLnBrk="1" latinLnBrk="0" hangingPunct="1">
+      <a:lvl1pPr marL="228600" indent="-228600" algn="l" defTabSz="914400" rtl="0" eaLnBrk="1" latinLnBrk="0" hangingPunct="1">
         <a:lnSpc>
-          <a:spcPct val="90000"/>
+          <a:spcPct val="120000"/>
         </a:lnSpc>
         <a:spcBef>
-          <a:spcPts val="1200"/>
+          <a:spcPts val="1000"/>
         </a:spcBef>
         <a:buClr>
-          <a:schemeClr val="accent1">
-            <a:lumMod val="75000"/>
-          </a:schemeClr>
+          <a:schemeClr val="tx1"/>
         </a:buClr>
-        <a:buSzPct val="85000"/>
-        <a:buFont typeface="Wingdings" pitchFamily="2" charset="2"/>
-        <a:buChar char="§"/>
-        <a:defRPr sz="2000" kern="1200">
+        <a:buFont typeface="Arial" panose="020B0604020202020204" pitchFamily="34" charset="0"/>
+        <a:buChar char="•"/>
+        <a:defRPr sz="2000" kern="1200" cap="all" baseline="0">
           <a:solidFill>
             <a:schemeClr val="tx1"/>
           </a:solidFill>
+          <a:effectLst/>
           <a:latin typeface="+mn-lt"/>
           <a:ea typeface="+mn-ea"/>
           <a:cs typeface="+mn-cs"/>
         </a:defRPr>
       </a:lvl1pPr>
-      <a:lvl2pPr marL="457200" indent="-182880" algn="l" defTabSz="914400" rtl="0" eaLnBrk="1" latinLnBrk="0" hangingPunct="1">
+      <a:lvl2pPr marL="685800" indent="-228600" algn="l" defTabSz="914400" rtl="0" eaLnBrk="1" latinLnBrk="0" hangingPunct="1">
         <a:lnSpc>
-          <a:spcPct val="90000"/>
+          <a:spcPct val="120000"/>
         </a:lnSpc>
         <a:spcBef>
-          <a:spcPts val="400"/>
+          <a:spcPts val="500"/>
         </a:spcBef>
-        <a:spcAft>
-          <a:spcPts val="200"/>
-        </a:spcAft>
         <a:buClr>
-          <a:schemeClr val="accent1">
-            <a:lumMod val="75000"/>
-          </a:schemeClr>
+          <a:schemeClr val="tx1"/>
         </a:buClr>
-        <a:buSzPct val="85000"/>
-        <a:buFont typeface="Wingdings" pitchFamily="2" charset="2"/>
-        <a:buChar char="§"/>
-        <a:defRPr sz="1800" kern="1200">
+        <a:buFont typeface="Arial" panose="020B0604020202020204" pitchFamily="34" charset="0"/>
+        <a:buChar char="•"/>
+        <a:defRPr sz="1800" kern="1200" cap="all" baseline="0">
           <a:solidFill>
             <a:schemeClr val="tx1"/>
           </a:solidFill>
+          <a:effectLst/>
           <a:latin typeface="+mn-lt"/>
           <a:ea typeface="+mn-ea"/>
           <a:cs typeface="+mn-cs"/>
         </a:defRPr>
       </a:lvl2pPr>
-      <a:lvl3pPr marL="731520" indent="-182880" algn="l" defTabSz="914400" rtl="0" eaLnBrk="1" latinLnBrk="0" hangingPunct="1">
+      <a:lvl3pPr marL="1143000" indent="-228600" algn="l" defTabSz="914400" rtl="0" eaLnBrk="1" latinLnBrk="0" hangingPunct="1">
         <a:lnSpc>
-          <a:spcPct val="90000"/>
+          <a:spcPct val="120000"/>
         </a:lnSpc>
         <a:spcBef>
-          <a:spcPts val="400"/>
+          <a:spcPts val="500"/>
         </a:spcBef>
-        <a:spcAft>
-          <a:spcPts val="200"/>
-        </a:spcAft>
         <a:buClr>
-          <a:schemeClr val="accent1">
-            <a:lumMod val="75000"/>
-          </a:schemeClr>
+          <a:schemeClr val="tx1"/>
         </a:buClr>
-        <a:buSzPct val="85000"/>
-        <a:buFont typeface="Wingdings" pitchFamily="2" charset="2"/>
-        <a:buChar char="§"/>
-        <a:defRPr sz="1600" kern="1200">
+        <a:buFont typeface="Arial" panose="020B0604020202020204" pitchFamily="34" charset="0"/>
+        <a:buChar char="•"/>
+        <a:defRPr sz="1600" kern="1200" cap="all" baseline="0">
           <a:solidFill>
             <a:schemeClr val="tx1"/>
           </a:solidFill>
+          <a:effectLst/>
           <a:latin typeface="+mn-lt"/>
           <a:ea typeface="+mn-ea"/>
           <a:cs typeface="+mn-cs"/>
         </a:defRPr>
       </a:lvl3pPr>
-      <a:lvl4pPr marL="1005840" indent="-182880" algn="l" defTabSz="914400" rtl="0" eaLnBrk="1" latinLnBrk="0" hangingPunct="1">
+      <a:lvl4pPr marL="1600200" indent="-228600" algn="l" defTabSz="914400" rtl="0" eaLnBrk="1" latinLnBrk="0" hangingPunct="1">
         <a:lnSpc>
-          <a:spcPct val="90000"/>
+          <a:spcPct val="120000"/>
         </a:lnSpc>
         <a:spcBef>
-          <a:spcPts val="400"/>
+          <a:spcPts val="500"/>
         </a:spcBef>
-        <a:spcAft>
-          <a:spcPts val="200"/>
-        </a:spcAft>
         <a:buClr>
-          <a:schemeClr val="accent1">
-            <a:lumMod val="75000"/>
-          </a:schemeClr>
+          <a:schemeClr val="tx1"/>
         </a:buClr>
-        <a:buSzPct val="85000"/>
-        <a:buFont typeface="Wingdings" pitchFamily="2" charset="2"/>
-        <a:buChar char="§"/>
-        <a:defRPr sz="1600" kern="1200">
+        <a:buFont typeface="Arial" panose="020B0604020202020204" pitchFamily="34" charset="0"/>
+        <a:buChar char="•"/>
+        <a:defRPr sz="1400" kern="1200" cap="all" baseline="0">
           <a:solidFill>
             <a:schemeClr val="tx1"/>
           </a:solidFill>
+          <a:effectLst/>
           <a:latin typeface="+mn-lt"/>
           <a:ea typeface="+mn-ea"/>
           <a:cs typeface="+mn-cs"/>
         </a:defRPr>
       </a:lvl4pPr>
-      <a:lvl5pPr marL="1280160" indent="-182880" algn="l" defTabSz="914400" rtl="0" eaLnBrk="1" latinLnBrk="0" hangingPunct="1">
+      <a:lvl5pPr marL="2057400" indent="-228600" algn="l" defTabSz="914400" rtl="0" eaLnBrk="1" latinLnBrk="0" hangingPunct="1">
         <a:lnSpc>
-          <a:spcPct val="90000"/>
+          <a:spcPct val="120000"/>
         </a:lnSpc>
         <a:spcBef>
-          <a:spcPts val="400"/>
+          <a:spcPts val="500"/>
         </a:spcBef>
-        <a:spcAft>
-          <a:spcPts val="200"/>
-        </a:spcAft>
         <a:buClr>
-          <a:schemeClr val="accent1">
-            <a:lumMod val="75000"/>
-          </a:schemeClr>
+          <a:schemeClr val="tx1"/>
         </a:buClr>
-        <a:buSzPct val="85000"/>
-        <a:buFont typeface="Wingdings" pitchFamily="2" charset="2"/>
-        <a:buChar char="§"/>
-        <a:defRPr sz="1600" kern="1200">
+        <a:buFont typeface="Arial" panose="020B0604020202020204" pitchFamily="34" charset="0"/>
+        <a:buChar char="•"/>
+        <a:defRPr sz="1400" kern="1200" cap="all" baseline="0">
           <a:solidFill>
             <a:schemeClr val="tx1"/>
           </a:solidFill>
+          <a:effectLst/>
           <a:latin typeface="+mn-lt"/>
           <a:ea typeface="+mn-ea"/>
           <a:cs typeface="+mn-cs"/>
         </a:defRPr>
       </a:lvl5pPr>
-      <a:lvl6pPr marL="1600000" indent="-228600" algn="l" defTabSz="914400" rtl="0" eaLnBrk="1" latinLnBrk="0" hangingPunct="1">
+      <a:lvl6pPr marL="2514600" indent="-228600" algn="l" defTabSz="914400" rtl="0" eaLnBrk="1" latinLnBrk="0" hangingPunct="1">
         <a:lnSpc>
-          <a:spcPct val="90000"/>
+          <a:spcPct val="120000"/>
         </a:lnSpc>
         <a:spcBef>
-          <a:spcPts val="400"/>
+          <a:spcPts val="500"/>
         </a:spcBef>
-        <a:spcAft>
-          <a:spcPts val="200"/>
-        </a:spcAft>
         <a:buClr>
-          <a:schemeClr val="accent1">
-            <a:lumMod val="75000"/>
-          </a:schemeClr>
+          <a:schemeClr val="tx1"/>
         </a:buClr>
-        <a:buSzPct val="85000"/>
-        <a:buFont typeface="Wingdings" pitchFamily="2" charset="2"/>
-        <a:buChar char="§"/>
-        <a:defRPr sz="1600" kern="1200">
+        <a:buFont typeface="Arial" panose="020B0604020202020204" pitchFamily="34" charset="0"/>
+        <a:buChar char="•"/>
+        <a:defRPr sz="1400" kern="1200" cap="all" baseline="0">
           <a:solidFill>
             <a:schemeClr val="tx1"/>
           </a:solidFill>
+          <a:effectLst/>
           <a:latin typeface="+mn-lt"/>
           <a:ea typeface="+mn-ea"/>
           <a:cs typeface="+mn-cs"/>
         </a:defRPr>
       </a:lvl6pPr>
-      <a:lvl7pPr marL="1900000" indent="-228600" algn="l" defTabSz="914400" rtl="0" eaLnBrk="1" latinLnBrk="0" hangingPunct="1">
+      <a:lvl7pPr marL="2971800" indent="-228600" algn="l" defTabSz="914400" rtl="0" eaLnBrk="1" latinLnBrk="0" hangingPunct="1">
         <a:lnSpc>
-          <a:spcPct val="90000"/>
+          <a:spcPct val="120000"/>
         </a:lnSpc>
         <a:spcBef>
-          <a:spcPts val="400"/>
+          <a:spcPts val="500"/>
         </a:spcBef>
-        <a:spcAft>
-          <a:spcPts val="200"/>
-        </a:spcAft>
         <a:buClr>
-          <a:schemeClr val="accent1">
-            <a:lumMod val="75000"/>
-          </a:schemeClr>
+          <a:schemeClr val="tx1"/>
         </a:buClr>
-        <a:buSzPct val="85000"/>
-        <a:buFont typeface="Wingdings" pitchFamily="2" charset="2"/>
-        <a:buChar char="§"/>
-        <a:defRPr sz="1600" kern="1200">
+        <a:buFont typeface="Arial" panose="020B0604020202020204" pitchFamily="34" charset="0"/>
+        <a:buChar char="•"/>
+        <a:defRPr sz="1400" kern="1200" cap="all" baseline="0">
           <a:solidFill>
             <a:schemeClr val="tx1"/>
           </a:solidFill>
+          <a:effectLst/>
           <a:latin typeface="+mn-lt"/>
           <a:ea typeface="+mn-ea"/>
           <a:cs typeface="+mn-cs"/>
         </a:defRPr>
       </a:lvl7pPr>
-      <a:lvl8pPr marL="2200000" indent="-228600" algn="l" defTabSz="914400" rtl="0" eaLnBrk="1" latinLnBrk="0" hangingPunct="1">
+      <a:lvl8pPr marL="3429000" indent="-228600" algn="l" defTabSz="914400" rtl="0" eaLnBrk="1" latinLnBrk="0" hangingPunct="1">
         <a:lnSpc>
-          <a:spcPct val="90000"/>
+          <a:spcPct val="120000"/>
         </a:lnSpc>
         <a:spcBef>
-          <a:spcPts val="400"/>
+          <a:spcPts val="500"/>
         </a:spcBef>
-        <a:spcAft>
-          <a:spcPts val="200"/>
-        </a:spcAft>
         <a:buClr>
-          <a:schemeClr val="accent1">
-            <a:lumMod val="75000"/>
-          </a:schemeClr>
+          <a:schemeClr val="tx1"/>
         </a:buClr>
-        <a:buSzPct val="85000"/>
-        <a:buFont typeface="Wingdings" pitchFamily="2" charset="2"/>
-        <a:buChar char="§"/>
-        <a:defRPr sz="1600" kern="1200">
+        <a:buFont typeface="Arial" panose="020B0604020202020204" pitchFamily="34" charset="0"/>
+        <a:buChar char="•"/>
+        <a:defRPr sz="1400" kern="1200" cap="all" baseline="0">
           <a:solidFill>
             <a:schemeClr val="tx1"/>
           </a:solidFill>
+          <a:effectLst/>
           <a:latin typeface="+mn-lt"/>
           <a:ea typeface="+mn-ea"/>
           <a:cs typeface="+mn-cs"/>
         </a:defRPr>
       </a:lvl8pPr>
-      <a:lvl9pPr marL="2500000" indent="-228600" algn="l" defTabSz="914400" rtl="0" eaLnBrk="1" latinLnBrk="0" hangingPunct="1">
+      <a:lvl9pPr marL="3886200" indent="-228600" algn="l" defTabSz="914400" rtl="0" eaLnBrk="1" latinLnBrk="0" hangingPunct="1">
         <a:lnSpc>
-          <a:spcPct val="90000"/>
+          <a:spcPct val="120000"/>
         </a:lnSpc>
         <a:spcBef>
-          <a:spcPts val="400"/>
+          <a:spcPts val="500"/>
         </a:spcBef>
-        <a:spcAft>
-          <a:spcPts val="200"/>
-        </a:spcAft>
         <a:buClr>
-          <a:schemeClr val="accent1">
-            <a:lumMod val="75000"/>
-          </a:schemeClr>
+          <a:schemeClr val="tx1"/>
         </a:buClr>
-        <a:buSzPct val="85000"/>
-        <a:buFont typeface="Wingdings" pitchFamily="2" charset="2"/>
-        <a:buChar char="§"/>
-        <a:defRPr sz="1600" kern="1200">
+        <a:buFont typeface="Arial" panose="020B0604020202020204" pitchFamily="34" charset="0"/>
+        <a:buChar char="•"/>
+        <a:defRPr sz="1400" kern="1200" cap="all" baseline="0">
           <a:solidFill>
             <a:schemeClr val="tx1"/>
           </a:solidFill>
+          <a:effectLst/>
           <a:latin typeface="+mn-lt"/>
           <a:ea typeface="+mn-ea"/>
           <a:cs typeface="+mn-cs"/>
@@ -4144,7 +6772,7 @@
             <a:spLocks noGrp="1"/>
           </p:cNvSpPr>
           <p:nvPr>
-            <p:ph idx="1"/>
+            <p:ph sz="quarter" idx="13"/>
           </p:nvPr>
         </p:nvSpPr>
         <p:spPr/>
@@ -4157,6 +6785,29 @@
               <a:t>Схема сортировки слияниями</a:t>
             </a:r>
             <a:endParaRPr lang="ru-RU" dirty="0"/>
+          </a:p>
+        </p:txBody>
+      </p:sp>
+      <p:sp>
+        <p:nvSpPr>
+          <p:cNvPr id="12" name="Нижний колонтитул 11"/>
+          <p:cNvSpPr>
+            <a:spLocks noGrp="1"/>
+          </p:cNvSpPr>
+          <p:nvPr>
+            <p:ph type="ftr" sz="quarter" idx="11"/>
+          </p:nvPr>
+        </p:nvSpPr>
+        <p:spPr/>
+        <p:txBody>
+          <a:bodyPr/>
+          <a:lstStyle/>
+          <a:p>
+            <a:r>
+              <a:rPr lang="en-US" smtClean="0"/>
+              <a:t>dmitry@protopopov.ru</a:t>
+            </a:r>
+            <a:endParaRPr lang="ru-RU"/>
           </a:p>
         </p:txBody>
       </p:sp>
@@ -6126,12 +8777,14 @@
             <a:spLocks noGrp="1"/>
           </p:cNvSpPr>
           <p:nvPr>
-            <p:ph idx="1"/>
+            <p:ph sz="quarter" idx="13"/>
           </p:nvPr>
         </p:nvSpPr>
         <p:spPr/>
         <p:txBody>
-          <a:bodyPr/>
+          <a:bodyPr>
+            <a:normAutofit lnSpcReduction="10000"/>
+          </a:bodyPr>
           <a:lstStyle/>
           <a:p>
             <a:pPr algn="just"/>
@@ -6141,32 +8794,39 @@
             </a:r>
             <a:r>
               <a:rPr lang="ru-RU" dirty="0" smtClean="0"/>
-              <a:t>массив используется при параллельной обработке обычно только как часть общего алгоритма, выполняемого в потоке или на процессоре, поскольку не может быть разделён на независимые задачи, выполняемые параллельно. Для этого алгоритма требуется последовательный доступ к данным </a:t>
-            </a:r>
-            <a:r>
-              <a:rPr lang="ru-RU" dirty="0" err="1" smtClean="0"/>
-              <a:t>подмассивов</a:t>
-            </a:r>
+              <a:t>массив используется при параллельной обработке обычно только как часть общего алгоритма, выполняемого в потоке или на процессоре, поскольку не может быть разделён на независимые задачи, выполняемые параллельно. Для этого алгоритма требуется последовательный доступ к данным подмассивов-очередей.</a:t>
+            </a:r>
+          </a:p>
+          <a:p>
+            <a:pPr algn="just"/>
             <a:r>
               <a:rPr lang="ru-RU" dirty="0" smtClean="0"/>
-              <a:t>-очередей.</a:t>
-            </a:r>
-          </a:p>
-          <a:p>
-            <a:pPr algn="just"/>
-            <a:r>
-              <a:rPr lang="ru-RU" dirty="0" smtClean="0"/>
-              <a:t>Параллельность сортировки слияниями может быть получена только на параллельной обработке </a:t>
-            </a:r>
-            <a:r>
-              <a:rPr lang="ru-RU" dirty="0" err="1" smtClean="0"/>
-              <a:t>подмассивов</a:t>
-            </a:r>
-            <a:r>
-              <a:rPr lang="ru-RU" dirty="0" smtClean="0"/>
-              <a:t>, на которые будет разделён исходный массив</a:t>
+              <a:t>Параллельность сортировки слияниями может быть получена только на параллельной обработке подмассивов, на которые будет разделён исходный массив</a:t>
             </a:r>
             <a:endParaRPr lang="ru-RU" dirty="0"/>
+          </a:p>
+        </p:txBody>
+      </p:sp>
+      <p:sp>
+        <p:nvSpPr>
+          <p:cNvPr id="4" name="Нижний колонтитул 3"/>
+          <p:cNvSpPr>
+            <a:spLocks noGrp="1"/>
+          </p:cNvSpPr>
+          <p:nvPr>
+            <p:ph type="ftr" sz="quarter" idx="11"/>
+          </p:nvPr>
+        </p:nvSpPr>
+        <p:spPr/>
+        <p:txBody>
+          <a:bodyPr/>
+          <a:lstStyle/>
+          <a:p>
+            <a:r>
+              <a:rPr lang="en-US" smtClean="0"/>
+              <a:t>dmitry@protopopov.ru</a:t>
+            </a:r>
+            <a:endParaRPr lang="ru-RU"/>
           </a:p>
         </p:txBody>
       </p:sp>
@@ -6190,6 +8850,184 @@
 </p:sld>
 </file>
 
+<file path=ppt/slides/slide12.xml><?xml version="1.0" encoding="utf-8"?>
+<p:sld xmlns:a="http://schemas.openxmlformats.org/drawingml/2006/main" xmlns:r="http://schemas.openxmlformats.org/officeDocument/2006/relationships" xmlns:p="http://schemas.openxmlformats.org/presentationml/2006/main">
+  <p:cSld>
+    <p:spTree>
+      <p:nvGrpSpPr>
+        <p:cNvPr id="1" name=""/>
+        <p:cNvGrpSpPr/>
+        <p:nvPr/>
+      </p:nvGrpSpPr>
+      <p:grpSpPr>
+        <a:xfrm>
+          <a:off x="0" y="0"/>
+          <a:ext cx="0" cy="0"/>
+          <a:chOff x="0" y="0"/>
+          <a:chExt cx="0" cy="0"/>
+        </a:xfrm>
+      </p:grpSpPr>
+      <p:sp>
+        <p:nvSpPr>
+          <p:cNvPr id="2" name="Заголовок 1"/>
+          <p:cNvSpPr>
+            <a:spLocks noGrp="1"/>
+          </p:cNvSpPr>
+          <p:nvPr>
+            <p:ph type="title"/>
+          </p:nvPr>
+        </p:nvSpPr>
+        <p:spPr/>
+        <p:txBody>
+          <a:bodyPr/>
+          <a:lstStyle/>
+          <a:p>
+            <a:r>
+              <a:rPr lang="ru-RU" dirty="0" smtClean="0"/>
+              <a:t>Спасибо за внимание</a:t>
+            </a:r>
+            <a:endParaRPr lang="ru-RU" dirty="0"/>
+          </a:p>
+        </p:txBody>
+      </p:sp>
+      <p:sp>
+        <p:nvSpPr>
+          <p:cNvPr id="3" name="Объект 2"/>
+          <p:cNvSpPr>
+            <a:spLocks noGrp="1"/>
+          </p:cNvSpPr>
+          <p:nvPr>
+            <p:ph sz="quarter" idx="13"/>
+          </p:nvPr>
+        </p:nvSpPr>
+        <p:spPr/>
+        <p:txBody>
+          <a:bodyPr/>
+          <a:lstStyle/>
+          <a:p>
+            <a:r>
+              <a:rPr lang="ru-RU" dirty="0" smtClean="0"/>
+              <a:t>Контакты</a:t>
+            </a:r>
+            <a:endParaRPr lang="en-US" dirty="0" smtClean="0"/>
+          </a:p>
+          <a:p>
+            <a:pPr lvl="1"/>
+            <a:r>
+              <a:rPr lang="ru-RU" dirty="0" smtClean="0"/>
+              <a:t>Дмитрий Протопопов</a:t>
+            </a:r>
+            <a:r>
+              <a:rPr lang="en-US" dirty="0" smtClean="0"/>
+              <a:t>, </a:t>
+            </a:r>
+            <a:r>
+              <a:rPr lang="ru-RU" dirty="0" smtClean="0"/>
+              <a:t>Москва, Россия</a:t>
+            </a:r>
+            <a:r>
+              <a:rPr lang="en-US" dirty="0"/>
+              <a:t/>
+            </a:r>
+            <a:br>
+              <a:rPr lang="en-US" dirty="0"/>
+            </a:br>
+            <a:r>
+              <a:rPr lang="en-US" dirty="0"/>
+              <a:t> </a:t>
+            </a:r>
+            <a:r>
+              <a:rPr lang="en-US" dirty="0">
+                <a:hlinkClick r:id="rId3"/>
+              </a:rPr>
+              <a:t>dmitry@protopopov.ru</a:t>
+            </a:r>
+            <a:r>
+              <a:rPr lang="en-US" dirty="0"/>
+              <a:t> </a:t>
+            </a:r>
+            <a:br>
+              <a:rPr lang="en-US" dirty="0"/>
+            </a:br>
+            <a:r>
+              <a:rPr lang="en-US" dirty="0"/>
+              <a:t>+7 916 </a:t>
+            </a:r>
+            <a:r>
+              <a:rPr lang="en-US" dirty="0" smtClean="0"/>
+              <a:t>6969591</a:t>
+            </a:r>
+          </a:p>
+          <a:p>
+            <a:pPr marL="457200" lvl="1" indent="0">
+              <a:buNone/>
+            </a:pPr>
+            <a:endParaRPr lang="ru-RU" dirty="0" smtClean="0"/>
+          </a:p>
+          <a:p>
+            <a:pPr marL="457200" lvl="1" indent="0">
+              <a:buNone/>
+            </a:pPr>
+            <a:r>
+              <a:rPr lang="ru-RU" dirty="0" smtClean="0"/>
+              <a:t>Исходные коды и примеры использования доступны по адресу </a:t>
+            </a:r>
+            <a:r>
+              <a:rPr lang="en-US" dirty="0">
+                <a:hlinkClick r:id="rId4"/>
+              </a:rPr>
+              <a:t>https://</a:t>
+            </a:r>
+            <a:r>
+              <a:rPr lang="en-US" dirty="0" smtClean="0">
+                <a:hlinkClick r:id="rId4"/>
+              </a:rPr>
+              <a:t>github.com/dprotopopov/ParallelSorting</a:t>
+            </a:r>
+            <a:endParaRPr lang="ru-RU" dirty="0" smtClean="0"/>
+          </a:p>
+          <a:p>
+            <a:pPr lvl="1"/>
+            <a:endParaRPr lang="en-US" dirty="0" smtClean="0"/>
+          </a:p>
+        </p:txBody>
+      </p:sp>
+      <p:sp>
+        <p:nvSpPr>
+          <p:cNvPr id="4" name="Нижний колонтитул 3"/>
+          <p:cNvSpPr>
+            <a:spLocks noGrp="1"/>
+          </p:cNvSpPr>
+          <p:nvPr>
+            <p:ph type="ftr" sz="quarter" idx="11"/>
+          </p:nvPr>
+        </p:nvSpPr>
+        <p:spPr/>
+        <p:txBody>
+          <a:bodyPr/>
+          <a:lstStyle/>
+          <a:p>
+            <a:r>
+              <a:rPr lang="en-US" dirty="0" smtClean="0"/>
+              <a:t>dmitry@protopopov.ru</a:t>
+            </a:r>
+            <a:endParaRPr lang="ru-RU" dirty="0"/>
+          </a:p>
+        </p:txBody>
+      </p:sp>
+    </p:spTree>
+    <p:extLst>
+      <p:ext uri="{BB962C8B-B14F-4D97-AF65-F5344CB8AC3E}">
+        <p14:creationId xmlns:p14="http://schemas.microsoft.com/office/powerpoint/2010/main" val="817559618"/>
+      </p:ext>
+    </p:extLst>
+  </p:cSld>
+  <p:clrMapOvr>
+    <a:masterClrMapping/>
+  </p:clrMapOvr>
+</p:sld>
+</file>
+
 <file path=ppt/slides/slide2.xml><?xml version="1.0" encoding="utf-8"?>
 <p:sld xmlns:a="http://schemas.openxmlformats.org/drawingml/2006/main" xmlns:r="http://schemas.openxmlformats.org/officeDocument/2006/relationships" xmlns:p="http://schemas.openxmlformats.org/presentationml/2006/main">
   <p:cSld>
@@ -6243,13 +9081,13 @@
             <a:spLocks noGrp="1"/>
           </p:cNvSpPr>
           <p:nvPr>
-            <p:ph idx="1"/>
+            <p:ph sz="quarter" idx="13"/>
           </p:nvPr>
         </p:nvSpPr>
         <p:spPr/>
         <p:txBody>
           <a:bodyPr>
-            <a:normAutofit/>
+            <a:normAutofit fontScale="92500" lnSpcReduction="10000"/>
           </a:bodyPr>
           <a:lstStyle/>
           <a:p>
@@ -6417,6 +9255,29 @@
               <a:t>&gt;=</a:t>
             </a:r>
             <a:endParaRPr lang="en-US" sz="3600" b="1" dirty="0"/>
+          </a:p>
+        </p:txBody>
+      </p:sp>
+      <p:sp>
+        <p:nvSpPr>
+          <p:cNvPr id="4" name="Нижний колонтитул 3"/>
+          <p:cNvSpPr>
+            <a:spLocks noGrp="1"/>
+          </p:cNvSpPr>
+          <p:nvPr>
+            <p:ph type="ftr" sz="quarter" idx="11"/>
+          </p:nvPr>
+        </p:nvSpPr>
+        <p:spPr/>
+        <p:txBody>
+          <a:bodyPr/>
+          <a:lstStyle/>
+          <a:p>
+            <a:r>
+              <a:rPr lang="en-US" smtClean="0"/>
+              <a:t>dmitry@protopopov.ru</a:t>
+            </a:r>
+            <a:endParaRPr lang="ru-RU"/>
           </a:p>
         </p:txBody>
       </p:sp>
@@ -6491,12 +9352,14 @@
             <a:spLocks noGrp="1"/>
           </p:cNvSpPr>
           <p:nvPr>
-            <p:ph idx="1"/>
+            <p:ph sz="quarter" idx="13"/>
           </p:nvPr>
         </p:nvSpPr>
         <p:spPr/>
         <p:txBody>
-          <a:bodyPr/>
+          <a:bodyPr>
+            <a:normAutofit lnSpcReduction="10000"/>
+          </a:bodyPr>
           <a:lstStyle/>
           <a:p>
             <a:pPr algn="just"/>
@@ -6621,6 +9484,29 @@
               <a:t>В наиболее частых ситуациях мы рассматриваем либо массивы целых чисел, либо массивы действительных чисел, и упорядочиваем массивы либо по возрастанию, либо по убыванию</a:t>
             </a:r>
             <a:endParaRPr lang="ru-RU" dirty="0"/>
+          </a:p>
+        </p:txBody>
+      </p:sp>
+      <p:sp>
+        <p:nvSpPr>
+          <p:cNvPr id="4" name="Нижний колонтитул 3"/>
+          <p:cNvSpPr>
+            <a:spLocks noGrp="1"/>
+          </p:cNvSpPr>
+          <p:nvPr>
+            <p:ph type="ftr" sz="quarter" idx="11"/>
+          </p:nvPr>
+        </p:nvSpPr>
+        <p:spPr/>
+        <p:txBody>
+          <a:bodyPr/>
+          <a:lstStyle/>
+          <a:p>
+            <a:r>
+              <a:rPr lang="en-US" smtClean="0"/>
+              <a:t>dmitry@protopopov.ru</a:t>
+            </a:r>
+            <a:endParaRPr lang="ru-RU"/>
           </a:p>
         </p:txBody>
       </p:sp>
@@ -6686,8 +9572,8 @@
           </a:p>
         </p:txBody>
       </p:sp>
-      <mc:AlternateContent xmlns:mc="http://schemas.openxmlformats.org/markup-compatibility/2006" xmlns:a14="http://schemas.microsoft.com/office/drawing/2010/main">
-        <mc:Choice Requires="a14">
+      <mc:AlternateContent xmlns:mc="http://schemas.openxmlformats.org/markup-compatibility/2006">
+        <mc:Choice xmlns:a14="http://schemas.microsoft.com/office/drawing/2010/main" Requires="a14">
           <p:sp>
             <p:nvSpPr>
               <p:cNvPr id="3" name="Объект 2"/>
@@ -6695,12 +9581,14 @@
                 <a:spLocks noGrp="1"/>
               </p:cNvSpPr>
               <p:nvPr>
-                <p:ph idx="1"/>
+                <p:ph sz="quarter" idx="13"/>
               </p:nvPr>
             </p:nvSpPr>
             <p:spPr/>
             <p:txBody>
-              <a:bodyPr/>
+              <a:bodyPr>
+                <a:normAutofit fontScale="77500" lnSpcReduction="20000"/>
+              </a:bodyPr>
               <a:lstStyle/>
               <a:p>
                 <a:pPr algn="just"/>
@@ -6958,7 +9846,7 @@
             </p:txBody>
           </p:sp>
         </mc:Choice>
-        <mc:Fallback xmlns="">
+        <mc:Fallback>
           <p:sp>
             <p:nvSpPr>
               <p:cNvPr id="3" name="Объект 2"/>
@@ -6966,14 +9854,14 @@
                 <a:spLocks noGrp="1" noRot="1" noChangeAspect="1" noMove="1" noResize="1" noEditPoints="1" noAdjustHandles="1" noChangeArrowheads="1" noChangeShapeType="1" noTextEdit="1"/>
               </p:cNvSpPr>
               <p:nvPr>
-                <p:ph idx="1"/>
+                <p:ph sz="quarter" idx="13"/>
               </p:nvPr>
             </p:nvSpPr>
             <p:spPr>
               <a:blipFill rotWithShape="0">
                 <a:blip r:embed="rId2"/>
                 <a:stretch>
-                  <a:fillRect l="-303" t="-1654" r="-606" b="-1805"/>
+                  <a:fillRect l="-235" t="-534" r="-294"/>
                 </a:stretch>
               </a:blipFill>
             </p:spPr>
@@ -6992,6 +9880,29 @@
           </p:sp>
         </mc:Fallback>
       </mc:AlternateContent>
+      <p:sp>
+        <p:nvSpPr>
+          <p:cNvPr id="4" name="Нижний колонтитул 3"/>
+          <p:cNvSpPr>
+            <a:spLocks noGrp="1"/>
+          </p:cNvSpPr>
+          <p:nvPr>
+            <p:ph type="ftr" sz="quarter" idx="11"/>
+          </p:nvPr>
+        </p:nvSpPr>
+        <p:spPr/>
+        <p:txBody>
+          <a:bodyPr/>
+          <a:lstStyle/>
+          <a:p>
+            <a:r>
+              <a:rPr lang="en-US" smtClean="0"/>
+              <a:t>dmitry@protopopov.ru</a:t>
+            </a:r>
+            <a:endParaRPr lang="ru-RU"/>
+          </a:p>
+        </p:txBody>
+      </p:sp>
     </p:spTree>
     <p:extLst>
       <p:ext uri="{BB962C8B-B14F-4D97-AF65-F5344CB8AC3E}">
@@ -7060,12 +9971,14 @@
             <a:spLocks noGrp="1"/>
           </p:cNvSpPr>
           <p:nvPr>
-            <p:ph idx="1"/>
+            <p:ph sz="quarter" idx="13"/>
           </p:nvPr>
         </p:nvSpPr>
         <p:spPr/>
         <p:txBody>
-          <a:bodyPr/>
+          <a:bodyPr>
+            <a:normAutofit fontScale="85000" lnSpcReduction="10000"/>
+          </a:bodyPr>
           <a:lstStyle/>
           <a:p>
             <a:pPr algn="just"/>
@@ -7231,6 +10144,29 @@
               <a:buNone/>
             </a:pPr>
             <a:endParaRPr lang="ru-RU" dirty="0"/>
+          </a:p>
+        </p:txBody>
+      </p:sp>
+      <p:sp>
+        <p:nvSpPr>
+          <p:cNvPr id="4" name="Нижний колонтитул 3"/>
+          <p:cNvSpPr>
+            <a:spLocks noGrp="1"/>
+          </p:cNvSpPr>
+          <p:nvPr>
+            <p:ph type="ftr" sz="quarter" idx="11"/>
+          </p:nvPr>
+        </p:nvSpPr>
+        <p:spPr/>
+        <p:txBody>
+          <a:bodyPr/>
+          <a:lstStyle/>
+          <a:p>
+            <a:r>
+              <a:rPr lang="en-US" smtClean="0"/>
+              <a:t>dmitry@protopopov.ru</a:t>
+            </a:r>
+            <a:endParaRPr lang="ru-RU"/>
           </a:p>
         </p:txBody>
       </p:sp>
@@ -7315,12 +10251,14 @@
             <a:spLocks noGrp="1"/>
           </p:cNvSpPr>
           <p:nvPr>
-            <p:ph idx="1"/>
+            <p:ph sz="quarter" idx="13"/>
           </p:nvPr>
         </p:nvSpPr>
         <p:spPr/>
         <p:txBody>
-          <a:bodyPr/>
+          <a:bodyPr>
+            <a:normAutofit fontScale="85000" lnSpcReduction="10000"/>
+          </a:bodyPr>
           <a:lstStyle/>
           <a:p>
             <a:pPr algn="just"/>
@@ -7341,15 +10279,7 @@
             <a:pPr algn="just"/>
             <a:r>
               <a:rPr lang="ru-RU" dirty="0" smtClean="0"/>
-              <a:t>На вход алгоритма поступают отсортированные одномерные массивы различной длины. Без ограничения общности, рассмотрим отсортированные </a:t>
-            </a:r>
-            <a:r>
-              <a:rPr lang="ru-RU" dirty="0" err="1" smtClean="0"/>
-              <a:t>по-возрастанию</a:t>
-            </a:r>
-            <a:r>
-              <a:rPr lang="ru-RU" dirty="0" smtClean="0"/>
-              <a:t> массивы.</a:t>
+              <a:t>На вход алгоритма поступают отсортированные одномерные массивы различной длины. Без ограничения общности, рассмотрим отсортированные по-возрастанию массивы.</a:t>
             </a:r>
           </a:p>
           <a:p>
@@ -7385,6 +10315,29 @@
               <a:rPr lang="ru-RU" dirty="0"/>
               <a:t>в конец итогового массива</a:t>
             </a:r>
+          </a:p>
+        </p:txBody>
+      </p:sp>
+      <p:sp>
+        <p:nvSpPr>
+          <p:cNvPr id="4" name="Нижний колонтитул 3"/>
+          <p:cNvSpPr>
+            <a:spLocks noGrp="1"/>
+          </p:cNvSpPr>
+          <p:nvPr>
+            <p:ph type="ftr" sz="quarter" idx="11"/>
+          </p:nvPr>
+        </p:nvSpPr>
+        <p:spPr/>
+        <p:txBody>
+          <a:bodyPr/>
+          <a:lstStyle/>
+          <a:p>
+            <a:r>
+              <a:rPr lang="en-US" smtClean="0"/>
+              <a:t>dmitry@protopopov.ru</a:t>
+            </a:r>
+            <a:endParaRPr lang="ru-RU"/>
           </a:p>
         </p:txBody>
       </p:sp>
@@ -7456,7 +10409,7 @@
             <a:spLocks noGrp="1"/>
           </p:cNvSpPr>
           <p:nvPr>
-            <p:ph idx="1"/>
+            <p:ph sz="quarter" idx="13"/>
           </p:nvPr>
         </p:nvSpPr>
         <p:spPr/>
@@ -7472,6 +10425,29 @@
               <a:t>Схема слияния массивов</a:t>
             </a:r>
             <a:endParaRPr lang="ru-RU" dirty="0"/>
+          </a:p>
+        </p:txBody>
+      </p:sp>
+      <p:sp>
+        <p:nvSpPr>
+          <p:cNvPr id="7" name="Нижний колонтитул 6"/>
+          <p:cNvSpPr>
+            <a:spLocks noGrp="1"/>
+          </p:cNvSpPr>
+          <p:nvPr>
+            <p:ph type="ftr" sz="quarter" idx="11"/>
+          </p:nvPr>
+        </p:nvSpPr>
+        <p:spPr/>
+        <p:txBody>
+          <a:bodyPr/>
+          <a:lstStyle/>
+          <a:p>
+            <a:r>
+              <a:rPr lang="en-US" smtClean="0"/>
+              <a:t>dmitry@protopopov.ru</a:t>
+            </a:r>
+            <a:endParaRPr lang="ru-RU"/>
           </a:p>
         </p:txBody>
       </p:sp>
@@ -7907,12 +10883,14 @@
             <a:spLocks noGrp="1"/>
           </p:cNvSpPr>
           <p:nvPr>
-            <p:ph idx="1"/>
+            <p:ph sz="quarter" idx="13"/>
           </p:nvPr>
         </p:nvSpPr>
         <p:spPr/>
         <p:txBody>
-          <a:bodyPr/>
+          <a:bodyPr>
+            <a:normAutofit fontScale="92500" lnSpcReduction="10000"/>
+          </a:bodyPr>
           <a:lstStyle/>
           <a:p>
             <a:pPr algn="just"/>
@@ -7948,15 +10926,7 @@
             <a:pPr algn="just"/>
             <a:r>
               <a:rPr lang="ru-RU" dirty="0" smtClean="0"/>
-              <a:t>На шаге </a:t>
-            </a:r>
-            <a:r>
-              <a:rPr lang="ru-RU" dirty="0" err="1" smtClean="0"/>
-              <a:t>битонической</a:t>
-            </a:r>
-            <a:r>
-              <a:rPr lang="ru-RU" dirty="0" smtClean="0"/>
-              <a:t> сортировки, при слиянии уже отсортированных массивов размера степени двойки.</a:t>
+              <a:t>На шаге битонической сортировки, при слиянии уже отсортированных массивов размера степени двойки.</a:t>
             </a:r>
           </a:p>
           <a:p>
@@ -7971,6 +10941,29 @@
               <a:buNone/>
             </a:pPr>
             <a:endParaRPr lang="ru-RU" dirty="0"/>
+          </a:p>
+        </p:txBody>
+      </p:sp>
+      <p:sp>
+        <p:nvSpPr>
+          <p:cNvPr id="4" name="Нижний колонтитул 3"/>
+          <p:cNvSpPr>
+            <a:spLocks noGrp="1"/>
+          </p:cNvSpPr>
+          <p:nvPr>
+            <p:ph type="ftr" sz="quarter" idx="11"/>
+          </p:nvPr>
+        </p:nvSpPr>
+        <p:spPr/>
+        <p:txBody>
+          <a:bodyPr/>
+          <a:lstStyle/>
+          <a:p>
+            <a:r>
+              <a:rPr lang="en-US" smtClean="0"/>
+              <a:t>dmitry@protopopov.ru</a:t>
+            </a:r>
+            <a:endParaRPr lang="ru-RU"/>
           </a:p>
         </p:txBody>
       </p:sp>
@@ -8040,12 +11033,14 @@
             <a:spLocks noGrp="1"/>
           </p:cNvSpPr>
           <p:nvPr>
-            <p:ph idx="1"/>
+            <p:ph sz="quarter" idx="13"/>
           </p:nvPr>
         </p:nvSpPr>
         <p:spPr/>
         <p:txBody>
-          <a:bodyPr/>
+          <a:bodyPr>
+            <a:normAutofit/>
+          </a:bodyPr>
           <a:lstStyle/>
           <a:p>
             <a:pPr algn="just"/>
@@ -8065,13 +11060,8 @@
             </a:pPr>
             <a:r>
               <a:rPr lang="ru-RU" dirty="0" smtClean="0"/>
-              <a:t>Разделяем исходный массив на несколько </a:t>
-            </a:r>
-            <a:r>
-              <a:rPr lang="ru-RU" dirty="0" err="1" smtClean="0"/>
-              <a:t>подмассивов</a:t>
-            </a:r>
-            <a:endParaRPr lang="ru-RU" dirty="0" smtClean="0"/>
+              <a:t>Разделяем исходный массив на несколько подмассивов</a:t>
+            </a:r>
           </a:p>
           <a:p>
             <a:pPr marL="731520" lvl="1" indent="-457200" algn="just">
@@ -8098,23 +11088,7 @@
             </a:pPr>
             <a:r>
               <a:rPr lang="ru-RU" dirty="0" smtClean="0"/>
-              <a:t>Производим </a:t>
-            </a:r>
-            <a:r>
-              <a:rPr lang="ru-RU" dirty="0" smtClean="0"/>
-              <a:t>слияние отсортированных </a:t>
-            </a:r>
-            <a:r>
-              <a:rPr lang="ru-RU" dirty="0" err="1" smtClean="0"/>
-              <a:t>подмассивов</a:t>
-            </a:r>
-            <a:r>
-              <a:rPr lang="ru-RU" dirty="0" smtClean="0"/>
-              <a:t> в итоговый </a:t>
-            </a:r>
-            <a:r>
-              <a:rPr lang="ru-RU" dirty="0" smtClean="0"/>
-              <a:t>массив</a:t>
+              <a:t>Производим слияние отсортированных подмассивов в итоговый массив</a:t>
             </a:r>
           </a:p>
           <a:p>
@@ -8127,15 +11101,7 @@
             </a:r>
             <a:r>
               <a:rPr lang="ru-RU" dirty="0"/>
-              <a:t>производить рекурсивное деление </a:t>
-            </a:r>
-            <a:r>
-              <a:rPr lang="ru-RU" dirty="0" err="1"/>
-              <a:t>подмассивов</a:t>
-            </a:r>
-            <a:r>
-              <a:rPr lang="ru-RU" dirty="0"/>
-              <a:t> </a:t>
+              <a:t>производить рекурсивное деление подмассивов </a:t>
             </a:r>
             <a:r>
               <a:rPr lang="ru-RU" dirty="0" smtClean="0"/>
@@ -8153,6 +11119,29 @@
           </a:p>
           <a:p>
             <a:endParaRPr lang="ru-RU" dirty="0"/>
+          </a:p>
+        </p:txBody>
+      </p:sp>
+      <p:sp>
+        <p:nvSpPr>
+          <p:cNvPr id="4" name="Нижний колонтитул 3"/>
+          <p:cNvSpPr>
+            <a:spLocks noGrp="1"/>
+          </p:cNvSpPr>
+          <p:nvPr>
+            <p:ph type="ftr" sz="quarter" idx="11"/>
+          </p:nvPr>
+        </p:nvSpPr>
+        <p:spPr/>
+        <p:txBody>
+          <a:bodyPr/>
+          <a:lstStyle/>
+          <a:p>
+            <a:r>
+              <a:rPr lang="en-US" smtClean="0"/>
+              <a:t>dmitry@protopopov.ru</a:t>
+            </a:r>
+            <a:endParaRPr lang="ru-RU"/>
           </a:p>
         </p:txBody>
       </p:sp>
@@ -8177,9 +11166,9 @@
 </file>
 
 <file path=ppt/theme/theme1.xml><?xml version="1.0" encoding="utf-8"?>
-<a:theme xmlns:a="http://schemas.openxmlformats.org/drawingml/2006/main" name="Дерево">
+<a:theme xmlns:a="http://schemas.openxmlformats.org/drawingml/2006/main" name="Капля">
   <a:themeElements>
-    <a:clrScheme name="Дерево">
+    <a:clrScheme name="Капля">
       <a:dk1>
         <a:sysClr val="windowText" lastClr="000000"/>
       </a:dk1>
@@ -8187,45 +11176,80 @@
         <a:sysClr val="window" lastClr="FFFFFF"/>
       </a:lt1>
       <a:dk2>
-        <a:srgbClr val="775F55"/>
+        <a:srgbClr val="355071"/>
       </a:dk2>
       <a:lt2>
-        <a:srgbClr val="EBDDC3"/>
+        <a:srgbClr val="AABED7"/>
       </a:lt2>
       <a:accent1>
-        <a:srgbClr val="94B6D2"/>
+        <a:srgbClr val="2FA3EE"/>
       </a:accent1>
       <a:accent2>
-        <a:srgbClr val="DD8047"/>
+        <a:srgbClr val="4BCAAD"/>
       </a:accent2>
       <a:accent3>
-        <a:srgbClr val="A5AB81"/>
+        <a:srgbClr val="86C157"/>
       </a:accent3>
       <a:accent4>
-        <a:srgbClr val="D8B25C"/>
+        <a:srgbClr val="D99C3F"/>
       </a:accent4>
       <a:accent5>
-        <a:srgbClr val="7BA79D"/>
+        <a:srgbClr val="CE6633"/>
       </a:accent5>
       <a:accent6>
-        <a:srgbClr val="968C8C"/>
+        <a:srgbClr val="A35DD1"/>
       </a:accent6>
       <a:hlink>
-        <a:srgbClr val="F7B615"/>
+        <a:srgbClr val="56BCFE"/>
       </a:hlink>
       <a:folHlink>
-        <a:srgbClr val="704404"/>
+        <a:srgbClr val="97C5E3"/>
       </a:folHlink>
     </a:clrScheme>
-    <a:fontScheme name="Дерево">
+    <a:fontScheme name="Капля">
       <a:majorFont>
-        <a:latin typeface="Georgia" panose="02040502050405020303"/>
+        <a:latin typeface="Tw Cen MT" panose="020B0602020104020603"/>
         <a:ea typeface=""/>
         <a:cs typeface=""/>
         <a:font script="Jpan" typeface="ＭＳ Ｐゴシック"/>
-        <a:font script="Hang" typeface="돋움"/>
-        <a:font script="Hans" typeface="方正舒体"/>
-        <a:font script="Hant" typeface="微軟正黑體"/>
+        <a:font script="Hang" typeface="맑은 고딕"/>
+        <a:font script="Hans" typeface="宋体"/>
+        <a:font script="Hant" typeface="新細明體"/>
+        <a:font script="Arab" typeface="Times New Roman"/>
+        <a:font script="Hebr" typeface="Times New Roman"/>
+        <a:font script="Thai" typeface="Angsana New"/>
+        <a:font script="Ethi" typeface="Nyala"/>
+        <a:font script="Beng" typeface="Vrinda"/>
+        <a:font script="Gujr" typeface="Shruti"/>
+        <a:font script="Khmr" typeface="MoolBoran"/>
+        <a:font script="Knda" typeface="Tunga"/>
+        <a:font script="Guru" typeface="Raavi"/>
+        <a:font script="Cans" typeface="Euphemia"/>
+        <a:font script="Cher" typeface="Plantagenet Cherokee"/>
+        <a:font script="Yiii" typeface="Microsoft Yi Baiti"/>
+        <a:font script="Tibt" typeface="Microsoft Himalaya"/>
+        <a:font script="Thaa" typeface="MV Boli"/>
+        <a:font script="Deva" typeface="Mangal"/>
+        <a:font script="Telu" typeface="Gautami"/>
+        <a:font script="Taml" typeface="Latha"/>
+        <a:font script="Syrc" typeface="Estrangelo Edessa"/>
+        <a:font script="Orya" typeface="Kalinga"/>
+        <a:font script="Mlym" typeface="Kartika"/>
+        <a:font script="Laoo" typeface="DokChampa"/>
+        <a:font script="Sinh" typeface="Iskoola Pota"/>
+        <a:font script="Mong" typeface="Mongolian Baiti"/>
+        <a:font script="Viet" typeface="Times New Roman"/>
+        <a:font script="Uigh" typeface="Microsoft Uighur"/>
+        <a:font script="Geor" typeface="Sylfaen"/>
+      </a:majorFont>
+      <a:minorFont>
+        <a:latin typeface="Tw Cen MT" panose="020B0602020104020603"/>
+        <a:ea typeface=""/>
+        <a:cs typeface=""/>
+        <a:font script="Jpan" typeface="ＭＳ Ｐゴシック"/>
+        <a:font script="Hang" typeface="맑은 고딕"/>
+        <a:font script="Hans" typeface="宋体"/>
+        <a:font script="Hant" typeface="新細明體"/>
         <a:font script="Arab" typeface="Arial"/>
         <a:font script="Hebr" typeface="Arial"/>
         <a:font script="Thai" typeface="Cordia New"/>
@@ -8251,18 +11275,248 @@
         <a:font script="Mong" typeface="Mongolian Baiti"/>
         <a:font script="Viet" typeface="Arial"/>
         <a:font script="Uigh" typeface="Microsoft Uighur"/>
+        <a:font script="Geor" typeface="Sylfaen"/>
+      </a:minorFont>
+    </a:fontScheme>
+    <a:fmtScheme name="Капля">
+      <a:fillStyleLst>
+        <a:solidFill>
+          <a:schemeClr val="phClr"/>
+        </a:solidFill>
+        <a:solidFill>
+          <a:schemeClr val="phClr">
+            <a:tint val="69000"/>
+            <a:satMod val="105000"/>
+            <a:lumMod val="110000"/>
+          </a:schemeClr>
+        </a:solidFill>
+        <a:gradFill rotWithShape="1">
+          <a:gsLst>
+            <a:gs pos="0">
+              <a:schemeClr val="phClr">
+                <a:tint val="94000"/>
+                <a:satMod val="100000"/>
+                <a:lumMod val="108000"/>
+              </a:schemeClr>
+            </a:gs>
+            <a:gs pos="50000">
+              <a:schemeClr val="phClr">
+                <a:tint val="98000"/>
+                <a:shade val="100000"/>
+                <a:satMod val="100000"/>
+                <a:lumMod val="100000"/>
+              </a:schemeClr>
+            </a:gs>
+            <a:gs pos="100000">
+              <a:schemeClr val="phClr">
+                <a:shade val="72000"/>
+                <a:satMod val="120000"/>
+                <a:lumMod val="100000"/>
+              </a:schemeClr>
+            </a:gs>
+          </a:gsLst>
+          <a:lin ang="5400000" scaled="0"/>
+        </a:gradFill>
+      </a:fillStyleLst>
+      <a:lnStyleLst>
+        <a:ln w="9525" cap="flat" cmpd="sng" algn="ctr">
+          <a:solidFill>
+            <a:schemeClr val="phClr">
+              <a:shade val="60000"/>
+            </a:schemeClr>
+          </a:solidFill>
+          <a:prstDash val="solid"/>
+        </a:ln>
+        <a:ln w="15875" cap="flat" cmpd="sng" algn="ctr">
+          <a:solidFill>
+            <a:schemeClr val="phClr"/>
+          </a:solidFill>
+          <a:prstDash val="solid"/>
+        </a:ln>
+        <a:ln w="22225" cap="flat" cmpd="sng" algn="ctr">
+          <a:solidFill>
+            <a:schemeClr val="phClr"/>
+          </a:solidFill>
+          <a:prstDash val="solid"/>
+        </a:ln>
+      </a:lnStyleLst>
+      <a:effectStyleLst>
+        <a:effectStyle>
+          <a:effectLst/>
+        </a:effectStyle>
+        <a:effectStyle>
+          <a:effectLst>
+            <a:outerShdw blurRad="50800" dist="25400" dir="5400000" rotWithShape="0">
+              <a:srgbClr val="000000">
+                <a:alpha val="28000"/>
+              </a:srgbClr>
+            </a:outerShdw>
+          </a:effectLst>
+        </a:effectStyle>
+        <a:effectStyle>
+          <a:effectLst>
+            <a:outerShdw blurRad="63500" dist="25400" dir="5400000" algn="ctr" rotWithShape="0">
+              <a:srgbClr val="000000">
+                <a:alpha val="69000"/>
+              </a:srgbClr>
+            </a:outerShdw>
+          </a:effectLst>
+          <a:scene3d>
+            <a:camera prst="orthographicFront">
+              <a:rot lat="0" lon="0" rev="0"/>
+            </a:camera>
+            <a:lightRig rig="balanced" dir="t">
+              <a:rot lat="0" lon="0" rev="1200000"/>
+            </a:lightRig>
+          </a:scene3d>
+          <a:sp3d prstMaterial="plastic">
+            <a:bevelT w="25400" h="25400"/>
+          </a:sp3d>
+        </a:effectStyle>
+      </a:effectStyleLst>
+      <a:bgFillStyleLst>
+        <a:solidFill>
+          <a:schemeClr val="phClr"/>
+        </a:solidFill>
+        <a:gradFill rotWithShape="1">
+          <a:gsLst>
+            <a:gs pos="0">
+              <a:schemeClr val="phClr">
+                <a:tint val="90000"/>
+                <a:lumMod val="110000"/>
+              </a:schemeClr>
+            </a:gs>
+            <a:gs pos="100000">
+              <a:schemeClr val="phClr">
+                <a:shade val="64000"/>
+                <a:lumMod val="88000"/>
+              </a:schemeClr>
+            </a:gs>
+          </a:gsLst>
+          <a:lin ang="5400000" scaled="0"/>
+        </a:gradFill>
+        <a:gradFill rotWithShape="1">
+          <a:gsLst>
+            <a:gs pos="0">
+              <a:schemeClr val="phClr">
+                <a:tint val="84000"/>
+                <a:shade val="100000"/>
+                <a:hueMod val="130000"/>
+                <a:satMod val="150000"/>
+                <a:lumMod val="112000"/>
+              </a:schemeClr>
+            </a:gs>
+            <a:gs pos="100000">
+              <a:schemeClr val="phClr">
+                <a:shade val="92000"/>
+                <a:satMod val="140000"/>
+                <a:lumMod val="110000"/>
+              </a:schemeClr>
+            </a:gs>
+          </a:gsLst>
+          <a:lin ang="5400000" scaled="0"/>
+        </a:gradFill>
+      </a:bgFillStyleLst>
+    </a:fmtScheme>
+  </a:themeElements>
+  <a:objectDefaults/>
+  <a:extraClrSchemeLst/>
+  <a:extLst>
+    <a:ext uri="{05A4C25C-085E-4340-85A3-A5531E510DB2}">
+      <thm15:themeFamily xmlns:thm15="http://schemas.microsoft.com/office/thememl/2012/main" name="Droplet" id="{8984A317-299A-4E50-B45D-BFC9EDE2337A}" vid="{A633B6A3-9E7F-4C10-9C98-2517A3134361}"/>
+    </a:ext>
+  </a:extLst>
+</a:theme>
+</file>
+
+<file path=ppt/theme/theme2.xml><?xml version="1.0" encoding="utf-8"?>
+<a:theme xmlns:a="http://schemas.openxmlformats.org/drawingml/2006/main" name="Тема Office">
+  <a:themeElements>
+    <a:clrScheme name="Стандартная">
+      <a:dk1>
+        <a:sysClr val="windowText" lastClr="000000"/>
+      </a:dk1>
+      <a:lt1>
+        <a:sysClr val="window" lastClr="FFFFFF"/>
+      </a:lt1>
+      <a:dk2>
+        <a:srgbClr val="44546A"/>
+      </a:dk2>
+      <a:lt2>
+        <a:srgbClr val="E7E6E6"/>
+      </a:lt2>
+      <a:accent1>
+        <a:srgbClr val="5B9BD5"/>
+      </a:accent1>
+      <a:accent2>
+        <a:srgbClr val="ED7D31"/>
+      </a:accent2>
+      <a:accent3>
+        <a:srgbClr val="A5A5A5"/>
+      </a:accent3>
+      <a:accent4>
+        <a:srgbClr val="FFC000"/>
+      </a:accent4>
+      <a:accent5>
+        <a:srgbClr val="4472C4"/>
+      </a:accent5>
+      <a:accent6>
+        <a:srgbClr val="70AD47"/>
+      </a:accent6>
+      <a:hlink>
+        <a:srgbClr val="0563C1"/>
+      </a:hlink>
+      <a:folHlink>
+        <a:srgbClr val="954F72"/>
+      </a:folHlink>
+    </a:clrScheme>
+    <a:fontScheme name="Стандартная">
+      <a:majorFont>
+        <a:latin typeface="Calibri Light" panose="020F0302020204030204"/>
+        <a:ea typeface=""/>
+        <a:cs typeface=""/>
+        <a:font script="Jpan" typeface="ＭＳ Ｐゴシック"/>
+        <a:font script="Hang" typeface="맑은 고딕"/>
+        <a:font script="Hans" typeface="宋体"/>
+        <a:font script="Hant" typeface="新細明體"/>
+        <a:font script="Arab" typeface="Times New Roman"/>
+        <a:font script="Hebr" typeface="Times New Roman"/>
+        <a:font script="Thai" typeface="Angsana New"/>
+        <a:font script="Ethi" typeface="Nyala"/>
+        <a:font script="Beng" typeface="Vrinda"/>
+        <a:font script="Gujr" typeface="Shruti"/>
+        <a:font script="Khmr" typeface="MoolBoran"/>
+        <a:font script="Knda" typeface="Tunga"/>
+        <a:font script="Guru" typeface="Raavi"/>
+        <a:font script="Cans" typeface="Euphemia"/>
+        <a:font script="Cher" typeface="Plantagenet Cherokee"/>
+        <a:font script="Yiii" typeface="Microsoft Yi Baiti"/>
+        <a:font script="Tibt" typeface="Microsoft Himalaya"/>
+        <a:font script="Thaa" typeface="MV Boli"/>
+        <a:font script="Deva" typeface="Mangal"/>
+        <a:font script="Telu" typeface="Gautami"/>
+        <a:font script="Taml" typeface="Latha"/>
+        <a:font script="Syrc" typeface="Estrangelo Edessa"/>
+        <a:font script="Orya" typeface="Kalinga"/>
+        <a:font script="Mlym" typeface="Kartika"/>
+        <a:font script="Laoo" typeface="DokChampa"/>
+        <a:font script="Sinh" typeface="Iskoola Pota"/>
+        <a:font script="Mong" typeface="Mongolian Baiti"/>
+        <a:font script="Viet" typeface="Times New Roman"/>
+        <a:font script="Uigh" typeface="Microsoft Uighur"/>
+        <a:font script="Geor" typeface="Sylfaen"/>
       </a:majorFont>
       <a:minorFont>
-        <a:latin typeface="Trebuchet MS" panose="020B0603020202020204"/>
+        <a:latin typeface="Calibri" panose="020F0502020204030204"/>
         <a:ea typeface=""/>
         <a:cs typeface=""/>
-        <a:font script="Jpan" typeface="HG丸ｺﾞｼｯｸM-PRO"/>
-        <a:font script="Hang" typeface="HY그래픽M"/>
-        <a:font script="Hans" typeface="华文新魏"/>
-        <a:font script="Hant" typeface="微軟正黑體"/>
-        <a:font script="Arab" typeface="Tahoma"/>
-        <a:font script="Hebr" typeface="Gisha"/>
-        <a:font script="Thai" typeface="IrisUPC"/>
+        <a:font script="Jpan" typeface="ＭＳ Ｐゴシック"/>
+        <a:font script="Hang" typeface="맑은 고딕"/>
+        <a:font script="Hans" typeface="宋体"/>
+        <a:font script="Hant" typeface="新細明體"/>
+        <a:font script="Arab" typeface="Arial"/>
+        <a:font script="Hebr" typeface="Arial"/>
+        <a:font script="Thai" typeface="Cordia New"/>
         <a:font script="Ethi" typeface="Nyala"/>
         <a:font script="Beng" typeface="Vrinda"/>
         <a:font script="Gujr" typeface="Shruti"/>
@@ -8285,42 +11539,66 @@
         <a:font script="Mong" typeface="Mongolian Baiti"/>
         <a:font script="Viet" typeface="Arial"/>
         <a:font script="Uigh" typeface="Microsoft Uighur"/>
+        <a:font script="Geor" typeface="Sylfaen"/>
       </a:minorFont>
     </a:fontScheme>
-    <a:fmtScheme name="Дерево">
+    <a:fmtScheme name="Стандартная">
       <a:fillStyleLst>
         <a:solidFill>
           <a:schemeClr val="phClr"/>
         </a:solidFill>
-        <a:blipFill rotWithShape="1">
-          <a:blip xmlns:r="http://schemas.openxmlformats.org/officeDocument/2006/relationships" r:embed="rId1">
-            <a:duotone>
+        <a:gradFill rotWithShape="1">
+          <a:gsLst>
+            <a:gs pos="0">
               <a:schemeClr val="phClr">
-                <a:tint val="70000"/>
-                <a:shade val="63000"/>
+                <a:lumMod val="110000"/>
+                <a:satMod val="105000"/>
+                <a:tint val="67000"/>
               </a:schemeClr>
+            </a:gs>
+            <a:gs pos="50000">
               <a:schemeClr val="phClr">
-                <a:tint val="10000"/>
-                <a:satMod val="150000"/>
+                <a:lumMod val="105000"/>
+                <a:satMod val="103000"/>
+                <a:tint val="73000"/>
               </a:schemeClr>
-            </a:duotone>
-          </a:blip>
-          <a:tile tx="0" ty="0" sx="60000" sy="59000" flip="none" algn="tl"/>
-        </a:blipFill>
-        <a:blipFill rotWithShape="1">
-          <a:blip xmlns:r="http://schemas.openxmlformats.org/officeDocument/2006/relationships" r:embed="rId1">
-            <a:duotone>
+            </a:gs>
+            <a:gs pos="100000">
               <a:schemeClr val="phClr">
-                <a:shade val="36000"/>
+                <a:lumMod val="105000"/>
+                <a:satMod val="109000"/>
+                <a:tint val="81000"/>
+              </a:schemeClr>
+            </a:gs>
+          </a:gsLst>
+          <a:lin ang="5400000" scaled="0"/>
+        </a:gradFill>
+        <a:gradFill rotWithShape="1">
+          <a:gsLst>
+            <a:gs pos="0">
+              <a:schemeClr val="phClr">
+                <a:satMod val="103000"/>
+                <a:lumMod val="102000"/>
+                <a:tint val="94000"/>
+              </a:schemeClr>
+            </a:gs>
+            <a:gs pos="50000">
+              <a:schemeClr val="phClr">
+                <a:satMod val="110000"/>
+                <a:lumMod val="100000"/>
+                <a:shade val="100000"/>
+              </a:schemeClr>
+            </a:gs>
+            <a:gs pos="100000">
+              <a:schemeClr val="phClr">
+                <a:lumMod val="99000"/>
                 <a:satMod val="120000"/>
+                <a:shade val="78000"/>
               </a:schemeClr>
-              <a:schemeClr val="phClr">
-                <a:tint val="40000"/>
-              </a:schemeClr>
-            </a:duotone>
-          </a:blip>
-          <a:tile tx="0" ty="0" sx="60000" sy="59000" flip="none" algn="tl"/>
-        </a:blipFill>
+            </a:gs>
+          </a:gsLst>
+          <a:lin ang="5400000" scaled="0"/>
+        </a:gradFill>
       </a:fillStyleLst>
       <a:lnStyleLst>
         <a:ln w="6350" cap="flat" cmpd="sng" algn="ctr">
@@ -8328,18 +11606,21 @@
             <a:schemeClr val="phClr"/>
           </a:solidFill>
           <a:prstDash val="solid"/>
+          <a:miter lim="800000"/>
         </a:ln>
         <a:ln w="12700" cap="flat" cmpd="sng" algn="ctr">
           <a:solidFill>
             <a:schemeClr val="phClr"/>
           </a:solidFill>
           <a:prstDash val="solid"/>
+          <a:miter lim="800000"/>
         </a:ln>
         <a:ln w="19050" cap="flat" cmpd="sng" algn="ctr">
           <a:solidFill>
             <a:schemeClr val="phClr"/>
           </a:solidFill>
           <a:prstDash val="solid"/>
+          <a:miter lim="800000"/>
         </a:ln>
       </a:lnStyleLst>
       <a:effectStyleLst>
@@ -8347,18 +11628,15 @@
           <a:effectLst/>
         </a:effectStyle>
         <a:effectStyle>
-          <a:effectLst>
-            <a:softEdge rad="12700"/>
-          </a:effectLst>
+          <a:effectLst/>
         </a:effectStyle>
         <a:effectStyle>
           <a:effectLst>
-            <a:outerShdw blurRad="50800" dist="19050" dir="5400000" algn="tl" rotWithShape="0">
+            <a:outerShdw blurRad="57150" dist="19050" dir="5400000" algn="ctr" rotWithShape="0">
               <a:srgbClr val="000000">
-                <a:alpha val="60000"/>
+                <a:alpha val="63000"/>
               </a:srgbClr>
             </a:outerShdw>
-            <a:softEdge rad="12700"/>
           </a:effectLst>
         </a:effectStyle>
       </a:effectStyleLst>
@@ -8368,26 +11646,37 @@
         </a:solidFill>
         <a:solidFill>
           <a:schemeClr val="phClr">
-            <a:shade val="97000"/>
-            <a:satMod val="150000"/>
+            <a:tint val="95000"/>
+            <a:satMod val="170000"/>
           </a:schemeClr>
         </a:solidFill>
-        <a:blipFill rotWithShape="1">
-          <a:blip xmlns:r="http://schemas.openxmlformats.org/officeDocument/2006/relationships" r:embed="rId1">
-            <a:duotone>
+        <a:gradFill rotWithShape="1">
+          <a:gsLst>
+            <a:gs pos="0">
               <a:schemeClr val="phClr">
-                <a:tint val="75000"/>
-                <a:shade val="58000"/>
+                <a:tint val="93000"/>
+                <a:satMod val="150000"/>
+                <a:shade val="98000"/>
+                <a:lumMod val="102000"/>
+              </a:schemeClr>
+            </a:gs>
+            <a:gs pos="50000">
+              <a:schemeClr val="phClr">
+                <a:tint val="98000"/>
+                <a:satMod val="130000"/>
+                <a:shade val="90000"/>
+                <a:lumMod val="103000"/>
+              </a:schemeClr>
+            </a:gs>
+            <a:gs pos="100000">
+              <a:schemeClr val="phClr">
+                <a:shade val="63000"/>
                 <a:satMod val="120000"/>
               </a:schemeClr>
-              <a:schemeClr val="phClr">
-                <a:tint val="50000"/>
-                <a:shade val="96000"/>
-              </a:schemeClr>
-            </a:duotone>
-          </a:blip>
-          <a:tile tx="0" ty="0" sx="100000" sy="100000" flip="none" algn="tl"/>
-        </a:blipFill>
+            </a:gs>
+          </a:gsLst>
+          <a:lin ang="5400000" scaled="0"/>
+        </a:gradFill>
       </a:bgFillStyleLst>
     </a:fmtScheme>
   </a:themeElements>
@@ -8395,7 +11684,7 @@
   <a:extraClrSchemeLst/>
   <a:extLst>
     <a:ext uri="{05A4C25C-085E-4340-85A3-A5531E510DB2}">
-      <thm15:themeFamily xmlns:thm15="http://schemas.microsoft.com/office/thememl/2012/main" name="Wood Type" id="{7ACABC62-BF99-48CF-A9DC-4DB89C7B13DC}" vid="{C6AE0645-98FF-411B-B0E9-59ABD78A0CCE}"/>
+      <thm15:themeFamily xmlns:thm15="http://schemas.microsoft.com/office/thememl/2012/main" name="Office Theme" id="{62F939B6-93AF-4DB8-9C6B-D6C7DFDC589F}" vid="{4A3C46E8-61CC-4603-A589-7422A47A8E4A}"/>
     </a:ext>
   </a:extLst>
 </a:theme>
